--- a/TFG.pptx
+++ b/TFG.pptx
@@ -8780,7 +8780,7 @@
               <a:buNone/>
             </a:pPr>
             <a:r>
-              <a:rPr lang="es"/>
+              <a:rPr lang="es" dirty="0"/>
               <a:t>Conclusiones</a:t>
             </a:r>
           </a:p>
@@ -8952,9 +8952,10 @@
               <a:buNone/>
             </a:pPr>
             <a:r>
-              <a:rPr lang="es"/>
-              <a:t>Objetivos no conseguidos</a:t>
+              <a:rPr lang="es" dirty="0" smtClean="0"/>
+              <a:t>Trabajo futuro</a:t>
             </a:r>
+            <a:endParaRPr lang="es" dirty="0"/>
           </a:p>
           <a:p>
             <a:pPr marL="457200" lvl="0" indent="-228600" rtl="0">
@@ -8964,9 +8965,10 @@
               <a:buChar char="-"/>
             </a:pPr>
             <a:r>
-              <a:rPr lang="es"/>
-              <a:t>Input via mando</a:t>
+              <a:rPr lang="es" dirty="0" smtClean="0"/>
+              <a:t>Soporte para mando y control multiplataforma</a:t>
             </a:r>
+            <a:endParaRPr lang="es" dirty="0"/>
           </a:p>
           <a:p>
             <a:pPr marL="457200" lvl="0" indent="-228600" rtl="0">
@@ -8976,7 +8978,7 @@
               <a:buChar char="-"/>
             </a:pPr>
             <a:r>
-              <a:rPr lang="es"/>
+              <a:rPr lang="es" dirty="0"/>
               <a:t>Guardar/Cargar partida</a:t>
             </a:r>
           </a:p>
@@ -8988,7 +8990,7 @@
               <a:buChar char="-"/>
             </a:pPr>
             <a:r>
-              <a:rPr lang="es"/>
+              <a:rPr lang="es" dirty="0"/>
               <a:t>Animaciones dentro de la batalla</a:t>
             </a:r>
           </a:p>
@@ -8999,7 +9001,7 @@
               </a:spcBef>
               <a:buNone/>
             </a:pPr>
-            <a:endParaRPr/>
+            <a:endParaRPr dirty="0"/>
           </a:p>
         </p:txBody>
       </p:sp>
@@ -9560,7 +9562,7 @@
               <a:buNone/>
             </a:pPr>
             <a:r>
-              <a:rPr lang="es"/>
+              <a:rPr lang="es" dirty="0"/>
               <a:t>Objetivos del proyecto</a:t>
             </a:r>
           </a:p>
@@ -9598,9 +9600,10 @@
               <a:buChar char="-"/>
             </a:pPr>
             <a:r>
-              <a:rPr lang="es"/>
-              <a:t>Aprender a usar Unity.</a:t>
+              <a:rPr lang="es" dirty="0" smtClean="0"/>
+              <a:t>Ganar experiencia en el desarrollo de un proyecto completo con Unity.</a:t>
             </a:r>
+            <a:endParaRPr lang="es" dirty="0"/>
           </a:p>
           <a:p>
             <a:pPr marL="457200" lvl="0" indent="-228600" rtl="0">
@@ -9610,7 +9613,7 @@
               <a:buChar char="-"/>
             </a:pPr>
             <a:r>
-              <a:rPr lang="es"/>
+              <a:rPr lang="es" dirty="0"/>
               <a:t>Hacer un videojuego J-RPG de toque clásico.</a:t>
             </a:r>
           </a:p>
@@ -9622,8 +9625,42 @@
               <a:buChar char="-"/>
             </a:pPr>
             <a:r>
-              <a:rPr lang="es"/>
-              <a:t>Sistema de batalla ATB (Active Time Battle)</a:t>
+              <a:rPr lang="es" dirty="0"/>
+              <a:t>Sistema de batalla ATB (Active Time Battle</a:t>
+            </a:r>
+            <a:r>
+              <a:rPr lang="es" dirty="0" smtClean="0"/>
+              <a:t>).</a:t>
+            </a:r>
+            <a:endParaRPr lang="es" dirty="0"/>
+          </a:p>
+          <a:p>
+            <a:pPr marL="914400" lvl="1" indent="-228600" rtl="0">
+              <a:spcBef>
+                <a:spcPts val="0"/>
+              </a:spcBef>
+              <a:buChar char="-"/>
+            </a:pPr>
+            <a:r>
+              <a:rPr lang="es" dirty="0"/>
+              <a:t>Sistema de </a:t>
+            </a:r>
+            <a:r>
+              <a:rPr lang="es" dirty="0" smtClean="0"/>
+              <a:t>trabajos.</a:t>
+            </a:r>
+            <a:endParaRPr lang="es" dirty="0"/>
+          </a:p>
+          <a:p>
+            <a:pPr marL="914400" lvl="1" indent="-228600" rtl="0">
+              <a:spcBef>
+                <a:spcPts val="0"/>
+              </a:spcBef>
+              <a:buChar char="-"/>
+            </a:pPr>
+            <a:r>
+              <a:rPr lang="es" dirty="0" smtClean="0"/>
+              <a:t>Dialogos.</a:t>
             </a:r>
           </a:p>
           <a:p>
@@ -9634,21 +9671,10 @@
               <a:buChar char="-"/>
             </a:pPr>
             <a:r>
-              <a:rPr lang="es"/>
-              <a:t>Sistema de trabajos</a:t>
+              <a:rPr lang="es" dirty="0" smtClean="0"/>
+              <a:t>Navegación en el mapa.</a:t>
             </a:r>
-          </a:p>
-          <a:p>
-            <a:pPr marL="914400" lvl="1" indent="-228600" rtl="0">
-              <a:spcBef>
-                <a:spcPts val="0"/>
-              </a:spcBef>
-              <a:buChar char="-"/>
-            </a:pPr>
-            <a:r>
-              <a:rPr lang="es"/>
-              <a:t>Dialogos</a:t>
-            </a:r>
+            <a:endParaRPr lang="es" dirty="0"/>
           </a:p>
           <a:p>
             <a:pPr marL="457200" lvl="0" indent="0">
@@ -9657,7 +9683,7 @@
               </a:spcBef>
               <a:buNone/>
             </a:pPr>
-            <a:endParaRPr/>
+            <a:endParaRPr dirty="0"/>
           </a:p>
         </p:txBody>
       </p:sp>

--- a/TFG.pptx
+++ b/TFG.pptx
@@ -11,33 +11,40 @@
     <p:sldId id="256" r:id="rId2"/>
     <p:sldId id="257" r:id="rId3"/>
     <p:sldId id="258" r:id="rId4"/>
-    <p:sldId id="259" r:id="rId5"/>
-    <p:sldId id="260" r:id="rId6"/>
-    <p:sldId id="261" r:id="rId7"/>
-    <p:sldId id="262" r:id="rId8"/>
-    <p:sldId id="263" r:id="rId9"/>
-    <p:sldId id="264" r:id="rId10"/>
-    <p:sldId id="265" r:id="rId11"/>
-    <p:sldId id="266" r:id="rId12"/>
-    <p:sldId id="267" r:id="rId13"/>
-    <p:sldId id="268" r:id="rId14"/>
-    <p:sldId id="269" r:id="rId15"/>
-    <p:sldId id="270" r:id="rId16"/>
+    <p:sldId id="270" r:id="rId5"/>
+    <p:sldId id="267" r:id="rId6"/>
+    <p:sldId id="265" r:id="rId7"/>
+    <p:sldId id="268" r:id="rId8"/>
+    <p:sldId id="259" r:id="rId9"/>
+    <p:sldId id="269" r:id="rId10"/>
+    <p:sldId id="261" r:id="rId11"/>
+    <p:sldId id="260" r:id="rId12"/>
+    <p:sldId id="262" r:id="rId13"/>
+    <p:sldId id="263" r:id="rId14"/>
+    <p:sldId id="264" r:id="rId15"/>
+    <p:sldId id="266" r:id="rId16"/>
   </p:sldIdLst>
   <p:sldSz cx="9144000" cy="5143500" type="screen16x9"/>
   <p:notesSz cx="6858000" cy="9144000"/>
   <p:embeddedFontLst>
     <p:embeddedFont>
-      <p:font typeface="Montserrat" panose="020B0604020202020204" charset="0"/>
+      <p:font typeface="Calibri" panose="020F0502020204030204" pitchFamily="34" charset="0"/>
       <p:regular r:id="rId18"/>
       <p:bold r:id="rId19"/>
+      <p:italic r:id="rId20"/>
+      <p:boldItalic r:id="rId21"/>
+    </p:embeddedFont>
+    <p:embeddedFont>
+      <p:font typeface="Montserrat" panose="020B0604020202020204" charset="0"/>
+      <p:regular r:id="rId22"/>
+      <p:bold r:id="rId23"/>
     </p:embeddedFont>
     <p:embeddedFont>
       <p:font typeface="Lato" panose="020B0604020202020204" charset="0"/>
-      <p:regular r:id="rId20"/>
-      <p:bold r:id="rId21"/>
-      <p:italic r:id="rId22"/>
-      <p:boldItalic r:id="rId23"/>
+      <p:regular r:id="rId24"/>
+      <p:bold r:id="rId25"/>
+      <p:italic r:id="rId26"/>
+      <p:boldItalic r:id="rId27"/>
     </p:embeddedFont>
   </p:embeddedFontLst>
   <p:defaultTextStyle>
@@ -641,7 +648,7 @@
   <p:cSld>
     <p:spTree>
       <p:nvGrpSpPr>
-        <p:cNvPr id="1" name="Shape 187"/>
+        <p:cNvPr id="1" name="Shape 161"/>
         <p:cNvGrpSpPr/>
         <p:nvPr/>
       </p:nvGrpSpPr>
@@ -655,7 +662,7 @@
       </p:grpSpPr>
       <p:sp>
         <p:nvSpPr>
-          <p:cNvPr id="188" name="Shape 188"/>
+          <p:cNvPr id="162" name="Shape 162"/>
           <p:cNvSpPr>
             <a:spLocks noGrp="1" noRot="1" noChangeAspect="1"/>
           </p:cNvSpPr>
@@ -696,7 +703,7 @@
       </p:sp>
       <p:sp>
         <p:nvSpPr>
-          <p:cNvPr id="189" name="Shape 189"/>
+          <p:cNvPr id="163" name="Shape 163"/>
           <p:cNvSpPr txBox="1">
             <a:spLocks noGrp="1"/>
           </p:cNvSpPr>
@@ -732,7 +739,7 @@
     </p:spTree>
     <p:extLst>
       <p:ext uri="{BB962C8B-B14F-4D97-AF65-F5344CB8AC3E}">
-        <p14:creationId xmlns:p14="http://schemas.microsoft.com/office/powerpoint/2010/main" val="1583106777"/>
+        <p14:creationId xmlns:p14="http://schemas.microsoft.com/office/powerpoint/2010/main" val="3775134866"/>
       </p:ext>
     </p:extLst>
   </p:cSld>
@@ -743,6 +750,430 @@
 </file>
 
 <file path=ppt/notesSlides/notesSlide11.xml><?xml version="1.0" encoding="utf-8"?>
+<p:notes xmlns:a="http://schemas.openxmlformats.org/drawingml/2006/main" xmlns:r="http://schemas.openxmlformats.org/officeDocument/2006/relationships" xmlns:p="http://schemas.openxmlformats.org/presentationml/2006/main" showMasterSp="0" showMasterPhAnim="0">
+  <p:cSld>
+    <p:spTree>
+      <p:nvGrpSpPr>
+        <p:cNvPr id="1" name="Shape 153"/>
+        <p:cNvGrpSpPr/>
+        <p:nvPr/>
+      </p:nvGrpSpPr>
+      <p:grpSpPr>
+        <a:xfrm>
+          <a:off x="0" y="0"/>
+          <a:ext cx="0" cy="0"/>
+          <a:chOff x="0" y="0"/>
+          <a:chExt cx="0" cy="0"/>
+        </a:xfrm>
+      </p:grpSpPr>
+      <p:sp>
+        <p:nvSpPr>
+          <p:cNvPr id="154" name="Shape 154"/>
+          <p:cNvSpPr>
+            <a:spLocks noGrp="1" noRot="1" noChangeAspect="1"/>
+          </p:cNvSpPr>
+          <p:nvPr>
+            <p:ph type="sldImg" idx="2"/>
+          </p:nvPr>
+        </p:nvSpPr>
+        <p:spPr>
+          <a:xfrm>
+            <a:off x="381000" y="685800"/>
+            <a:ext cx="6096000" cy="3429000"/>
+          </a:xfrm>
+          <a:custGeom>
+            <a:avLst/>
+            <a:gdLst/>
+            <a:ahLst/>
+            <a:cxnLst/>
+            <a:rect l="0" t="0" r="0" b="0"/>
+            <a:pathLst>
+              <a:path w="120000" h="120000" extrusionOk="0">
+                <a:moveTo>
+                  <a:pt x="0" y="0"/>
+                </a:moveTo>
+                <a:lnTo>
+                  <a:pt x="120000" y="0"/>
+                </a:lnTo>
+                <a:lnTo>
+                  <a:pt x="120000" y="120000"/>
+                </a:lnTo>
+                <a:lnTo>
+                  <a:pt x="0" y="120000"/>
+                </a:lnTo>
+                <a:close/>
+              </a:path>
+            </a:pathLst>
+          </a:custGeom>
+        </p:spPr>
+      </p:sp>
+      <p:sp>
+        <p:nvSpPr>
+          <p:cNvPr id="155" name="Shape 155"/>
+          <p:cNvSpPr txBox="1">
+            <a:spLocks noGrp="1"/>
+          </p:cNvSpPr>
+          <p:nvPr>
+            <p:ph type="body" idx="1"/>
+          </p:nvPr>
+        </p:nvSpPr>
+        <p:spPr>
+          <a:xfrm>
+            <a:off x="685800" y="4343400"/>
+            <a:ext cx="5486400" cy="4114800"/>
+          </a:xfrm>
+          <a:prstGeom prst="rect">
+            <a:avLst/>
+          </a:prstGeom>
+        </p:spPr>
+        <p:txBody>
+          <a:bodyPr wrap="square" lIns="91425" tIns="91425" rIns="91425" bIns="91425" anchor="t" anchorCtr="0">
+            <a:noAutofit/>
+          </a:bodyPr>
+          <a:lstStyle/>
+          <a:p>
+            <a:pPr lvl="0">
+              <a:spcBef>
+                <a:spcPts val="0"/>
+              </a:spcBef>
+              <a:buNone/>
+            </a:pPr>
+            <a:endParaRPr/>
+          </a:p>
+        </p:txBody>
+      </p:sp>
+    </p:spTree>
+    <p:extLst>
+      <p:ext uri="{BB962C8B-B14F-4D97-AF65-F5344CB8AC3E}">
+        <p14:creationId xmlns:p14="http://schemas.microsoft.com/office/powerpoint/2010/main" val="2315453017"/>
+      </p:ext>
+    </p:extLst>
+  </p:cSld>
+  <p:clrMapOvr>
+    <a:masterClrMapping/>
+  </p:clrMapOvr>
+</p:notes>
+</file>
+
+<file path=ppt/notesSlides/notesSlide12.xml><?xml version="1.0" encoding="utf-8"?>
+<p:notes xmlns:a="http://schemas.openxmlformats.org/drawingml/2006/main" xmlns:r="http://schemas.openxmlformats.org/officeDocument/2006/relationships" xmlns:p="http://schemas.openxmlformats.org/presentationml/2006/main" showMasterSp="0" showMasterPhAnim="0">
+  <p:cSld>
+    <p:spTree>
+      <p:nvGrpSpPr>
+        <p:cNvPr id="1" name="Shape 169"/>
+        <p:cNvGrpSpPr/>
+        <p:nvPr/>
+      </p:nvGrpSpPr>
+      <p:grpSpPr>
+        <a:xfrm>
+          <a:off x="0" y="0"/>
+          <a:ext cx="0" cy="0"/>
+          <a:chOff x="0" y="0"/>
+          <a:chExt cx="0" cy="0"/>
+        </a:xfrm>
+      </p:grpSpPr>
+      <p:sp>
+        <p:nvSpPr>
+          <p:cNvPr id="170" name="Shape 170"/>
+          <p:cNvSpPr>
+            <a:spLocks noGrp="1" noRot="1" noChangeAspect="1"/>
+          </p:cNvSpPr>
+          <p:nvPr>
+            <p:ph type="sldImg" idx="2"/>
+          </p:nvPr>
+        </p:nvSpPr>
+        <p:spPr>
+          <a:xfrm>
+            <a:off x="381000" y="685800"/>
+            <a:ext cx="6096000" cy="3429000"/>
+          </a:xfrm>
+          <a:custGeom>
+            <a:avLst/>
+            <a:gdLst/>
+            <a:ahLst/>
+            <a:cxnLst/>
+            <a:rect l="0" t="0" r="0" b="0"/>
+            <a:pathLst>
+              <a:path w="120000" h="120000" extrusionOk="0">
+                <a:moveTo>
+                  <a:pt x="0" y="0"/>
+                </a:moveTo>
+                <a:lnTo>
+                  <a:pt x="120000" y="0"/>
+                </a:lnTo>
+                <a:lnTo>
+                  <a:pt x="120000" y="120000"/>
+                </a:lnTo>
+                <a:lnTo>
+                  <a:pt x="0" y="120000"/>
+                </a:lnTo>
+                <a:close/>
+              </a:path>
+            </a:pathLst>
+          </a:custGeom>
+        </p:spPr>
+      </p:sp>
+      <p:sp>
+        <p:nvSpPr>
+          <p:cNvPr id="171" name="Shape 171"/>
+          <p:cNvSpPr txBox="1">
+            <a:spLocks noGrp="1"/>
+          </p:cNvSpPr>
+          <p:nvPr>
+            <p:ph type="body" idx="1"/>
+          </p:nvPr>
+        </p:nvSpPr>
+        <p:spPr>
+          <a:xfrm>
+            <a:off x="685800" y="4343400"/>
+            <a:ext cx="5486400" cy="4114800"/>
+          </a:xfrm>
+          <a:prstGeom prst="rect">
+            <a:avLst/>
+          </a:prstGeom>
+        </p:spPr>
+        <p:txBody>
+          <a:bodyPr wrap="square" lIns="91425" tIns="91425" rIns="91425" bIns="91425" anchor="t" anchorCtr="0">
+            <a:noAutofit/>
+          </a:bodyPr>
+          <a:lstStyle/>
+          <a:p>
+            <a:pPr lvl="0">
+              <a:spcBef>
+                <a:spcPts val="0"/>
+              </a:spcBef>
+              <a:buNone/>
+            </a:pPr>
+            <a:endParaRPr/>
+          </a:p>
+        </p:txBody>
+      </p:sp>
+    </p:spTree>
+    <p:extLst>
+      <p:ext uri="{BB962C8B-B14F-4D97-AF65-F5344CB8AC3E}">
+        <p14:creationId xmlns:p14="http://schemas.microsoft.com/office/powerpoint/2010/main" val="1391713134"/>
+      </p:ext>
+    </p:extLst>
+  </p:cSld>
+  <p:clrMapOvr>
+    <a:masterClrMapping/>
+  </p:clrMapOvr>
+</p:notes>
+</file>
+
+<file path=ppt/notesSlides/notesSlide13.xml><?xml version="1.0" encoding="utf-8"?>
+<p:notes xmlns:a="http://schemas.openxmlformats.org/drawingml/2006/main" xmlns:r="http://schemas.openxmlformats.org/officeDocument/2006/relationships" xmlns:p="http://schemas.openxmlformats.org/presentationml/2006/main" showMasterSp="0" showMasterPhAnim="0">
+  <p:cSld>
+    <p:spTree>
+      <p:nvGrpSpPr>
+        <p:cNvPr id="1" name="Shape 176"/>
+        <p:cNvGrpSpPr/>
+        <p:nvPr/>
+      </p:nvGrpSpPr>
+      <p:grpSpPr>
+        <a:xfrm>
+          <a:off x="0" y="0"/>
+          <a:ext cx="0" cy="0"/>
+          <a:chOff x="0" y="0"/>
+          <a:chExt cx="0" cy="0"/>
+        </a:xfrm>
+      </p:grpSpPr>
+      <p:sp>
+        <p:nvSpPr>
+          <p:cNvPr id="177" name="Shape 177"/>
+          <p:cNvSpPr>
+            <a:spLocks noGrp="1" noRot="1" noChangeAspect="1"/>
+          </p:cNvSpPr>
+          <p:nvPr>
+            <p:ph type="sldImg" idx="2"/>
+          </p:nvPr>
+        </p:nvSpPr>
+        <p:spPr>
+          <a:xfrm>
+            <a:off x="381000" y="685800"/>
+            <a:ext cx="6096000" cy="3429000"/>
+          </a:xfrm>
+          <a:custGeom>
+            <a:avLst/>
+            <a:gdLst/>
+            <a:ahLst/>
+            <a:cxnLst/>
+            <a:rect l="0" t="0" r="0" b="0"/>
+            <a:pathLst>
+              <a:path w="120000" h="120000" extrusionOk="0">
+                <a:moveTo>
+                  <a:pt x="0" y="0"/>
+                </a:moveTo>
+                <a:lnTo>
+                  <a:pt x="120000" y="0"/>
+                </a:lnTo>
+                <a:lnTo>
+                  <a:pt x="120000" y="120000"/>
+                </a:lnTo>
+                <a:lnTo>
+                  <a:pt x="0" y="120000"/>
+                </a:lnTo>
+                <a:close/>
+              </a:path>
+            </a:pathLst>
+          </a:custGeom>
+        </p:spPr>
+      </p:sp>
+      <p:sp>
+        <p:nvSpPr>
+          <p:cNvPr id="178" name="Shape 178"/>
+          <p:cNvSpPr txBox="1">
+            <a:spLocks noGrp="1"/>
+          </p:cNvSpPr>
+          <p:nvPr>
+            <p:ph type="body" idx="1"/>
+          </p:nvPr>
+        </p:nvSpPr>
+        <p:spPr>
+          <a:xfrm>
+            <a:off x="685800" y="4343400"/>
+            <a:ext cx="5486400" cy="4114800"/>
+          </a:xfrm>
+          <a:prstGeom prst="rect">
+            <a:avLst/>
+          </a:prstGeom>
+        </p:spPr>
+        <p:txBody>
+          <a:bodyPr wrap="square" lIns="91425" tIns="91425" rIns="91425" bIns="91425" anchor="t" anchorCtr="0">
+            <a:noAutofit/>
+          </a:bodyPr>
+          <a:lstStyle/>
+          <a:p>
+            <a:pPr lvl="0">
+              <a:spcBef>
+                <a:spcPts val="0"/>
+              </a:spcBef>
+              <a:buNone/>
+            </a:pPr>
+            <a:endParaRPr/>
+          </a:p>
+        </p:txBody>
+      </p:sp>
+    </p:spTree>
+    <p:extLst>
+      <p:ext uri="{BB962C8B-B14F-4D97-AF65-F5344CB8AC3E}">
+        <p14:creationId xmlns:p14="http://schemas.microsoft.com/office/powerpoint/2010/main" val="1573439670"/>
+      </p:ext>
+    </p:extLst>
+  </p:cSld>
+  <p:clrMapOvr>
+    <a:masterClrMapping/>
+  </p:clrMapOvr>
+</p:notes>
+</file>
+
+<file path=ppt/notesSlides/notesSlide14.xml><?xml version="1.0" encoding="utf-8"?>
+<p:notes xmlns:a="http://schemas.openxmlformats.org/drawingml/2006/main" xmlns:r="http://schemas.openxmlformats.org/officeDocument/2006/relationships" xmlns:p="http://schemas.openxmlformats.org/presentationml/2006/main" showMasterSp="0" showMasterPhAnim="0">
+  <p:cSld>
+    <p:spTree>
+      <p:nvGrpSpPr>
+        <p:cNvPr id="1" name="Shape 181"/>
+        <p:cNvGrpSpPr/>
+        <p:nvPr/>
+      </p:nvGrpSpPr>
+      <p:grpSpPr>
+        <a:xfrm>
+          <a:off x="0" y="0"/>
+          <a:ext cx="0" cy="0"/>
+          <a:chOff x="0" y="0"/>
+          <a:chExt cx="0" cy="0"/>
+        </a:xfrm>
+      </p:grpSpPr>
+      <p:sp>
+        <p:nvSpPr>
+          <p:cNvPr id="182" name="Shape 182"/>
+          <p:cNvSpPr>
+            <a:spLocks noGrp="1" noRot="1" noChangeAspect="1"/>
+          </p:cNvSpPr>
+          <p:nvPr>
+            <p:ph type="sldImg" idx="2"/>
+          </p:nvPr>
+        </p:nvSpPr>
+        <p:spPr>
+          <a:xfrm>
+            <a:off x="381000" y="685800"/>
+            <a:ext cx="6096000" cy="3429000"/>
+          </a:xfrm>
+          <a:custGeom>
+            <a:avLst/>
+            <a:gdLst/>
+            <a:ahLst/>
+            <a:cxnLst/>
+            <a:rect l="0" t="0" r="0" b="0"/>
+            <a:pathLst>
+              <a:path w="120000" h="120000" extrusionOk="0">
+                <a:moveTo>
+                  <a:pt x="0" y="0"/>
+                </a:moveTo>
+                <a:lnTo>
+                  <a:pt x="120000" y="0"/>
+                </a:lnTo>
+                <a:lnTo>
+                  <a:pt x="120000" y="120000"/>
+                </a:lnTo>
+                <a:lnTo>
+                  <a:pt x="0" y="120000"/>
+                </a:lnTo>
+                <a:close/>
+              </a:path>
+            </a:pathLst>
+          </a:custGeom>
+        </p:spPr>
+      </p:sp>
+      <p:sp>
+        <p:nvSpPr>
+          <p:cNvPr id="183" name="Shape 183"/>
+          <p:cNvSpPr txBox="1">
+            <a:spLocks noGrp="1"/>
+          </p:cNvSpPr>
+          <p:nvPr>
+            <p:ph type="body" idx="1"/>
+          </p:nvPr>
+        </p:nvSpPr>
+        <p:spPr>
+          <a:xfrm>
+            <a:off x="685800" y="4343400"/>
+            <a:ext cx="5486400" cy="4114800"/>
+          </a:xfrm>
+          <a:prstGeom prst="rect">
+            <a:avLst/>
+          </a:prstGeom>
+        </p:spPr>
+        <p:txBody>
+          <a:bodyPr wrap="square" lIns="91425" tIns="91425" rIns="91425" bIns="91425" anchor="t" anchorCtr="0">
+            <a:noAutofit/>
+          </a:bodyPr>
+          <a:lstStyle/>
+          <a:p>
+            <a:pPr lvl="0">
+              <a:spcBef>
+                <a:spcPts val="0"/>
+              </a:spcBef>
+              <a:buNone/>
+            </a:pPr>
+            <a:endParaRPr/>
+          </a:p>
+        </p:txBody>
+      </p:sp>
+    </p:spTree>
+    <p:extLst>
+      <p:ext uri="{BB962C8B-B14F-4D97-AF65-F5344CB8AC3E}">
+        <p14:creationId xmlns:p14="http://schemas.microsoft.com/office/powerpoint/2010/main" val="3570697367"/>
+      </p:ext>
+    </p:extLst>
+  </p:cSld>
+  <p:clrMapOvr>
+    <a:masterClrMapping/>
+  </p:clrMapOvr>
+</p:notes>
+</file>
+
+<file path=ppt/notesSlides/notesSlide15.xml><?xml version="1.0" encoding="utf-8"?>
 <p:notes xmlns:a="http://schemas.openxmlformats.org/drawingml/2006/main" xmlns:r="http://schemas.openxmlformats.org/officeDocument/2006/relationships" xmlns:p="http://schemas.openxmlformats.org/presentationml/2006/main" showMasterSp="0" showMasterPhAnim="0">
   <p:cSld>
     <p:spTree>
@@ -839,430 +1270,6 @@
     <p:extLst>
       <p:ext uri="{BB962C8B-B14F-4D97-AF65-F5344CB8AC3E}">
         <p14:creationId xmlns:p14="http://schemas.microsoft.com/office/powerpoint/2010/main" val="2178124680"/>
-      </p:ext>
-    </p:extLst>
-  </p:cSld>
-  <p:clrMapOvr>
-    <a:masterClrMapping/>
-  </p:clrMapOvr>
-</p:notes>
-</file>
-
-<file path=ppt/notesSlides/notesSlide12.xml><?xml version="1.0" encoding="utf-8"?>
-<p:notes xmlns:a="http://schemas.openxmlformats.org/drawingml/2006/main" xmlns:r="http://schemas.openxmlformats.org/officeDocument/2006/relationships" xmlns:p="http://schemas.openxmlformats.org/presentationml/2006/main" showMasterSp="0" showMasterPhAnim="0">
-  <p:cSld>
-    <p:spTree>
-      <p:nvGrpSpPr>
-        <p:cNvPr id="1" name="Shape 200"/>
-        <p:cNvGrpSpPr/>
-        <p:nvPr/>
-      </p:nvGrpSpPr>
-      <p:grpSpPr>
-        <a:xfrm>
-          <a:off x="0" y="0"/>
-          <a:ext cx="0" cy="0"/>
-          <a:chOff x="0" y="0"/>
-          <a:chExt cx="0" cy="0"/>
-        </a:xfrm>
-      </p:grpSpPr>
-      <p:sp>
-        <p:nvSpPr>
-          <p:cNvPr id="201" name="Shape 201"/>
-          <p:cNvSpPr>
-            <a:spLocks noGrp="1" noRot="1" noChangeAspect="1"/>
-          </p:cNvSpPr>
-          <p:nvPr>
-            <p:ph type="sldImg" idx="2"/>
-          </p:nvPr>
-        </p:nvSpPr>
-        <p:spPr>
-          <a:xfrm>
-            <a:off x="381000" y="685800"/>
-            <a:ext cx="6096000" cy="3429000"/>
-          </a:xfrm>
-          <a:custGeom>
-            <a:avLst/>
-            <a:gdLst/>
-            <a:ahLst/>
-            <a:cxnLst/>
-            <a:rect l="0" t="0" r="0" b="0"/>
-            <a:pathLst>
-              <a:path w="120000" h="120000" extrusionOk="0">
-                <a:moveTo>
-                  <a:pt x="0" y="0"/>
-                </a:moveTo>
-                <a:lnTo>
-                  <a:pt x="120000" y="0"/>
-                </a:lnTo>
-                <a:lnTo>
-                  <a:pt x="120000" y="120000"/>
-                </a:lnTo>
-                <a:lnTo>
-                  <a:pt x="0" y="120000"/>
-                </a:lnTo>
-                <a:close/>
-              </a:path>
-            </a:pathLst>
-          </a:custGeom>
-        </p:spPr>
-      </p:sp>
-      <p:sp>
-        <p:nvSpPr>
-          <p:cNvPr id="202" name="Shape 202"/>
-          <p:cNvSpPr txBox="1">
-            <a:spLocks noGrp="1"/>
-          </p:cNvSpPr>
-          <p:nvPr>
-            <p:ph type="body" idx="1"/>
-          </p:nvPr>
-        </p:nvSpPr>
-        <p:spPr>
-          <a:xfrm>
-            <a:off x="685800" y="4343400"/>
-            <a:ext cx="5486400" cy="4114800"/>
-          </a:xfrm>
-          <a:prstGeom prst="rect">
-            <a:avLst/>
-          </a:prstGeom>
-        </p:spPr>
-        <p:txBody>
-          <a:bodyPr wrap="square" lIns="91425" tIns="91425" rIns="91425" bIns="91425" anchor="t" anchorCtr="0">
-            <a:noAutofit/>
-          </a:bodyPr>
-          <a:lstStyle/>
-          <a:p>
-            <a:pPr lvl="0">
-              <a:spcBef>
-                <a:spcPts val="0"/>
-              </a:spcBef>
-              <a:buNone/>
-            </a:pPr>
-            <a:endParaRPr/>
-          </a:p>
-        </p:txBody>
-      </p:sp>
-    </p:spTree>
-    <p:extLst>
-      <p:ext uri="{BB962C8B-B14F-4D97-AF65-F5344CB8AC3E}">
-        <p14:creationId xmlns:p14="http://schemas.microsoft.com/office/powerpoint/2010/main" val="4063168686"/>
-      </p:ext>
-    </p:extLst>
-  </p:cSld>
-  <p:clrMapOvr>
-    <a:masterClrMapping/>
-  </p:clrMapOvr>
-</p:notes>
-</file>
-
-<file path=ppt/notesSlides/notesSlide13.xml><?xml version="1.0" encoding="utf-8"?>
-<p:notes xmlns:a="http://schemas.openxmlformats.org/drawingml/2006/main" xmlns:r="http://schemas.openxmlformats.org/officeDocument/2006/relationships" xmlns:p="http://schemas.openxmlformats.org/presentationml/2006/main" showMasterSp="0" showMasterPhAnim="0">
-  <p:cSld>
-    <p:spTree>
-      <p:nvGrpSpPr>
-        <p:cNvPr id="1" name="Shape 206"/>
-        <p:cNvGrpSpPr/>
-        <p:nvPr/>
-      </p:nvGrpSpPr>
-      <p:grpSpPr>
-        <a:xfrm>
-          <a:off x="0" y="0"/>
-          <a:ext cx="0" cy="0"/>
-          <a:chOff x="0" y="0"/>
-          <a:chExt cx="0" cy="0"/>
-        </a:xfrm>
-      </p:grpSpPr>
-      <p:sp>
-        <p:nvSpPr>
-          <p:cNvPr id="207" name="Shape 207"/>
-          <p:cNvSpPr>
-            <a:spLocks noGrp="1" noRot="1" noChangeAspect="1"/>
-          </p:cNvSpPr>
-          <p:nvPr>
-            <p:ph type="sldImg" idx="2"/>
-          </p:nvPr>
-        </p:nvSpPr>
-        <p:spPr>
-          <a:xfrm>
-            <a:off x="381000" y="685800"/>
-            <a:ext cx="6096000" cy="3429000"/>
-          </a:xfrm>
-          <a:custGeom>
-            <a:avLst/>
-            <a:gdLst/>
-            <a:ahLst/>
-            <a:cxnLst/>
-            <a:rect l="0" t="0" r="0" b="0"/>
-            <a:pathLst>
-              <a:path w="120000" h="120000" extrusionOk="0">
-                <a:moveTo>
-                  <a:pt x="0" y="0"/>
-                </a:moveTo>
-                <a:lnTo>
-                  <a:pt x="120000" y="0"/>
-                </a:lnTo>
-                <a:lnTo>
-                  <a:pt x="120000" y="120000"/>
-                </a:lnTo>
-                <a:lnTo>
-                  <a:pt x="0" y="120000"/>
-                </a:lnTo>
-                <a:close/>
-              </a:path>
-            </a:pathLst>
-          </a:custGeom>
-        </p:spPr>
-      </p:sp>
-      <p:sp>
-        <p:nvSpPr>
-          <p:cNvPr id="208" name="Shape 208"/>
-          <p:cNvSpPr txBox="1">
-            <a:spLocks noGrp="1"/>
-          </p:cNvSpPr>
-          <p:nvPr>
-            <p:ph type="body" idx="1"/>
-          </p:nvPr>
-        </p:nvSpPr>
-        <p:spPr>
-          <a:xfrm>
-            <a:off x="685800" y="4343400"/>
-            <a:ext cx="5486400" cy="4114800"/>
-          </a:xfrm>
-          <a:prstGeom prst="rect">
-            <a:avLst/>
-          </a:prstGeom>
-        </p:spPr>
-        <p:txBody>
-          <a:bodyPr wrap="square" lIns="91425" tIns="91425" rIns="91425" bIns="91425" anchor="t" anchorCtr="0">
-            <a:noAutofit/>
-          </a:bodyPr>
-          <a:lstStyle/>
-          <a:p>
-            <a:pPr lvl="0">
-              <a:spcBef>
-                <a:spcPts val="0"/>
-              </a:spcBef>
-              <a:buNone/>
-            </a:pPr>
-            <a:endParaRPr/>
-          </a:p>
-        </p:txBody>
-      </p:sp>
-    </p:spTree>
-    <p:extLst>
-      <p:ext uri="{BB962C8B-B14F-4D97-AF65-F5344CB8AC3E}">
-        <p14:creationId xmlns:p14="http://schemas.microsoft.com/office/powerpoint/2010/main" val="1360618216"/>
-      </p:ext>
-    </p:extLst>
-  </p:cSld>
-  <p:clrMapOvr>
-    <a:masterClrMapping/>
-  </p:clrMapOvr>
-</p:notes>
-</file>
-
-<file path=ppt/notesSlides/notesSlide14.xml><?xml version="1.0" encoding="utf-8"?>
-<p:notes xmlns:a="http://schemas.openxmlformats.org/drawingml/2006/main" xmlns:r="http://schemas.openxmlformats.org/officeDocument/2006/relationships" xmlns:p="http://schemas.openxmlformats.org/presentationml/2006/main" showMasterSp="0" showMasterPhAnim="0">
-  <p:cSld>
-    <p:spTree>
-      <p:nvGrpSpPr>
-        <p:cNvPr id="1" name="Shape 212"/>
-        <p:cNvGrpSpPr/>
-        <p:nvPr/>
-      </p:nvGrpSpPr>
-      <p:grpSpPr>
-        <a:xfrm>
-          <a:off x="0" y="0"/>
-          <a:ext cx="0" cy="0"/>
-          <a:chOff x="0" y="0"/>
-          <a:chExt cx="0" cy="0"/>
-        </a:xfrm>
-      </p:grpSpPr>
-      <p:sp>
-        <p:nvSpPr>
-          <p:cNvPr id="213" name="Shape 213"/>
-          <p:cNvSpPr>
-            <a:spLocks noGrp="1" noRot="1" noChangeAspect="1"/>
-          </p:cNvSpPr>
-          <p:nvPr>
-            <p:ph type="sldImg" idx="2"/>
-          </p:nvPr>
-        </p:nvSpPr>
-        <p:spPr>
-          <a:xfrm>
-            <a:off x="381000" y="685800"/>
-            <a:ext cx="6096000" cy="3429000"/>
-          </a:xfrm>
-          <a:custGeom>
-            <a:avLst/>
-            <a:gdLst/>
-            <a:ahLst/>
-            <a:cxnLst/>
-            <a:rect l="0" t="0" r="0" b="0"/>
-            <a:pathLst>
-              <a:path w="120000" h="120000" extrusionOk="0">
-                <a:moveTo>
-                  <a:pt x="0" y="0"/>
-                </a:moveTo>
-                <a:lnTo>
-                  <a:pt x="120000" y="0"/>
-                </a:lnTo>
-                <a:lnTo>
-                  <a:pt x="120000" y="120000"/>
-                </a:lnTo>
-                <a:lnTo>
-                  <a:pt x="0" y="120000"/>
-                </a:lnTo>
-                <a:close/>
-              </a:path>
-            </a:pathLst>
-          </a:custGeom>
-        </p:spPr>
-      </p:sp>
-      <p:sp>
-        <p:nvSpPr>
-          <p:cNvPr id="214" name="Shape 214"/>
-          <p:cNvSpPr txBox="1">
-            <a:spLocks noGrp="1"/>
-          </p:cNvSpPr>
-          <p:nvPr>
-            <p:ph type="body" idx="1"/>
-          </p:nvPr>
-        </p:nvSpPr>
-        <p:spPr>
-          <a:xfrm>
-            <a:off x="685800" y="4343400"/>
-            <a:ext cx="5486400" cy="4114800"/>
-          </a:xfrm>
-          <a:prstGeom prst="rect">
-            <a:avLst/>
-          </a:prstGeom>
-        </p:spPr>
-        <p:txBody>
-          <a:bodyPr wrap="square" lIns="91425" tIns="91425" rIns="91425" bIns="91425" anchor="t" anchorCtr="0">
-            <a:noAutofit/>
-          </a:bodyPr>
-          <a:lstStyle/>
-          <a:p>
-            <a:pPr lvl="0">
-              <a:spcBef>
-                <a:spcPts val="0"/>
-              </a:spcBef>
-              <a:buNone/>
-            </a:pPr>
-            <a:endParaRPr/>
-          </a:p>
-        </p:txBody>
-      </p:sp>
-    </p:spTree>
-    <p:extLst>
-      <p:ext uri="{BB962C8B-B14F-4D97-AF65-F5344CB8AC3E}">
-        <p14:creationId xmlns:p14="http://schemas.microsoft.com/office/powerpoint/2010/main" val="1641832955"/>
-      </p:ext>
-    </p:extLst>
-  </p:cSld>
-  <p:clrMapOvr>
-    <a:masterClrMapping/>
-  </p:clrMapOvr>
-</p:notes>
-</file>
-
-<file path=ppt/notesSlides/notesSlide15.xml><?xml version="1.0" encoding="utf-8"?>
-<p:notes xmlns:a="http://schemas.openxmlformats.org/drawingml/2006/main" xmlns:r="http://schemas.openxmlformats.org/officeDocument/2006/relationships" xmlns:p="http://schemas.openxmlformats.org/presentationml/2006/main" showMasterSp="0" showMasterPhAnim="0">
-  <p:cSld>
-    <p:spTree>
-      <p:nvGrpSpPr>
-        <p:cNvPr id="1" name="Shape 218"/>
-        <p:cNvGrpSpPr/>
-        <p:nvPr/>
-      </p:nvGrpSpPr>
-      <p:grpSpPr>
-        <a:xfrm>
-          <a:off x="0" y="0"/>
-          <a:ext cx="0" cy="0"/>
-          <a:chOff x="0" y="0"/>
-          <a:chExt cx="0" cy="0"/>
-        </a:xfrm>
-      </p:grpSpPr>
-      <p:sp>
-        <p:nvSpPr>
-          <p:cNvPr id="219" name="Shape 219"/>
-          <p:cNvSpPr>
-            <a:spLocks noGrp="1" noRot="1" noChangeAspect="1"/>
-          </p:cNvSpPr>
-          <p:nvPr>
-            <p:ph type="sldImg" idx="2"/>
-          </p:nvPr>
-        </p:nvSpPr>
-        <p:spPr>
-          <a:xfrm>
-            <a:off x="381000" y="685800"/>
-            <a:ext cx="6096000" cy="3429000"/>
-          </a:xfrm>
-          <a:custGeom>
-            <a:avLst/>
-            <a:gdLst/>
-            <a:ahLst/>
-            <a:cxnLst/>
-            <a:rect l="0" t="0" r="0" b="0"/>
-            <a:pathLst>
-              <a:path w="120000" h="120000" extrusionOk="0">
-                <a:moveTo>
-                  <a:pt x="0" y="0"/>
-                </a:moveTo>
-                <a:lnTo>
-                  <a:pt x="120000" y="0"/>
-                </a:lnTo>
-                <a:lnTo>
-                  <a:pt x="120000" y="120000"/>
-                </a:lnTo>
-                <a:lnTo>
-                  <a:pt x="0" y="120000"/>
-                </a:lnTo>
-                <a:close/>
-              </a:path>
-            </a:pathLst>
-          </a:custGeom>
-        </p:spPr>
-      </p:sp>
-      <p:sp>
-        <p:nvSpPr>
-          <p:cNvPr id="220" name="Shape 220"/>
-          <p:cNvSpPr txBox="1">
-            <a:spLocks noGrp="1"/>
-          </p:cNvSpPr>
-          <p:nvPr>
-            <p:ph type="body" idx="1"/>
-          </p:nvPr>
-        </p:nvSpPr>
-        <p:spPr>
-          <a:xfrm>
-            <a:off x="685800" y="4343400"/>
-            <a:ext cx="5486400" cy="4114800"/>
-          </a:xfrm>
-          <a:prstGeom prst="rect">
-            <a:avLst/>
-          </a:prstGeom>
-        </p:spPr>
-        <p:txBody>
-          <a:bodyPr wrap="square" lIns="91425" tIns="91425" rIns="91425" bIns="91425" anchor="t" anchorCtr="0">
-            <a:noAutofit/>
-          </a:bodyPr>
-          <a:lstStyle/>
-          <a:p>
-            <a:pPr lvl="0">
-              <a:spcBef>
-                <a:spcPts val="0"/>
-              </a:spcBef>
-              <a:buNone/>
-            </a:pPr>
-            <a:endParaRPr/>
-          </a:p>
-        </p:txBody>
-      </p:sp>
-    </p:spTree>
-    <p:extLst>
-      <p:ext uri="{BB962C8B-B14F-4D97-AF65-F5344CB8AC3E}">
-        <p14:creationId xmlns:p14="http://schemas.microsoft.com/office/powerpoint/2010/main" val="677806327"/>
       </p:ext>
     </p:extLst>
   </p:cSld>
@@ -1489,6 +1496,430 @@
   <p:cSld>
     <p:spTree>
       <p:nvGrpSpPr>
+        <p:cNvPr id="1" name="Shape 218"/>
+        <p:cNvGrpSpPr/>
+        <p:nvPr/>
+      </p:nvGrpSpPr>
+      <p:grpSpPr>
+        <a:xfrm>
+          <a:off x="0" y="0"/>
+          <a:ext cx="0" cy="0"/>
+          <a:chOff x="0" y="0"/>
+          <a:chExt cx="0" cy="0"/>
+        </a:xfrm>
+      </p:grpSpPr>
+      <p:sp>
+        <p:nvSpPr>
+          <p:cNvPr id="219" name="Shape 219"/>
+          <p:cNvSpPr>
+            <a:spLocks noGrp="1" noRot="1" noChangeAspect="1"/>
+          </p:cNvSpPr>
+          <p:nvPr>
+            <p:ph type="sldImg" idx="2"/>
+          </p:nvPr>
+        </p:nvSpPr>
+        <p:spPr>
+          <a:xfrm>
+            <a:off x="381000" y="685800"/>
+            <a:ext cx="6096000" cy="3429000"/>
+          </a:xfrm>
+          <a:custGeom>
+            <a:avLst/>
+            <a:gdLst/>
+            <a:ahLst/>
+            <a:cxnLst/>
+            <a:rect l="0" t="0" r="0" b="0"/>
+            <a:pathLst>
+              <a:path w="120000" h="120000" extrusionOk="0">
+                <a:moveTo>
+                  <a:pt x="0" y="0"/>
+                </a:moveTo>
+                <a:lnTo>
+                  <a:pt x="120000" y="0"/>
+                </a:lnTo>
+                <a:lnTo>
+                  <a:pt x="120000" y="120000"/>
+                </a:lnTo>
+                <a:lnTo>
+                  <a:pt x="0" y="120000"/>
+                </a:lnTo>
+                <a:close/>
+              </a:path>
+            </a:pathLst>
+          </a:custGeom>
+        </p:spPr>
+      </p:sp>
+      <p:sp>
+        <p:nvSpPr>
+          <p:cNvPr id="220" name="Shape 220"/>
+          <p:cNvSpPr txBox="1">
+            <a:spLocks noGrp="1"/>
+          </p:cNvSpPr>
+          <p:nvPr>
+            <p:ph type="body" idx="1"/>
+          </p:nvPr>
+        </p:nvSpPr>
+        <p:spPr>
+          <a:xfrm>
+            <a:off x="685800" y="4343400"/>
+            <a:ext cx="5486400" cy="4114800"/>
+          </a:xfrm>
+          <a:prstGeom prst="rect">
+            <a:avLst/>
+          </a:prstGeom>
+        </p:spPr>
+        <p:txBody>
+          <a:bodyPr wrap="square" lIns="91425" tIns="91425" rIns="91425" bIns="91425" anchor="t" anchorCtr="0">
+            <a:noAutofit/>
+          </a:bodyPr>
+          <a:lstStyle/>
+          <a:p>
+            <a:pPr lvl="0">
+              <a:spcBef>
+                <a:spcPts val="0"/>
+              </a:spcBef>
+              <a:buNone/>
+            </a:pPr>
+            <a:endParaRPr/>
+          </a:p>
+        </p:txBody>
+      </p:sp>
+    </p:spTree>
+    <p:extLst>
+      <p:ext uri="{BB962C8B-B14F-4D97-AF65-F5344CB8AC3E}">
+        <p14:creationId xmlns:p14="http://schemas.microsoft.com/office/powerpoint/2010/main" val="677806327"/>
+      </p:ext>
+    </p:extLst>
+  </p:cSld>
+  <p:clrMapOvr>
+    <a:masterClrMapping/>
+  </p:clrMapOvr>
+</p:notes>
+</file>
+
+<file path=ppt/notesSlides/notesSlide5.xml><?xml version="1.0" encoding="utf-8"?>
+<p:notes xmlns:a="http://schemas.openxmlformats.org/drawingml/2006/main" xmlns:r="http://schemas.openxmlformats.org/officeDocument/2006/relationships" xmlns:p="http://schemas.openxmlformats.org/presentationml/2006/main" showMasterSp="0" showMasterPhAnim="0">
+  <p:cSld>
+    <p:spTree>
+      <p:nvGrpSpPr>
+        <p:cNvPr id="1" name="Shape 200"/>
+        <p:cNvGrpSpPr/>
+        <p:nvPr/>
+      </p:nvGrpSpPr>
+      <p:grpSpPr>
+        <a:xfrm>
+          <a:off x="0" y="0"/>
+          <a:ext cx="0" cy="0"/>
+          <a:chOff x="0" y="0"/>
+          <a:chExt cx="0" cy="0"/>
+        </a:xfrm>
+      </p:grpSpPr>
+      <p:sp>
+        <p:nvSpPr>
+          <p:cNvPr id="201" name="Shape 201"/>
+          <p:cNvSpPr>
+            <a:spLocks noGrp="1" noRot="1" noChangeAspect="1"/>
+          </p:cNvSpPr>
+          <p:nvPr>
+            <p:ph type="sldImg" idx="2"/>
+          </p:nvPr>
+        </p:nvSpPr>
+        <p:spPr>
+          <a:xfrm>
+            <a:off x="381000" y="685800"/>
+            <a:ext cx="6096000" cy="3429000"/>
+          </a:xfrm>
+          <a:custGeom>
+            <a:avLst/>
+            <a:gdLst/>
+            <a:ahLst/>
+            <a:cxnLst/>
+            <a:rect l="0" t="0" r="0" b="0"/>
+            <a:pathLst>
+              <a:path w="120000" h="120000" extrusionOk="0">
+                <a:moveTo>
+                  <a:pt x="0" y="0"/>
+                </a:moveTo>
+                <a:lnTo>
+                  <a:pt x="120000" y="0"/>
+                </a:lnTo>
+                <a:lnTo>
+                  <a:pt x="120000" y="120000"/>
+                </a:lnTo>
+                <a:lnTo>
+                  <a:pt x="0" y="120000"/>
+                </a:lnTo>
+                <a:close/>
+              </a:path>
+            </a:pathLst>
+          </a:custGeom>
+        </p:spPr>
+      </p:sp>
+      <p:sp>
+        <p:nvSpPr>
+          <p:cNvPr id="202" name="Shape 202"/>
+          <p:cNvSpPr txBox="1">
+            <a:spLocks noGrp="1"/>
+          </p:cNvSpPr>
+          <p:nvPr>
+            <p:ph type="body" idx="1"/>
+          </p:nvPr>
+        </p:nvSpPr>
+        <p:spPr>
+          <a:xfrm>
+            <a:off x="685800" y="4343400"/>
+            <a:ext cx="5486400" cy="4114800"/>
+          </a:xfrm>
+          <a:prstGeom prst="rect">
+            <a:avLst/>
+          </a:prstGeom>
+        </p:spPr>
+        <p:txBody>
+          <a:bodyPr wrap="square" lIns="91425" tIns="91425" rIns="91425" bIns="91425" anchor="t" anchorCtr="0">
+            <a:noAutofit/>
+          </a:bodyPr>
+          <a:lstStyle/>
+          <a:p>
+            <a:pPr lvl="0">
+              <a:spcBef>
+                <a:spcPts val="0"/>
+              </a:spcBef>
+              <a:buNone/>
+            </a:pPr>
+            <a:endParaRPr/>
+          </a:p>
+        </p:txBody>
+      </p:sp>
+    </p:spTree>
+    <p:extLst>
+      <p:ext uri="{BB962C8B-B14F-4D97-AF65-F5344CB8AC3E}">
+        <p14:creationId xmlns:p14="http://schemas.microsoft.com/office/powerpoint/2010/main" val="4063168686"/>
+      </p:ext>
+    </p:extLst>
+  </p:cSld>
+  <p:clrMapOvr>
+    <a:masterClrMapping/>
+  </p:clrMapOvr>
+</p:notes>
+</file>
+
+<file path=ppt/notesSlides/notesSlide6.xml><?xml version="1.0" encoding="utf-8"?>
+<p:notes xmlns:a="http://schemas.openxmlformats.org/drawingml/2006/main" xmlns:r="http://schemas.openxmlformats.org/officeDocument/2006/relationships" xmlns:p="http://schemas.openxmlformats.org/presentationml/2006/main" showMasterSp="0" showMasterPhAnim="0">
+  <p:cSld>
+    <p:spTree>
+      <p:nvGrpSpPr>
+        <p:cNvPr id="1" name="Shape 187"/>
+        <p:cNvGrpSpPr/>
+        <p:nvPr/>
+      </p:nvGrpSpPr>
+      <p:grpSpPr>
+        <a:xfrm>
+          <a:off x="0" y="0"/>
+          <a:ext cx="0" cy="0"/>
+          <a:chOff x="0" y="0"/>
+          <a:chExt cx="0" cy="0"/>
+        </a:xfrm>
+      </p:grpSpPr>
+      <p:sp>
+        <p:nvSpPr>
+          <p:cNvPr id="188" name="Shape 188"/>
+          <p:cNvSpPr>
+            <a:spLocks noGrp="1" noRot="1" noChangeAspect="1"/>
+          </p:cNvSpPr>
+          <p:nvPr>
+            <p:ph type="sldImg" idx="2"/>
+          </p:nvPr>
+        </p:nvSpPr>
+        <p:spPr>
+          <a:xfrm>
+            <a:off x="381000" y="685800"/>
+            <a:ext cx="6096000" cy="3429000"/>
+          </a:xfrm>
+          <a:custGeom>
+            <a:avLst/>
+            <a:gdLst/>
+            <a:ahLst/>
+            <a:cxnLst/>
+            <a:rect l="0" t="0" r="0" b="0"/>
+            <a:pathLst>
+              <a:path w="120000" h="120000" extrusionOk="0">
+                <a:moveTo>
+                  <a:pt x="0" y="0"/>
+                </a:moveTo>
+                <a:lnTo>
+                  <a:pt x="120000" y="0"/>
+                </a:lnTo>
+                <a:lnTo>
+                  <a:pt x="120000" y="120000"/>
+                </a:lnTo>
+                <a:lnTo>
+                  <a:pt x="0" y="120000"/>
+                </a:lnTo>
+                <a:close/>
+              </a:path>
+            </a:pathLst>
+          </a:custGeom>
+        </p:spPr>
+      </p:sp>
+      <p:sp>
+        <p:nvSpPr>
+          <p:cNvPr id="189" name="Shape 189"/>
+          <p:cNvSpPr txBox="1">
+            <a:spLocks noGrp="1"/>
+          </p:cNvSpPr>
+          <p:nvPr>
+            <p:ph type="body" idx="1"/>
+          </p:nvPr>
+        </p:nvSpPr>
+        <p:spPr>
+          <a:xfrm>
+            <a:off x="685800" y="4343400"/>
+            <a:ext cx="5486400" cy="4114800"/>
+          </a:xfrm>
+          <a:prstGeom prst="rect">
+            <a:avLst/>
+          </a:prstGeom>
+        </p:spPr>
+        <p:txBody>
+          <a:bodyPr wrap="square" lIns="91425" tIns="91425" rIns="91425" bIns="91425" anchor="t" anchorCtr="0">
+            <a:noAutofit/>
+          </a:bodyPr>
+          <a:lstStyle/>
+          <a:p>
+            <a:pPr lvl="0">
+              <a:spcBef>
+                <a:spcPts val="0"/>
+              </a:spcBef>
+              <a:buNone/>
+            </a:pPr>
+            <a:endParaRPr/>
+          </a:p>
+        </p:txBody>
+      </p:sp>
+    </p:spTree>
+    <p:extLst>
+      <p:ext uri="{BB962C8B-B14F-4D97-AF65-F5344CB8AC3E}">
+        <p14:creationId xmlns:p14="http://schemas.microsoft.com/office/powerpoint/2010/main" val="1583106777"/>
+      </p:ext>
+    </p:extLst>
+  </p:cSld>
+  <p:clrMapOvr>
+    <a:masterClrMapping/>
+  </p:clrMapOvr>
+</p:notes>
+</file>
+
+<file path=ppt/notesSlides/notesSlide7.xml><?xml version="1.0" encoding="utf-8"?>
+<p:notes xmlns:a="http://schemas.openxmlformats.org/drawingml/2006/main" xmlns:r="http://schemas.openxmlformats.org/officeDocument/2006/relationships" xmlns:p="http://schemas.openxmlformats.org/presentationml/2006/main" showMasterSp="0" showMasterPhAnim="0">
+  <p:cSld>
+    <p:spTree>
+      <p:nvGrpSpPr>
+        <p:cNvPr id="1" name="Shape 206"/>
+        <p:cNvGrpSpPr/>
+        <p:nvPr/>
+      </p:nvGrpSpPr>
+      <p:grpSpPr>
+        <a:xfrm>
+          <a:off x="0" y="0"/>
+          <a:ext cx="0" cy="0"/>
+          <a:chOff x="0" y="0"/>
+          <a:chExt cx="0" cy="0"/>
+        </a:xfrm>
+      </p:grpSpPr>
+      <p:sp>
+        <p:nvSpPr>
+          <p:cNvPr id="207" name="Shape 207"/>
+          <p:cNvSpPr>
+            <a:spLocks noGrp="1" noRot="1" noChangeAspect="1"/>
+          </p:cNvSpPr>
+          <p:nvPr>
+            <p:ph type="sldImg" idx="2"/>
+          </p:nvPr>
+        </p:nvSpPr>
+        <p:spPr>
+          <a:xfrm>
+            <a:off x="381000" y="685800"/>
+            <a:ext cx="6096000" cy="3429000"/>
+          </a:xfrm>
+          <a:custGeom>
+            <a:avLst/>
+            <a:gdLst/>
+            <a:ahLst/>
+            <a:cxnLst/>
+            <a:rect l="0" t="0" r="0" b="0"/>
+            <a:pathLst>
+              <a:path w="120000" h="120000" extrusionOk="0">
+                <a:moveTo>
+                  <a:pt x="0" y="0"/>
+                </a:moveTo>
+                <a:lnTo>
+                  <a:pt x="120000" y="0"/>
+                </a:lnTo>
+                <a:lnTo>
+                  <a:pt x="120000" y="120000"/>
+                </a:lnTo>
+                <a:lnTo>
+                  <a:pt x="0" y="120000"/>
+                </a:lnTo>
+                <a:close/>
+              </a:path>
+            </a:pathLst>
+          </a:custGeom>
+        </p:spPr>
+      </p:sp>
+      <p:sp>
+        <p:nvSpPr>
+          <p:cNvPr id="208" name="Shape 208"/>
+          <p:cNvSpPr txBox="1">
+            <a:spLocks noGrp="1"/>
+          </p:cNvSpPr>
+          <p:nvPr>
+            <p:ph type="body" idx="1"/>
+          </p:nvPr>
+        </p:nvSpPr>
+        <p:spPr>
+          <a:xfrm>
+            <a:off x="685800" y="4343400"/>
+            <a:ext cx="5486400" cy="4114800"/>
+          </a:xfrm>
+          <a:prstGeom prst="rect">
+            <a:avLst/>
+          </a:prstGeom>
+        </p:spPr>
+        <p:txBody>
+          <a:bodyPr wrap="square" lIns="91425" tIns="91425" rIns="91425" bIns="91425" anchor="t" anchorCtr="0">
+            <a:noAutofit/>
+          </a:bodyPr>
+          <a:lstStyle/>
+          <a:p>
+            <a:pPr lvl="0">
+              <a:spcBef>
+                <a:spcPts val="0"/>
+              </a:spcBef>
+              <a:buNone/>
+            </a:pPr>
+            <a:endParaRPr/>
+          </a:p>
+        </p:txBody>
+      </p:sp>
+    </p:spTree>
+    <p:extLst>
+      <p:ext uri="{BB962C8B-B14F-4D97-AF65-F5344CB8AC3E}">
+        <p14:creationId xmlns:p14="http://schemas.microsoft.com/office/powerpoint/2010/main" val="1360618216"/>
+      </p:ext>
+    </p:extLst>
+  </p:cSld>
+  <p:clrMapOvr>
+    <a:masterClrMapping/>
+  </p:clrMapOvr>
+</p:notes>
+</file>
+
+<file path=ppt/notesSlides/notesSlide8.xml><?xml version="1.0" encoding="utf-8"?>
+<p:notes xmlns:a="http://schemas.openxmlformats.org/drawingml/2006/main" xmlns:r="http://schemas.openxmlformats.org/officeDocument/2006/relationships" xmlns:p="http://schemas.openxmlformats.org/presentationml/2006/main" showMasterSp="0" showMasterPhAnim="0">
+  <p:cSld>
+    <p:spTree>
+      <p:nvGrpSpPr>
         <p:cNvPr id="1" name="Shape 147"/>
         <p:cNvGrpSpPr/>
         <p:nvPr/>
@@ -1590,12 +2021,12 @@
 </p:notes>
 </file>
 
-<file path=ppt/notesSlides/notesSlide5.xml><?xml version="1.0" encoding="utf-8"?>
+<file path=ppt/notesSlides/notesSlide9.xml><?xml version="1.0" encoding="utf-8"?>
 <p:notes xmlns:a="http://schemas.openxmlformats.org/drawingml/2006/main" xmlns:r="http://schemas.openxmlformats.org/officeDocument/2006/relationships" xmlns:p="http://schemas.openxmlformats.org/presentationml/2006/main" showMasterSp="0" showMasterPhAnim="0">
   <p:cSld>
     <p:spTree>
       <p:nvGrpSpPr>
-        <p:cNvPr id="1" name="Shape 153"/>
+        <p:cNvPr id="1" name="Shape 212"/>
         <p:cNvGrpSpPr/>
         <p:nvPr/>
       </p:nvGrpSpPr>
@@ -1609,7 +2040,7 @@
       </p:grpSpPr>
       <p:sp>
         <p:nvSpPr>
-          <p:cNvPr id="154" name="Shape 154"/>
+          <p:cNvPr id="213" name="Shape 213"/>
           <p:cNvSpPr>
             <a:spLocks noGrp="1" noRot="1" noChangeAspect="1"/>
           </p:cNvSpPr>
@@ -1650,7 +2081,7 @@
       </p:sp>
       <p:sp>
         <p:nvSpPr>
-          <p:cNvPr id="155" name="Shape 155"/>
+          <p:cNvPr id="214" name="Shape 214"/>
           <p:cNvSpPr txBox="1">
             <a:spLocks noGrp="1"/>
           </p:cNvSpPr>
@@ -1686,431 +2117,7 @@
     </p:spTree>
     <p:extLst>
       <p:ext uri="{BB962C8B-B14F-4D97-AF65-F5344CB8AC3E}">
-        <p14:creationId xmlns:p14="http://schemas.microsoft.com/office/powerpoint/2010/main" val="2315453017"/>
-      </p:ext>
-    </p:extLst>
-  </p:cSld>
-  <p:clrMapOvr>
-    <a:masterClrMapping/>
-  </p:clrMapOvr>
-</p:notes>
-</file>
-
-<file path=ppt/notesSlides/notesSlide6.xml><?xml version="1.0" encoding="utf-8"?>
-<p:notes xmlns:a="http://schemas.openxmlformats.org/drawingml/2006/main" xmlns:r="http://schemas.openxmlformats.org/officeDocument/2006/relationships" xmlns:p="http://schemas.openxmlformats.org/presentationml/2006/main" showMasterSp="0" showMasterPhAnim="0">
-  <p:cSld>
-    <p:spTree>
-      <p:nvGrpSpPr>
-        <p:cNvPr id="1" name="Shape 161"/>
-        <p:cNvGrpSpPr/>
-        <p:nvPr/>
-      </p:nvGrpSpPr>
-      <p:grpSpPr>
-        <a:xfrm>
-          <a:off x="0" y="0"/>
-          <a:ext cx="0" cy="0"/>
-          <a:chOff x="0" y="0"/>
-          <a:chExt cx="0" cy="0"/>
-        </a:xfrm>
-      </p:grpSpPr>
-      <p:sp>
-        <p:nvSpPr>
-          <p:cNvPr id="162" name="Shape 162"/>
-          <p:cNvSpPr>
-            <a:spLocks noGrp="1" noRot="1" noChangeAspect="1"/>
-          </p:cNvSpPr>
-          <p:nvPr>
-            <p:ph type="sldImg" idx="2"/>
-          </p:nvPr>
-        </p:nvSpPr>
-        <p:spPr>
-          <a:xfrm>
-            <a:off x="381000" y="685800"/>
-            <a:ext cx="6096000" cy="3429000"/>
-          </a:xfrm>
-          <a:custGeom>
-            <a:avLst/>
-            <a:gdLst/>
-            <a:ahLst/>
-            <a:cxnLst/>
-            <a:rect l="0" t="0" r="0" b="0"/>
-            <a:pathLst>
-              <a:path w="120000" h="120000" extrusionOk="0">
-                <a:moveTo>
-                  <a:pt x="0" y="0"/>
-                </a:moveTo>
-                <a:lnTo>
-                  <a:pt x="120000" y="0"/>
-                </a:lnTo>
-                <a:lnTo>
-                  <a:pt x="120000" y="120000"/>
-                </a:lnTo>
-                <a:lnTo>
-                  <a:pt x="0" y="120000"/>
-                </a:lnTo>
-                <a:close/>
-              </a:path>
-            </a:pathLst>
-          </a:custGeom>
-        </p:spPr>
-      </p:sp>
-      <p:sp>
-        <p:nvSpPr>
-          <p:cNvPr id="163" name="Shape 163"/>
-          <p:cNvSpPr txBox="1">
-            <a:spLocks noGrp="1"/>
-          </p:cNvSpPr>
-          <p:nvPr>
-            <p:ph type="body" idx="1"/>
-          </p:nvPr>
-        </p:nvSpPr>
-        <p:spPr>
-          <a:xfrm>
-            <a:off x="685800" y="4343400"/>
-            <a:ext cx="5486400" cy="4114800"/>
-          </a:xfrm>
-          <a:prstGeom prst="rect">
-            <a:avLst/>
-          </a:prstGeom>
-        </p:spPr>
-        <p:txBody>
-          <a:bodyPr wrap="square" lIns="91425" tIns="91425" rIns="91425" bIns="91425" anchor="t" anchorCtr="0">
-            <a:noAutofit/>
-          </a:bodyPr>
-          <a:lstStyle/>
-          <a:p>
-            <a:pPr lvl="0">
-              <a:spcBef>
-                <a:spcPts val="0"/>
-              </a:spcBef>
-              <a:buNone/>
-            </a:pPr>
-            <a:endParaRPr/>
-          </a:p>
-        </p:txBody>
-      </p:sp>
-    </p:spTree>
-    <p:extLst>
-      <p:ext uri="{BB962C8B-B14F-4D97-AF65-F5344CB8AC3E}">
-        <p14:creationId xmlns:p14="http://schemas.microsoft.com/office/powerpoint/2010/main" val="3775134866"/>
-      </p:ext>
-    </p:extLst>
-  </p:cSld>
-  <p:clrMapOvr>
-    <a:masterClrMapping/>
-  </p:clrMapOvr>
-</p:notes>
-</file>
-
-<file path=ppt/notesSlides/notesSlide7.xml><?xml version="1.0" encoding="utf-8"?>
-<p:notes xmlns:a="http://schemas.openxmlformats.org/drawingml/2006/main" xmlns:r="http://schemas.openxmlformats.org/officeDocument/2006/relationships" xmlns:p="http://schemas.openxmlformats.org/presentationml/2006/main" showMasterSp="0" showMasterPhAnim="0">
-  <p:cSld>
-    <p:spTree>
-      <p:nvGrpSpPr>
-        <p:cNvPr id="1" name="Shape 169"/>
-        <p:cNvGrpSpPr/>
-        <p:nvPr/>
-      </p:nvGrpSpPr>
-      <p:grpSpPr>
-        <a:xfrm>
-          <a:off x="0" y="0"/>
-          <a:ext cx="0" cy="0"/>
-          <a:chOff x="0" y="0"/>
-          <a:chExt cx="0" cy="0"/>
-        </a:xfrm>
-      </p:grpSpPr>
-      <p:sp>
-        <p:nvSpPr>
-          <p:cNvPr id="170" name="Shape 170"/>
-          <p:cNvSpPr>
-            <a:spLocks noGrp="1" noRot="1" noChangeAspect="1"/>
-          </p:cNvSpPr>
-          <p:nvPr>
-            <p:ph type="sldImg" idx="2"/>
-          </p:nvPr>
-        </p:nvSpPr>
-        <p:spPr>
-          <a:xfrm>
-            <a:off x="381000" y="685800"/>
-            <a:ext cx="6096000" cy="3429000"/>
-          </a:xfrm>
-          <a:custGeom>
-            <a:avLst/>
-            <a:gdLst/>
-            <a:ahLst/>
-            <a:cxnLst/>
-            <a:rect l="0" t="0" r="0" b="0"/>
-            <a:pathLst>
-              <a:path w="120000" h="120000" extrusionOk="0">
-                <a:moveTo>
-                  <a:pt x="0" y="0"/>
-                </a:moveTo>
-                <a:lnTo>
-                  <a:pt x="120000" y="0"/>
-                </a:lnTo>
-                <a:lnTo>
-                  <a:pt x="120000" y="120000"/>
-                </a:lnTo>
-                <a:lnTo>
-                  <a:pt x="0" y="120000"/>
-                </a:lnTo>
-                <a:close/>
-              </a:path>
-            </a:pathLst>
-          </a:custGeom>
-        </p:spPr>
-      </p:sp>
-      <p:sp>
-        <p:nvSpPr>
-          <p:cNvPr id="171" name="Shape 171"/>
-          <p:cNvSpPr txBox="1">
-            <a:spLocks noGrp="1"/>
-          </p:cNvSpPr>
-          <p:nvPr>
-            <p:ph type="body" idx="1"/>
-          </p:nvPr>
-        </p:nvSpPr>
-        <p:spPr>
-          <a:xfrm>
-            <a:off x="685800" y="4343400"/>
-            <a:ext cx="5486400" cy="4114800"/>
-          </a:xfrm>
-          <a:prstGeom prst="rect">
-            <a:avLst/>
-          </a:prstGeom>
-        </p:spPr>
-        <p:txBody>
-          <a:bodyPr wrap="square" lIns="91425" tIns="91425" rIns="91425" bIns="91425" anchor="t" anchorCtr="0">
-            <a:noAutofit/>
-          </a:bodyPr>
-          <a:lstStyle/>
-          <a:p>
-            <a:pPr lvl="0">
-              <a:spcBef>
-                <a:spcPts val="0"/>
-              </a:spcBef>
-              <a:buNone/>
-            </a:pPr>
-            <a:endParaRPr/>
-          </a:p>
-        </p:txBody>
-      </p:sp>
-    </p:spTree>
-    <p:extLst>
-      <p:ext uri="{BB962C8B-B14F-4D97-AF65-F5344CB8AC3E}">
-        <p14:creationId xmlns:p14="http://schemas.microsoft.com/office/powerpoint/2010/main" val="1391713134"/>
-      </p:ext>
-    </p:extLst>
-  </p:cSld>
-  <p:clrMapOvr>
-    <a:masterClrMapping/>
-  </p:clrMapOvr>
-</p:notes>
-</file>
-
-<file path=ppt/notesSlides/notesSlide8.xml><?xml version="1.0" encoding="utf-8"?>
-<p:notes xmlns:a="http://schemas.openxmlformats.org/drawingml/2006/main" xmlns:r="http://schemas.openxmlformats.org/officeDocument/2006/relationships" xmlns:p="http://schemas.openxmlformats.org/presentationml/2006/main" showMasterSp="0" showMasterPhAnim="0">
-  <p:cSld>
-    <p:spTree>
-      <p:nvGrpSpPr>
-        <p:cNvPr id="1" name="Shape 176"/>
-        <p:cNvGrpSpPr/>
-        <p:nvPr/>
-      </p:nvGrpSpPr>
-      <p:grpSpPr>
-        <a:xfrm>
-          <a:off x="0" y="0"/>
-          <a:ext cx="0" cy="0"/>
-          <a:chOff x="0" y="0"/>
-          <a:chExt cx="0" cy="0"/>
-        </a:xfrm>
-      </p:grpSpPr>
-      <p:sp>
-        <p:nvSpPr>
-          <p:cNvPr id="177" name="Shape 177"/>
-          <p:cNvSpPr>
-            <a:spLocks noGrp="1" noRot="1" noChangeAspect="1"/>
-          </p:cNvSpPr>
-          <p:nvPr>
-            <p:ph type="sldImg" idx="2"/>
-          </p:nvPr>
-        </p:nvSpPr>
-        <p:spPr>
-          <a:xfrm>
-            <a:off x="381000" y="685800"/>
-            <a:ext cx="6096000" cy="3429000"/>
-          </a:xfrm>
-          <a:custGeom>
-            <a:avLst/>
-            <a:gdLst/>
-            <a:ahLst/>
-            <a:cxnLst/>
-            <a:rect l="0" t="0" r="0" b="0"/>
-            <a:pathLst>
-              <a:path w="120000" h="120000" extrusionOk="0">
-                <a:moveTo>
-                  <a:pt x="0" y="0"/>
-                </a:moveTo>
-                <a:lnTo>
-                  <a:pt x="120000" y="0"/>
-                </a:lnTo>
-                <a:lnTo>
-                  <a:pt x="120000" y="120000"/>
-                </a:lnTo>
-                <a:lnTo>
-                  <a:pt x="0" y="120000"/>
-                </a:lnTo>
-                <a:close/>
-              </a:path>
-            </a:pathLst>
-          </a:custGeom>
-        </p:spPr>
-      </p:sp>
-      <p:sp>
-        <p:nvSpPr>
-          <p:cNvPr id="178" name="Shape 178"/>
-          <p:cNvSpPr txBox="1">
-            <a:spLocks noGrp="1"/>
-          </p:cNvSpPr>
-          <p:nvPr>
-            <p:ph type="body" idx="1"/>
-          </p:nvPr>
-        </p:nvSpPr>
-        <p:spPr>
-          <a:xfrm>
-            <a:off x="685800" y="4343400"/>
-            <a:ext cx="5486400" cy="4114800"/>
-          </a:xfrm>
-          <a:prstGeom prst="rect">
-            <a:avLst/>
-          </a:prstGeom>
-        </p:spPr>
-        <p:txBody>
-          <a:bodyPr wrap="square" lIns="91425" tIns="91425" rIns="91425" bIns="91425" anchor="t" anchorCtr="0">
-            <a:noAutofit/>
-          </a:bodyPr>
-          <a:lstStyle/>
-          <a:p>
-            <a:pPr lvl="0">
-              <a:spcBef>
-                <a:spcPts val="0"/>
-              </a:spcBef>
-              <a:buNone/>
-            </a:pPr>
-            <a:endParaRPr/>
-          </a:p>
-        </p:txBody>
-      </p:sp>
-    </p:spTree>
-    <p:extLst>
-      <p:ext uri="{BB962C8B-B14F-4D97-AF65-F5344CB8AC3E}">
-        <p14:creationId xmlns:p14="http://schemas.microsoft.com/office/powerpoint/2010/main" val="1573439670"/>
-      </p:ext>
-    </p:extLst>
-  </p:cSld>
-  <p:clrMapOvr>
-    <a:masterClrMapping/>
-  </p:clrMapOvr>
-</p:notes>
-</file>
-
-<file path=ppt/notesSlides/notesSlide9.xml><?xml version="1.0" encoding="utf-8"?>
-<p:notes xmlns:a="http://schemas.openxmlformats.org/drawingml/2006/main" xmlns:r="http://schemas.openxmlformats.org/officeDocument/2006/relationships" xmlns:p="http://schemas.openxmlformats.org/presentationml/2006/main" showMasterSp="0" showMasterPhAnim="0">
-  <p:cSld>
-    <p:spTree>
-      <p:nvGrpSpPr>
-        <p:cNvPr id="1" name="Shape 181"/>
-        <p:cNvGrpSpPr/>
-        <p:nvPr/>
-      </p:nvGrpSpPr>
-      <p:grpSpPr>
-        <a:xfrm>
-          <a:off x="0" y="0"/>
-          <a:ext cx="0" cy="0"/>
-          <a:chOff x="0" y="0"/>
-          <a:chExt cx="0" cy="0"/>
-        </a:xfrm>
-      </p:grpSpPr>
-      <p:sp>
-        <p:nvSpPr>
-          <p:cNvPr id="182" name="Shape 182"/>
-          <p:cNvSpPr>
-            <a:spLocks noGrp="1" noRot="1" noChangeAspect="1"/>
-          </p:cNvSpPr>
-          <p:nvPr>
-            <p:ph type="sldImg" idx="2"/>
-          </p:nvPr>
-        </p:nvSpPr>
-        <p:spPr>
-          <a:xfrm>
-            <a:off x="381000" y="685800"/>
-            <a:ext cx="6096000" cy="3429000"/>
-          </a:xfrm>
-          <a:custGeom>
-            <a:avLst/>
-            <a:gdLst/>
-            <a:ahLst/>
-            <a:cxnLst/>
-            <a:rect l="0" t="0" r="0" b="0"/>
-            <a:pathLst>
-              <a:path w="120000" h="120000" extrusionOk="0">
-                <a:moveTo>
-                  <a:pt x="0" y="0"/>
-                </a:moveTo>
-                <a:lnTo>
-                  <a:pt x="120000" y="0"/>
-                </a:lnTo>
-                <a:lnTo>
-                  <a:pt x="120000" y="120000"/>
-                </a:lnTo>
-                <a:lnTo>
-                  <a:pt x="0" y="120000"/>
-                </a:lnTo>
-                <a:close/>
-              </a:path>
-            </a:pathLst>
-          </a:custGeom>
-        </p:spPr>
-      </p:sp>
-      <p:sp>
-        <p:nvSpPr>
-          <p:cNvPr id="183" name="Shape 183"/>
-          <p:cNvSpPr txBox="1">
-            <a:spLocks noGrp="1"/>
-          </p:cNvSpPr>
-          <p:nvPr>
-            <p:ph type="body" idx="1"/>
-          </p:nvPr>
-        </p:nvSpPr>
-        <p:spPr>
-          <a:xfrm>
-            <a:off x="685800" y="4343400"/>
-            <a:ext cx="5486400" cy="4114800"/>
-          </a:xfrm>
-          <a:prstGeom prst="rect">
-            <a:avLst/>
-          </a:prstGeom>
-        </p:spPr>
-        <p:txBody>
-          <a:bodyPr wrap="square" lIns="91425" tIns="91425" rIns="91425" bIns="91425" anchor="t" anchorCtr="0">
-            <a:noAutofit/>
-          </a:bodyPr>
-          <a:lstStyle/>
-          <a:p>
-            <a:pPr lvl="0">
-              <a:spcBef>
-                <a:spcPts val="0"/>
-              </a:spcBef>
-              <a:buNone/>
-            </a:pPr>
-            <a:endParaRPr/>
-          </a:p>
-        </p:txBody>
-      </p:sp>
-    </p:spTree>
-    <p:extLst>
-      <p:ext uri="{BB962C8B-B14F-4D97-AF65-F5344CB8AC3E}">
-        <p14:creationId xmlns:p14="http://schemas.microsoft.com/office/powerpoint/2010/main" val="3570697367"/>
+        <p14:creationId xmlns:p14="http://schemas.microsoft.com/office/powerpoint/2010/main" val="1641832955"/>
       </p:ext>
     </p:extLst>
   </p:cSld>
@@ -8560,7 +8567,10 @@
               <a:buNone/>
             </a:pPr>
             <a:r>
-              <a:rPr lang="es" dirty="0"/>
+              <a:rPr lang="es" dirty="0">
+                <a:latin typeface="Calibri" panose="020F0502020204030204" pitchFamily="34" charset="0"/>
+                <a:cs typeface="Calibri" panose="020F0502020204030204" pitchFamily="34" charset="0"/>
+              </a:rPr>
               <a:t>Desarrollo de un J-RPG en Unity</a:t>
             </a:r>
           </a:p>
@@ -8598,7 +8608,7 @@
               <a:buNone/>
             </a:pPr>
             <a:r>
-              <a:rPr lang="es"/>
+              <a:rPr lang="es" dirty="0"/>
               <a:t>Ricardo Valls Luna</a:t>
             </a:r>
           </a:p>
@@ -8610,7 +8620,7 @@
               <a:buNone/>
             </a:pPr>
             <a:r>
-              <a:rPr lang="es"/>
+              <a:rPr lang="es" dirty="0"/>
               <a:t>Ingeniería  Multimedia</a:t>
             </a:r>
           </a:p>
@@ -8636,7 +8646,7 @@
   <p:cSld>
     <p:spTree>
       <p:nvGrpSpPr>
-        <p:cNvPr id="1" name="Shape 190"/>
+        <p:cNvPr id="1" name="Shape 164"/>
         <p:cNvGrpSpPr/>
         <p:nvPr/>
       </p:nvGrpSpPr>
@@ -8650,7 +8660,7 @@
       </p:grpSpPr>
       <p:sp>
         <p:nvSpPr>
-          <p:cNvPr id="191" name="Shape 191"/>
+          <p:cNvPr id="165" name="Shape 165"/>
           <p:cNvSpPr txBox="1">
             <a:spLocks noGrp="1"/>
           </p:cNvSpPr>
@@ -8680,27 +8690,24 @@
               <a:buNone/>
             </a:pPr>
             <a:r>
-              <a:rPr lang="es"/>
-              <a:t>Conversaciones</a:t>
+              <a:rPr lang="es" sz="2800" dirty="0">
+                <a:latin typeface="Calibri" panose="020F0502020204030204" pitchFamily="34" charset="0"/>
+                <a:cs typeface="Calibri" panose="020F0502020204030204" pitchFamily="34" charset="0"/>
+              </a:rPr>
+              <a:t>Personajes</a:t>
             </a:r>
           </a:p>
         </p:txBody>
       </p:sp>
       <p:pic>
         <p:nvPicPr>
-          <p:cNvPr id="3" name="Imagen 2"/>
-          <p:cNvPicPr>
-            <a:picLocks noChangeAspect="1"/>
-          </p:cNvPicPr>
+          <p:cNvPr id="166" name="Shape 166"/>
+          <p:cNvPicPr preferRelativeResize="0"/>
           <p:nvPr/>
         </p:nvPicPr>
         <p:blipFill>
           <a:blip r:embed="rId3">
-            <a:extLst>
-              <a:ext uri="{28A0092B-C50C-407E-A947-70E740481C1C}">
-                <a14:useLocalDpi xmlns:a14="http://schemas.microsoft.com/office/drawing/2010/main" val="0"/>
-              </a:ext>
-            </a:extLst>
+            <a:alphaModFix/>
           </a:blip>
           <a:stretch>
             <a:fillRect/>
@@ -8708,12 +8715,72 @@
         </p:blipFill>
         <p:spPr>
           <a:xfrm>
-            <a:off x="2017108" y="1110497"/>
-            <a:ext cx="4996657" cy="3597593"/>
+            <a:off x="990700" y="1687600"/>
+            <a:ext cx="1592750" cy="914100"/>
           </a:xfrm>
           <a:prstGeom prst="rect">
             <a:avLst/>
           </a:prstGeom>
+          <a:noFill/>
+          <a:ln>
+            <a:noFill/>
+          </a:ln>
+        </p:spPr>
+      </p:pic>
+      <p:pic>
+        <p:nvPicPr>
+          <p:cNvPr id="167" name="Shape 167"/>
+          <p:cNvPicPr preferRelativeResize="0"/>
+          <p:nvPr/>
+        </p:nvPicPr>
+        <p:blipFill>
+          <a:blip r:embed="rId4">
+            <a:alphaModFix/>
+          </a:blip>
+          <a:stretch>
+            <a:fillRect/>
+          </a:stretch>
+        </p:blipFill>
+        <p:spPr>
+          <a:xfrm>
+            <a:off x="4483525" y="351975"/>
+            <a:ext cx="3324100" cy="4194699"/>
+          </a:xfrm>
+          <a:prstGeom prst="rect">
+            <a:avLst/>
+          </a:prstGeom>
+          <a:noFill/>
+          <a:ln>
+            <a:noFill/>
+          </a:ln>
+        </p:spPr>
+      </p:pic>
+      <p:pic>
+        <p:nvPicPr>
+          <p:cNvPr id="168" name="Shape 168"/>
+          <p:cNvPicPr preferRelativeResize="0"/>
+          <p:nvPr/>
+        </p:nvPicPr>
+        <p:blipFill>
+          <a:blip r:embed="rId5">
+            <a:alphaModFix/>
+          </a:blip>
+          <a:stretch>
+            <a:fillRect/>
+          </a:stretch>
+        </p:blipFill>
+        <p:spPr>
+          <a:xfrm>
+            <a:off x="614175" y="3016949"/>
+            <a:ext cx="3042453" cy="1529725"/>
+          </a:xfrm>
+          <a:prstGeom prst="rect">
+            <a:avLst/>
+          </a:prstGeom>
+          <a:noFill/>
+          <a:ln>
+            <a:noFill/>
+          </a:ln>
         </p:spPr>
       </p:pic>
     </p:spTree>
@@ -8732,1086 +8799,6 @@
 </file>
 
 <file path=ppt/slides/slide11.xml><?xml version="1.0" encoding="utf-8"?>
-<p:sld xmlns:a="http://schemas.openxmlformats.org/drawingml/2006/main" xmlns:r="http://schemas.openxmlformats.org/officeDocument/2006/relationships" xmlns:p="http://schemas.openxmlformats.org/presentationml/2006/main">
-  <p:cSld>
-    <p:spTree>
-      <p:nvGrpSpPr>
-        <p:cNvPr id="1" name="Shape 196"/>
-        <p:cNvGrpSpPr/>
-        <p:nvPr/>
-      </p:nvGrpSpPr>
-      <p:grpSpPr>
-        <a:xfrm>
-          <a:off x="0" y="0"/>
-          <a:ext cx="0" cy="0"/>
-          <a:chOff x="0" y="0"/>
-          <a:chExt cx="0" cy="0"/>
-        </a:xfrm>
-      </p:grpSpPr>
-      <p:sp>
-        <p:nvSpPr>
-          <p:cNvPr id="197" name="Shape 197"/>
-          <p:cNvSpPr txBox="1">
-            <a:spLocks noGrp="1"/>
-          </p:cNvSpPr>
-          <p:nvPr>
-            <p:ph type="title"/>
-          </p:nvPr>
-        </p:nvSpPr>
-        <p:spPr>
-          <a:xfrm>
-            <a:off x="1297500" y="393750"/>
-            <a:ext cx="7038900" cy="914100"/>
-          </a:xfrm>
-          <a:prstGeom prst="rect">
-            <a:avLst/>
-          </a:prstGeom>
-        </p:spPr>
-        <p:txBody>
-          <a:bodyPr wrap="square" lIns="91425" tIns="91425" rIns="91425" bIns="91425" anchor="t" anchorCtr="0">
-            <a:noAutofit/>
-          </a:bodyPr>
-          <a:lstStyle/>
-          <a:p>
-            <a:pPr lvl="0">
-              <a:spcBef>
-                <a:spcPts val="0"/>
-              </a:spcBef>
-              <a:buNone/>
-            </a:pPr>
-            <a:r>
-              <a:rPr lang="es" dirty="0"/>
-              <a:t>Conclusiones</a:t>
-            </a:r>
-          </a:p>
-        </p:txBody>
-      </p:sp>
-      <p:sp>
-        <p:nvSpPr>
-          <p:cNvPr id="198" name="Shape 198"/>
-          <p:cNvSpPr txBox="1">
-            <a:spLocks noGrp="1"/>
-          </p:cNvSpPr>
-          <p:nvPr>
-            <p:ph type="body" idx="1"/>
-          </p:nvPr>
-        </p:nvSpPr>
-        <p:spPr>
-          <a:xfrm>
-            <a:off x="1297500" y="1567550"/>
-            <a:ext cx="2983800" cy="2911200"/>
-          </a:xfrm>
-          <a:prstGeom prst="rect">
-            <a:avLst/>
-          </a:prstGeom>
-        </p:spPr>
-        <p:txBody>
-          <a:bodyPr wrap="square" lIns="91425" tIns="91425" rIns="91425" bIns="91425" anchor="t" anchorCtr="0">
-            <a:noAutofit/>
-          </a:bodyPr>
-          <a:lstStyle/>
-          <a:p>
-            <a:pPr lvl="0">
-              <a:spcBef>
-                <a:spcPts val="0"/>
-              </a:spcBef>
-              <a:buNone/>
-            </a:pPr>
-            <a:r>
-              <a:rPr lang="es"/>
-              <a:t>Objetivos conseguidos</a:t>
-            </a:r>
-          </a:p>
-          <a:p>
-            <a:pPr marL="457200" lvl="0" indent="-228600" rtl="0">
-              <a:spcBef>
-                <a:spcPts val="0"/>
-              </a:spcBef>
-              <a:buChar char="-"/>
-            </a:pPr>
-            <a:r>
-              <a:rPr lang="es"/>
-              <a:t>Sistema de batalla ATB</a:t>
-            </a:r>
-          </a:p>
-          <a:p>
-            <a:pPr marL="457200" lvl="0" indent="-228600" rtl="0">
-              <a:spcBef>
-                <a:spcPts val="0"/>
-              </a:spcBef>
-              <a:buChar char="-"/>
-            </a:pPr>
-            <a:r>
-              <a:rPr lang="es"/>
-              <a:t>Sistema de trabajos</a:t>
-            </a:r>
-          </a:p>
-          <a:p>
-            <a:pPr marL="457200" lvl="0" indent="-228600" rtl="0">
-              <a:spcBef>
-                <a:spcPts val="0"/>
-              </a:spcBef>
-              <a:buChar char="-"/>
-            </a:pPr>
-            <a:r>
-              <a:rPr lang="es"/>
-              <a:t>Crecimiento de personajes</a:t>
-            </a:r>
-          </a:p>
-          <a:p>
-            <a:pPr marL="457200" lvl="0" indent="-228600" rtl="0">
-              <a:spcBef>
-                <a:spcPts val="0"/>
-              </a:spcBef>
-              <a:buChar char="-"/>
-            </a:pPr>
-            <a:r>
-              <a:rPr lang="es"/>
-              <a:t>Conversaciones</a:t>
-            </a:r>
-          </a:p>
-          <a:p>
-            <a:pPr marL="457200" lvl="0" indent="-228600" rtl="0">
-              <a:spcBef>
-                <a:spcPts val="0"/>
-              </a:spcBef>
-              <a:buChar char="-"/>
-            </a:pPr>
-            <a:r>
-              <a:rPr lang="es"/>
-              <a:t>Uso de objetos y habilidades</a:t>
-            </a:r>
-          </a:p>
-          <a:p>
-            <a:pPr marL="457200" lvl="0" indent="-228600" rtl="0">
-              <a:spcBef>
-                <a:spcPts val="0"/>
-              </a:spcBef>
-              <a:buChar char="-"/>
-            </a:pPr>
-            <a:r>
-              <a:rPr lang="es"/>
-              <a:t>Sistema de Objetivos</a:t>
-            </a:r>
-          </a:p>
-          <a:p>
-            <a:pPr marL="457200" lvl="0" indent="-228600" rtl="0">
-              <a:spcBef>
-                <a:spcPts val="0"/>
-              </a:spcBef>
-              <a:buChar char="-"/>
-            </a:pPr>
-            <a:r>
-              <a:rPr lang="es"/>
-              <a:t>Movimiento del personaje</a:t>
-            </a:r>
-          </a:p>
-          <a:p>
-            <a:pPr marL="457200" lvl="0" indent="-228600">
-              <a:spcBef>
-                <a:spcPts val="0"/>
-              </a:spcBef>
-              <a:buChar char="-"/>
-            </a:pPr>
-            <a:r>
-              <a:rPr lang="es"/>
-              <a:t>Transición de niveles</a:t>
-            </a:r>
-          </a:p>
-        </p:txBody>
-      </p:sp>
-      <p:sp>
-        <p:nvSpPr>
-          <p:cNvPr id="199" name="Shape 199"/>
-          <p:cNvSpPr txBox="1">
-            <a:spLocks noGrp="1"/>
-          </p:cNvSpPr>
-          <p:nvPr>
-            <p:ph type="body" idx="1"/>
-          </p:nvPr>
-        </p:nvSpPr>
-        <p:spPr>
-          <a:xfrm>
-            <a:off x="4684925" y="1567550"/>
-            <a:ext cx="2983800" cy="2911200"/>
-          </a:xfrm>
-          <a:prstGeom prst="rect">
-            <a:avLst/>
-          </a:prstGeom>
-        </p:spPr>
-        <p:txBody>
-          <a:bodyPr wrap="square" lIns="91425" tIns="91425" rIns="91425" bIns="91425" anchor="t" anchorCtr="0">
-            <a:noAutofit/>
-          </a:bodyPr>
-          <a:lstStyle/>
-          <a:p>
-            <a:pPr lvl="0" rtl="0">
-              <a:spcBef>
-                <a:spcPts val="0"/>
-              </a:spcBef>
-              <a:buNone/>
-            </a:pPr>
-            <a:r>
-              <a:rPr lang="es" dirty="0" smtClean="0"/>
-              <a:t>Trabajo futuro</a:t>
-            </a:r>
-            <a:endParaRPr lang="es" dirty="0"/>
-          </a:p>
-          <a:p>
-            <a:pPr marL="457200" lvl="0" indent="-228600" rtl="0">
-              <a:spcBef>
-                <a:spcPts val="0"/>
-              </a:spcBef>
-              <a:buChar char="-"/>
-            </a:pPr>
-            <a:r>
-              <a:rPr lang="es" dirty="0" smtClean="0"/>
-              <a:t>Soporte para mando y control multiplataforma</a:t>
-            </a:r>
-            <a:endParaRPr lang="es" dirty="0"/>
-          </a:p>
-          <a:p>
-            <a:pPr marL="457200" lvl="0" indent="-228600" rtl="0">
-              <a:spcBef>
-                <a:spcPts val="0"/>
-              </a:spcBef>
-              <a:buChar char="-"/>
-            </a:pPr>
-            <a:r>
-              <a:rPr lang="es" dirty="0"/>
-              <a:t>Guardar/Cargar partida</a:t>
-            </a:r>
-          </a:p>
-          <a:p>
-            <a:pPr marL="457200" lvl="0" indent="-228600" rtl="0">
-              <a:spcBef>
-                <a:spcPts val="0"/>
-              </a:spcBef>
-              <a:buChar char="-"/>
-            </a:pPr>
-            <a:r>
-              <a:rPr lang="es" dirty="0"/>
-              <a:t>Animaciones dentro de la batalla</a:t>
-            </a:r>
-          </a:p>
-          <a:p>
-            <a:pPr lvl="0" rtl="0">
-              <a:spcBef>
-                <a:spcPts val="0"/>
-              </a:spcBef>
-              <a:buNone/>
-            </a:pPr>
-            <a:endParaRPr dirty="0"/>
-          </a:p>
-        </p:txBody>
-      </p:sp>
-    </p:spTree>
-  </p:cSld>
-  <p:clrMapOvr>
-    <a:masterClrMapping/>
-  </p:clrMapOvr>
-  <p:timing>
-    <p:tnLst>
-      <p:par>
-        <p:cTn id="1" dur="indefinite" restart="never" nodeType="tmRoot"/>
-      </p:par>
-    </p:tnLst>
-  </p:timing>
-</p:sld>
-</file>
-
-<file path=ppt/slides/slide12.xml><?xml version="1.0" encoding="utf-8"?>
-<p:sld xmlns:a="http://schemas.openxmlformats.org/drawingml/2006/main" xmlns:r="http://schemas.openxmlformats.org/officeDocument/2006/relationships" xmlns:p="http://schemas.openxmlformats.org/presentationml/2006/main">
-  <p:cSld>
-    <p:spTree>
-      <p:nvGrpSpPr>
-        <p:cNvPr id="1" name="Shape 203"/>
-        <p:cNvGrpSpPr/>
-        <p:nvPr/>
-      </p:nvGrpSpPr>
-      <p:grpSpPr>
-        <a:xfrm>
-          <a:off x="0" y="0"/>
-          <a:ext cx="0" cy="0"/>
-          <a:chOff x="0" y="0"/>
-          <a:chExt cx="0" cy="0"/>
-        </a:xfrm>
-      </p:grpSpPr>
-      <p:sp>
-        <p:nvSpPr>
-          <p:cNvPr id="204" name="Shape 204"/>
-          <p:cNvSpPr txBox="1">
-            <a:spLocks noGrp="1"/>
-          </p:cNvSpPr>
-          <p:nvPr>
-            <p:ph type="title"/>
-          </p:nvPr>
-        </p:nvSpPr>
-        <p:spPr>
-          <a:xfrm>
-            <a:off x="1297500" y="393750"/>
-            <a:ext cx="7038900" cy="914100"/>
-          </a:xfrm>
-          <a:prstGeom prst="rect">
-            <a:avLst/>
-          </a:prstGeom>
-        </p:spPr>
-        <p:txBody>
-          <a:bodyPr wrap="square" lIns="91425" tIns="91425" rIns="91425" bIns="91425" anchor="t" anchorCtr="0">
-            <a:noAutofit/>
-          </a:bodyPr>
-          <a:lstStyle/>
-          <a:p>
-            <a:pPr lvl="0">
-              <a:spcBef>
-                <a:spcPts val="0"/>
-              </a:spcBef>
-              <a:buNone/>
-            </a:pPr>
-            <a:endParaRPr/>
-          </a:p>
-        </p:txBody>
-      </p:sp>
-      <p:sp>
-        <p:nvSpPr>
-          <p:cNvPr id="205" name="Shape 205"/>
-          <p:cNvSpPr txBox="1">
-            <a:spLocks noGrp="1"/>
-          </p:cNvSpPr>
-          <p:nvPr>
-            <p:ph type="body" idx="1"/>
-          </p:nvPr>
-        </p:nvSpPr>
-        <p:spPr>
-          <a:xfrm>
-            <a:off x="1297500" y="1567550"/>
-            <a:ext cx="7038900" cy="2911200"/>
-          </a:xfrm>
-          <a:prstGeom prst="rect">
-            <a:avLst/>
-          </a:prstGeom>
-        </p:spPr>
-        <p:txBody>
-          <a:bodyPr wrap="square" lIns="91425" tIns="91425" rIns="91425" bIns="91425" anchor="t" anchorCtr="0">
-            <a:noAutofit/>
-          </a:bodyPr>
-          <a:lstStyle/>
-          <a:p>
-            <a:pPr lvl="0">
-              <a:spcBef>
-                <a:spcPts val="0"/>
-              </a:spcBef>
-              <a:buNone/>
-            </a:pPr>
-            <a:r>
-              <a:rPr lang="es-ES" dirty="0" smtClean="0"/>
-              <a:t>[Imagen o </a:t>
-            </a:r>
-            <a:r>
-              <a:rPr lang="es-ES" dirty="0" err="1" smtClean="0"/>
-              <a:t>gif</a:t>
-            </a:r>
-            <a:r>
-              <a:rPr lang="es-ES" dirty="0" smtClean="0"/>
-              <a:t> de alguna faceta del juego como algún menú o ciudad]</a:t>
-            </a:r>
-            <a:endParaRPr dirty="0"/>
-          </a:p>
-        </p:txBody>
-      </p:sp>
-    </p:spTree>
-  </p:cSld>
-  <p:clrMapOvr>
-    <a:masterClrMapping/>
-  </p:clrMapOvr>
-  <p:timing>
-    <p:tnLst>
-      <p:par>
-        <p:cTn id="1" dur="indefinite" restart="never" nodeType="tmRoot"/>
-      </p:par>
-    </p:tnLst>
-  </p:timing>
-</p:sld>
-</file>
-
-<file path=ppt/slides/slide13.xml><?xml version="1.0" encoding="utf-8"?>
-<p:sld xmlns:a="http://schemas.openxmlformats.org/drawingml/2006/main" xmlns:r="http://schemas.openxmlformats.org/officeDocument/2006/relationships" xmlns:p="http://schemas.openxmlformats.org/presentationml/2006/main">
-  <p:cSld>
-    <p:spTree>
-      <p:nvGrpSpPr>
-        <p:cNvPr id="1" name="Shape 209"/>
-        <p:cNvGrpSpPr/>
-        <p:nvPr/>
-      </p:nvGrpSpPr>
-      <p:grpSpPr>
-        <a:xfrm>
-          <a:off x="0" y="0"/>
-          <a:ext cx="0" cy="0"/>
-          <a:chOff x="0" y="0"/>
-          <a:chExt cx="0" cy="0"/>
-        </a:xfrm>
-      </p:grpSpPr>
-      <p:sp>
-        <p:nvSpPr>
-          <p:cNvPr id="210" name="Shape 210"/>
-          <p:cNvSpPr txBox="1">
-            <a:spLocks noGrp="1"/>
-          </p:cNvSpPr>
-          <p:nvPr>
-            <p:ph type="title"/>
-          </p:nvPr>
-        </p:nvSpPr>
-        <p:spPr>
-          <a:xfrm>
-            <a:off x="1297500" y="393750"/>
-            <a:ext cx="7038900" cy="914100"/>
-          </a:xfrm>
-          <a:prstGeom prst="rect">
-            <a:avLst/>
-          </a:prstGeom>
-        </p:spPr>
-        <p:txBody>
-          <a:bodyPr wrap="square" lIns="91425" tIns="91425" rIns="91425" bIns="91425" anchor="t" anchorCtr="0">
-            <a:noAutofit/>
-          </a:bodyPr>
-          <a:lstStyle/>
-          <a:p>
-            <a:pPr lvl="0">
-              <a:spcBef>
-                <a:spcPts val="0"/>
-              </a:spcBef>
-              <a:buNone/>
-            </a:pPr>
-            <a:endParaRPr/>
-          </a:p>
-        </p:txBody>
-      </p:sp>
-      <p:sp>
-        <p:nvSpPr>
-          <p:cNvPr id="211" name="Shape 211"/>
-          <p:cNvSpPr txBox="1">
-            <a:spLocks noGrp="1"/>
-          </p:cNvSpPr>
-          <p:nvPr>
-            <p:ph type="body" idx="1"/>
-          </p:nvPr>
-        </p:nvSpPr>
-        <p:spPr>
-          <a:xfrm>
-            <a:off x="1297500" y="1567550"/>
-            <a:ext cx="7038900" cy="2911200"/>
-          </a:xfrm>
-          <a:prstGeom prst="rect">
-            <a:avLst/>
-          </a:prstGeom>
-        </p:spPr>
-        <p:txBody>
-          <a:bodyPr wrap="square" lIns="91425" tIns="91425" rIns="91425" bIns="91425" anchor="t" anchorCtr="0">
-            <a:noAutofit/>
-          </a:bodyPr>
-          <a:lstStyle/>
-          <a:p>
-            <a:pPr>
-              <a:buNone/>
-            </a:pPr>
-            <a:r>
-              <a:rPr lang="es-ES" dirty="0"/>
-              <a:t>[Imagen o </a:t>
-            </a:r>
-            <a:r>
-              <a:rPr lang="es-ES" dirty="0" err="1"/>
-              <a:t>gif</a:t>
-            </a:r>
-            <a:r>
-              <a:rPr lang="es-ES" dirty="0"/>
-              <a:t> de alguna faceta del juego como algún menú o ciudad]</a:t>
-            </a:r>
-          </a:p>
-          <a:p>
-            <a:pPr lvl="0">
-              <a:spcBef>
-                <a:spcPts val="0"/>
-              </a:spcBef>
-              <a:buNone/>
-            </a:pPr>
-            <a:endParaRPr dirty="0"/>
-          </a:p>
-        </p:txBody>
-      </p:sp>
-    </p:spTree>
-  </p:cSld>
-  <p:clrMapOvr>
-    <a:masterClrMapping/>
-  </p:clrMapOvr>
-  <p:timing>
-    <p:tnLst>
-      <p:par>
-        <p:cTn id="1" dur="indefinite" restart="never" nodeType="tmRoot"/>
-      </p:par>
-    </p:tnLst>
-  </p:timing>
-</p:sld>
-</file>
-
-<file path=ppt/slides/slide14.xml><?xml version="1.0" encoding="utf-8"?>
-<p:sld xmlns:a="http://schemas.openxmlformats.org/drawingml/2006/main" xmlns:r="http://schemas.openxmlformats.org/officeDocument/2006/relationships" xmlns:p="http://schemas.openxmlformats.org/presentationml/2006/main">
-  <p:cSld>
-    <p:spTree>
-      <p:nvGrpSpPr>
-        <p:cNvPr id="1" name="Shape 215"/>
-        <p:cNvGrpSpPr/>
-        <p:nvPr/>
-      </p:nvGrpSpPr>
-      <p:grpSpPr>
-        <a:xfrm>
-          <a:off x="0" y="0"/>
-          <a:ext cx="0" cy="0"/>
-          <a:chOff x="0" y="0"/>
-          <a:chExt cx="0" cy="0"/>
-        </a:xfrm>
-      </p:grpSpPr>
-      <p:sp>
-        <p:nvSpPr>
-          <p:cNvPr id="216" name="Shape 216"/>
-          <p:cNvSpPr txBox="1">
-            <a:spLocks noGrp="1"/>
-          </p:cNvSpPr>
-          <p:nvPr>
-            <p:ph type="title"/>
-          </p:nvPr>
-        </p:nvSpPr>
-        <p:spPr>
-          <a:xfrm>
-            <a:off x="1297500" y="393750"/>
-            <a:ext cx="7038900" cy="914100"/>
-          </a:xfrm>
-          <a:prstGeom prst="rect">
-            <a:avLst/>
-          </a:prstGeom>
-        </p:spPr>
-        <p:txBody>
-          <a:bodyPr wrap="square" lIns="91425" tIns="91425" rIns="91425" bIns="91425" anchor="t" anchorCtr="0">
-            <a:noAutofit/>
-          </a:bodyPr>
-          <a:lstStyle/>
-          <a:p>
-            <a:pPr lvl="0">
-              <a:spcBef>
-                <a:spcPts val="0"/>
-              </a:spcBef>
-              <a:buNone/>
-            </a:pPr>
-            <a:endParaRPr/>
-          </a:p>
-        </p:txBody>
-      </p:sp>
-      <p:sp>
-        <p:nvSpPr>
-          <p:cNvPr id="217" name="Shape 217"/>
-          <p:cNvSpPr txBox="1">
-            <a:spLocks noGrp="1"/>
-          </p:cNvSpPr>
-          <p:nvPr>
-            <p:ph type="body" idx="1"/>
-          </p:nvPr>
-        </p:nvSpPr>
-        <p:spPr>
-          <a:xfrm>
-            <a:off x="1297500" y="1567550"/>
-            <a:ext cx="7038900" cy="2911200"/>
-          </a:xfrm>
-          <a:prstGeom prst="rect">
-            <a:avLst/>
-          </a:prstGeom>
-        </p:spPr>
-        <p:txBody>
-          <a:bodyPr wrap="square" lIns="91425" tIns="91425" rIns="91425" bIns="91425" anchor="t" anchorCtr="0">
-            <a:noAutofit/>
-          </a:bodyPr>
-          <a:lstStyle/>
-          <a:p>
-            <a:pPr>
-              <a:buNone/>
-            </a:pPr>
-            <a:r>
-              <a:rPr lang="es-ES" dirty="0"/>
-              <a:t>[Imagen o </a:t>
-            </a:r>
-            <a:r>
-              <a:rPr lang="es-ES" dirty="0" err="1"/>
-              <a:t>gif</a:t>
-            </a:r>
-            <a:r>
-              <a:rPr lang="es-ES" dirty="0"/>
-              <a:t> de alguna faceta del juego como algún menú o ciudad]</a:t>
-            </a:r>
-          </a:p>
-          <a:p>
-            <a:pPr lvl="0">
-              <a:spcBef>
-                <a:spcPts val="0"/>
-              </a:spcBef>
-              <a:buNone/>
-            </a:pPr>
-            <a:endParaRPr dirty="0"/>
-          </a:p>
-        </p:txBody>
-      </p:sp>
-    </p:spTree>
-  </p:cSld>
-  <p:clrMapOvr>
-    <a:masterClrMapping/>
-  </p:clrMapOvr>
-  <p:timing>
-    <p:tnLst>
-      <p:par>
-        <p:cTn id="1" dur="indefinite" restart="never" nodeType="tmRoot"/>
-      </p:par>
-    </p:tnLst>
-  </p:timing>
-</p:sld>
-</file>
-
-<file path=ppt/slides/slide15.xml><?xml version="1.0" encoding="utf-8"?>
-<p:sld xmlns:a="http://schemas.openxmlformats.org/drawingml/2006/main" xmlns:r="http://schemas.openxmlformats.org/officeDocument/2006/relationships" xmlns:p="http://schemas.openxmlformats.org/presentationml/2006/main">
-  <p:cSld>
-    <p:spTree>
-      <p:nvGrpSpPr>
-        <p:cNvPr id="1" name="Shape 221"/>
-        <p:cNvGrpSpPr/>
-        <p:nvPr/>
-      </p:nvGrpSpPr>
-      <p:grpSpPr>
-        <a:xfrm>
-          <a:off x="0" y="0"/>
-          <a:ext cx="0" cy="0"/>
-          <a:chOff x="0" y="0"/>
-          <a:chExt cx="0" cy="0"/>
-        </a:xfrm>
-      </p:grpSpPr>
-      <p:sp>
-        <p:nvSpPr>
-          <p:cNvPr id="222" name="Shape 222"/>
-          <p:cNvSpPr txBox="1">
-            <a:spLocks noGrp="1"/>
-          </p:cNvSpPr>
-          <p:nvPr>
-            <p:ph type="title"/>
-          </p:nvPr>
-        </p:nvSpPr>
-        <p:spPr>
-          <a:xfrm>
-            <a:off x="0" y="2114700"/>
-            <a:ext cx="9144000" cy="914100"/>
-          </a:xfrm>
-          <a:prstGeom prst="rect">
-            <a:avLst/>
-          </a:prstGeom>
-        </p:spPr>
-        <p:txBody>
-          <a:bodyPr wrap="square" lIns="91425" tIns="91425" rIns="91425" bIns="91425" anchor="t" anchorCtr="0">
-            <a:noAutofit/>
-          </a:bodyPr>
-          <a:lstStyle/>
-          <a:p>
-            <a:pPr lvl="0" algn="ctr">
-              <a:spcBef>
-                <a:spcPts val="0"/>
-              </a:spcBef>
-              <a:buNone/>
-            </a:pPr>
-            <a:r>
-              <a:rPr lang="es" sz="4800"/>
-              <a:t>¿PREGUNTAS?</a:t>
-            </a:r>
-          </a:p>
-        </p:txBody>
-      </p:sp>
-    </p:spTree>
-  </p:cSld>
-  <p:clrMapOvr>
-    <a:masterClrMapping/>
-  </p:clrMapOvr>
-</p:sld>
-</file>
-
-<file path=ppt/slides/slide2.xml><?xml version="1.0" encoding="utf-8"?>
-<p:sld xmlns:a="http://schemas.openxmlformats.org/drawingml/2006/main" xmlns:r="http://schemas.openxmlformats.org/officeDocument/2006/relationships" xmlns:p="http://schemas.openxmlformats.org/presentationml/2006/main">
-  <p:cSld>
-    <p:spTree>
-      <p:nvGrpSpPr>
-        <p:cNvPr id="1" name="Shape 139"/>
-        <p:cNvGrpSpPr/>
-        <p:nvPr/>
-      </p:nvGrpSpPr>
-      <p:grpSpPr>
-        <a:xfrm>
-          <a:off x="0" y="0"/>
-          <a:ext cx="0" cy="0"/>
-          <a:chOff x="0" y="0"/>
-          <a:chExt cx="0" cy="0"/>
-        </a:xfrm>
-      </p:grpSpPr>
-      <p:sp>
-        <p:nvSpPr>
-          <p:cNvPr id="140" name="Shape 140"/>
-          <p:cNvSpPr txBox="1">
-            <a:spLocks noGrp="1"/>
-          </p:cNvSpPr>
-          <p:nvPr>
-            <p:ph type="title"/>
-          </p:nvPr>
-        </p:nvSpPr>
-        <p:spPr>
-          <a:xfrm>
-            <a:off x="1297500" y="393750"/>
-            <a:ext cx="7038900" cy="914100"/>
-          </a:xfrm>
-          <a:prstGeom prst="rect">
-            <a:avLst/>
-          </a:prstGeom>
-        </p:spPr>
-        <p:txBody>
-          <a:bodyPr wrap="square" lIns="91425" tIns="91425" rIns="91425" bIns="91425" anchor="t" anchorCtr="0">
-            <a:noAutofit/>
-          </a:bodyPr>
-          <a:lstStyle/>
-          <a:p>
-            <a:pPr lvl="0">
-              <a:spcBef>
-                <a:spcPts val="0"/>
-              </a:spcBef>
-              <a:buNone/>
-            </a:pPr>
-            <a:r>
-              <a:rPr lang="es"/>
-              <a:t>El RPG en el mercado actual</a:t>
-            </a:r>
-          </a:p>
-        </p:txBody>
-      </p:sp>
-    </p:spTree>
-  </p:cSld>
-  <p:clrMapOvr>
-    <a:masterClrMapping/>
-  </p:clrMapOvr>
-  <mc:AlternateContent xmlns:mc="http://schemas.openxmlformats.org/markup-compatibility/2006" xmlns:p14="http://schemas.microsoft.com/office/powerpoint/2010/main">
-    <mc:Choice Requires="p14">
-      <p:transition spd="slow" p14:dur="2000"/>
-    </mc:Choice>
-    <mc:Fallback xmlns="">
-      <p:transition spd="slow"/>
-    </mc:Fallback>
-  </mc:AlternateContent>
-  <p:timing>
-    <p:tnLst>
-      <p:par>
-        <p:cTn id="1" dur="indefinite" restart="never" nodeType="tmRoot"/>
-      </p:par>
-    </p:tnLst>
-  </p:timing>
-</p:sld>
-</file>
-
-<file path=ppt/slides/slide3.xml><?xml version="1.0" encoding="utf-8"?>
-<p:sld xmlns:a="http://schemas.openxmlformats.org/drawingml/2006/main" xmlns:r="http://schemas.openxmlformats.org/officeDocument/2006/relationships" xmlns:p="http://schemas.openxmlformats.org/presentationml/2006/main">
-  <p:cSld>
-    <p:spTree>
-      <p:nvGrpSpPr>
-        <p:cNvPr id="1" name="Shape 144"/>
-        <p:cNvGrpSpPr/>
-        <p:nvPr/>
-      </p:nvGrpSpPr>
-      <p:grpSpPr>
-        <a:xfrm>
-          <a:off x="0" y="0"/>
-          <a:ext cx="0" cy="0"/>
-          <a:chOff x="0" y="0"/>
-          <a:chExt cx="0" cy="0"/>
-        </a:xfrm>
-      </p:grpSpPr>
-      <p:sp>
-        <p:nvSpPr>
-          <p:cNvPr id="145" name="Shape 145"/>
-          <p:cNvSpPr txBox="1">
-            <a:spLocks noGrp="1"/>
-          </p:cNvSpPr>
-          <p:nvPr>
-            <p:ph type="title"/>
-          </p:nvPr>
-        </p:nvSpPr>
-        <p:spPr>
-          <a:xfrm>
-            <a:off x="1297500" y="393750"/>
-            <a:ext cx="7038900" cy="914100"/>
-          </a:xfrm>
-          <a:prstGeom prst="rect">
-            <a:avLst/>
-          </a:prstGeom>
-        </p:spPr>
-        <p:txBody>
-          <a:bodyPr wrap="square" lIns="91425" tIns="91425" rIns="91425" bIns="91425" anchor="t" anchorCtr="0">
-            <a:noAutofit/>
-          </a:bodyPr>
-          <a:lstStyle/>
-          <a:p>
-            <a:pPr lvl="0">
-              <a:spcBef>
-                <a:spcPts val="0"/>
-              </a:spcBef>
-              <a:buNone/>
-            </a:pPr>
-            <a:r>
-              <a:rPr lang="es" dirty="0"/>
-              <a:t>Objetivos del proyecto</a:t>
-            </a:r>
-          </a:p>
-        </p:txBody>
-      </p:sp>
-      <p:sp>
-        <p:nvSpPr>
-          <p:cNvPr id="146" name="Shape 146"/>
-          <p:cNvSpPr txBox="1">
-            <a:spLocks noGrp="1"/>
-          </p:cNvSpPr>
-          <p:nvPr>
-            <p:ph type="body" idx="1"/>
-          </p:nvPr>
-        </p:nvSpPr>
-        <p:spPr>
-          <a:xfrm>
-            <a:off x="1297500" y="2022225"/>
-            <a:ext cx="7038900" cy="1487400"/>
-          </a:xfrm>
-          <a:prstGeom prst="rect">
-            <a:avLst/>
-          </a:prstGeom>
-        </p:spPr>
-        <p:txBody>
-          <a:bodyPr wrap="square" lIns="91425" tIns="91425" rIns="91425" bIns="91425" anchor="t" anchorCtr="0">
-            <a:noAutofit/>
-          </a:bodyPr>
-          <a:lstStyle/>
-          <a:p>
-            <a:pPr marL="457200" lvl="0" indent="-228600" rtl="0">
-              <a:spcBef>
-                <a:spcPts val="0"/>
-              </a:spcBef>
-              <a:buChar char="-"/>
-            </a:pPr>
-            <a:r>
-              <a:rPr lang="es" dirty="0" smtClean="0"/>
-              <a:t>Ganar experiencia en el desarrollo de un proyecto completo con Unity.</a:t>
-            </a:r>
-            <a:endParaRPr lang="es" dirty="0"/>
-          </a:p>
-          <a:p>
-            <a:pPr marL="457200" lvl="0" indent="-228600" rtl="0">
-              <a:spcBef>
-                <a:spcPts val="0"/>
-              </a:spcBef>
-              <a:buChar char="-"/>
-            </a:pPr>
-            <a:r>
-              <a:rPr lang="es" dirty="0"/>
-              <a:t>Hacer un videojuego J-RPG de toque clásico.</a:t>
-            </a:r>
-          </a:p>
-          <a:p>
-            <a:pPr marL="914400" lvl="1" indent="-228600" rtl="0">
-              <a:spcBef>
-                <a:spcPts val="0"/>
-              </a:spcBef>
-              <a:buChar char="-"/>
-            </a:pPr>
-            <a:r>
-              <a:rPr lang="es" dirty="0"/>
-              <a:t>Sistema de batalla ATB (Active Time Battle</a:t>
-            </a:r>
-            <a:r>
-              <a:rPr lang="es" dirty="0" smtClean="0"/>
-              <a:t>).</a:t>
-            </a:r>
-            <a:endParaRPr lang="es" dirty="0"/>
-          </a:p>
-          <a:p>
-            <a:pPr marL="914400" lvl="1" indent="-228600" rtl="0">
-              <a:spcBef>
-                <a:spcPts val="0"/>
-              </a:spcBef>
-              <a:buChar char="-"/>
-            </a:pPr>
-            <a:r>
-              <a:rPr lang="es" dirty="0"/>
-              <a:t>Sistema de </a:t>
-            </a:r>
-            <a:r>
-              <a:rPr lang="es" dirty="0" smtClean="0"/>
-              <a:t>trabajos.</a:t>
-            </a:r>
-            <a:endParaRPr lang="es" dirty="0"/>
-          </a:p>
-          <a:p>
-            <a:pPr marL="914400" lvl="1" indent="-228600" rtl="0">
-              <a:spcBef>
-                <a:spcPts val="0"/>
-              </a:spcBef>
-              <a:buChar char="-"/>
-            </a:pPr>
-            <a:r>
-              <a:rPr lang="es" dirty="0" smtClean="0"/>
-              <a:t>Dialogos.</a:t>
-            </a:r>
-          </a:p>
-          <a:p>
-            <a:pPr marL="914400" lvl="1" indent="-228600" rtl="0">
-              <a:spcBef>
-                <a:spcPts val="0"/>
-              </a:spcBef>
-              <a:buChar char="-"/>
-            </a:pPr>
-            <a:r>
-              <a:rPr lang="es" dirty="0" smtClean="0"/>
-              <a:t>Navegación en el mapa.</a:t>
-            </a:r>
-            <a:endParaRPr lang="es" dirty="0"/>
-          </a:p>
-          <a:p>
-            <a:pPr marL="457200" lvl="0" indent="0">
-              <a:spcBef>
-                <a:spcPts val="0"/>
-              </a:spcBef>
-              <a:buNone/>
-            </a:pPr>
-            <a:endParaRPr dirty="0"/>
-          </a:p>
-        </p:txBody>
-      </p:sp>
-    </p:spTree>
-  </p:cSld>
-  <p:clrMapOvr>
-    <a:masterClrMapping/>
-  </p:clrMapOvr>
-  <p:timing>
-    <p:tnLst>
-      <p:par>
-        <p:cTn id="1" dur="indefinite" restart="never" nodeType="tmRoot"/>
-      </p:par>
-    </p:tnLst>
-  </p:timing>
-</p:sld>
-</file>
-
-<file path=ppt/slides/slide4.xml><?xml version="1.0" encoding="utf-8"?>
-<p:sld xmlns:a="http://schemas.openxmlformats.org/drawingml/2006/main" xmlns:r="http://schemas.openxmlformats.org/officeDocument/2006/relationships" xmlns:p="http://schemas.openxmlformats.org/presentationml/2006/main">
-  <p:cSld>
-    <p:spTree>
-      <p:nvGrpSpPr>
-        <p:cNvPr id="1" name="Shape 150"/>
-        <p:cNvGrpSpPr/>
-        <p:nvPr/>
-      </p:nvGrpSpPr>
-      <p:grpSpPr>
-        <a:xfrm>
-          <a:off x="0" y="0"/>
-          <a:ext cx="0" cy="0"/>
-          <a:chOff x="0" y="0"/>
-          <a:chExt cx="0" cy="0"/>
-        </a:xfrm>
-      </p:grpSpPr>
-      <p:sp>
-        <p:nvSpPr>
-          <p:cNvPr id="151" name="Shape 151"/>
-          <p:cNvSpPr txBox="1">
-            <a:spLocks noGrp="1"/>
-          </p:cNvSpPr>
-          <p:nvPr>
-            <p:ph type="title"/>
-          </p:nvPr>
-        </p:nvSpPr>
-        <p:spPr>
-          <a:xfrm>
-            <a:off x="1297500" y="393750"/>
-            <a:ext cx="7038900" cy="914100"/>
-          </a:xfrm>
-          <a:prstGeom prst="rect">
-            <a:avLst/>
-          </a:prstGeom>
-        </p:spPr>
-        <p:txBody>
-          <a:bodyPr wrap="square" lIns="91425" tIns="91425" rIns="91425" bIns="91425" anchor="t" anchorCtr="0">
-            <a:noAutofit/>
-          </a:bodyPr>
-          <a:lstStyle/>
-          <a:p>
-            <a:pPr lvl="0">
-              <a:spcBef>
-                <a:spcPts val="0"/>
-              </a:spcBef>
-              <a:buNone/>
-            </a:pPr>
-            <a:r>
-              <a:rPr lang="es" dirty="0"/>
-              <a:t>Batalla</a:t>
-            </a:r>
-          </a:p>
-        </p:txBody>
-      </p:sp>
-      <p:sp>
-        <p:nvSpPr>
-          <p:cNvPr id="152" name="Shape 152"/>
-          <p:cNvSpPr txBox="1">
-            <a:spLocks noGrp="1"/>
-          </p:cNvSpPr>
-          <p:nvPr>
-            <p:ph type="body" idx="1"/>
-          </p:nvPr>
-        </p:nvSpPr>
-        <p:spPr>
-          <a:xfrm>
-            <a:off x="1297500" y="1567550"/>
-            <a:ext cx="7038900" cy="2911200"/>
-          </a:xfrm>
-          <a:prstGeom prst="rect">
-            <a:avLst/>
-          </a:prstGeom>
-        </p:spPr>
-        <p:txBody>
-          <a:bodyPr wrap="square" lIns="91425" tIns="91425" rIns="91425" bIns="91425" anchor="t" anchorCtr="0">
-            <a:noAutofit/>
-          </a:bodyPr>
-          <a:lstStyle/>
-          <a:p>
-            <a:pPr lvl="0">
-              <a:spcBef>
-                <a:spcPts val="0"/>
-              </a:spcBef>
-              <a:buNone/>
-            </a:pPr>
-            <a:r>
-              <a:rPr lang="es" dirty="0" smtClean="0"/>
-              <a:t>[IMAGEN O GIF DE LA BATALLA]</a:t>
-            </a:r>
-            <a:endParaRPr lang="es" dirty="0"/>
-          </a:p>
-        </p:txBody>
-      </p:sp>
-    </p:spTree>
-  </p:cSld>
-  <p:clrMapOvr>
-    <a:masterClrMapping/>
-  </p:clrMapOvr>
-  <p:timing>
-    <p:tnLst>
-      <p:par>
-        <p:cTn id="1" dur="indefinite" restart="never" nodeType="tmRoot"/>
-      </p:par>
-    </p:tnLst>
-  </p:timing>
-</p:sld>
-</file>
-
-<file path=ppt/slides/slide5.xml><?xml version="1.0" encoding="utf-8"?>
 <p:sld xmlns:a="http://schemas.openxmlformats.org/drawingml/2006/main" xmlns:r="http://schemas.openxmlformats.org/officeDocument/2006/relationships" xmlns:p="http://schemas.openxmlformats.org/presentationml/2006/main">
   <p:cSld>
     <p:spTree>
@@ -9860,7 +8847,10 @@
               <a:buNone/>
             </a:pPr>
             <a:r>
-              <a:rPr lang="es"/>
+              <a:rPr lang="es" sz="2800" dirty="0">
+                <a:latin typeface="Calibri" panose="020F0502020204030204" pitchFamily="34" charset="0"/>
+                <a:cs typeface="Calibri" panose="020F0502020204030204" pitchFamily="34" charset="0"/>
+              </a:rPr>
               <a:t>Enemigos</a:t>
             </a:r>
           </a:p>
@@ -9965,161 +8955,7 @@
 </p:sld>
 </file>
 
-<file path=ppt/slides/slide6.xml><?xml version="1.0" encoding="utf-8"?>
-<p:sld xmlns:a="http://schemas.openxmlformats.org/drawingml/2006/main" xmlns:r="http://schemas.openxmlformats.org/officeDocument/2006/relationships" xmlns:p="http://schemas.openxmlformats.org/presentationml/2006/main">
-  <p:cSld>
-    <p:spTree>
-      <p:nvGrpSpPr>
-        <p:cNvPr id="1" name="Shape 164"/>
-        <p:cNvGrpSpPr/>
-        <p:nvPr/>
-      </p:nvGrpSpPr>
-      <p:grpSpPr>
-        <a:xfrm>
-          <a:off x="0" y="0"/>
-          <a:ext cx="0" cy="0"/>
-          <a:chOff x="0" y="0"/>
-          <a:chExt cx="0" cy="0"/>
-        </a:xfrm>
-      </p:grpSpPr>
-      <p:sp>
-        <p:nvSpPr>
-          <p:cNvPr id="165" name="Shape 165"/>
-          <p:cNvSpPr txBox="1">
-            <a:spLocks noGrp="1"/>
-          </p:cNvSpPr>
-          <p:nvPr>
-            <p:ph type="title"/>
-          </p:nvPr>
-        </p:nvSpPr>
-        <p:spPr>
-          <a:xfrm>
-            <a:off x="1297500" y="393750"/>
-            <a:ext cx="7038900" cy="914100"/>
-          </a:xfrm>
-          <a:prstGeom prst="rect">
-            <a:avLst/>
-          </a:prstGeom>
-        </p:spPr>
-        <p:txBody>
-          <a:bodyPr wrap="square" lIns="91425" tIns="91425" rIns="91425" bIns="91425" anchor="t" anchorCtr="0">
-            <a:noAutofit/>
-          </a:bodyPr>
-          <a:lstStyle/>
-          <a:p>
-            <a:pPr lvl="0">
-              <a:spcBef>
-                <a:spcPts val="0"/>
-              </a:spcBef>
-              <a:buNone/>
-            </a:pPr>
-            <a:r>
-              <a:rPr lang="es"/>
-              <a:t>Personajes</a:t>
-            </a:r>
-          </a:p>
-        </p:txBody>
-      </p:sp>
-      <p:pic>
-        <p:nvPicPr>
-          <p:cNvPr id="166" name="Shape 166"/>
-          <p:cNvPicPr preferRelativeResize="0"/>
-          <p:nvPr/>
-        </p:nvPicPr>
-        <p:blipFill>
-          <a:blip r:embed="rId3">
-            <a:alphaModFix/>
-          </a:blip>
-          <a:stretch>
-            <a:fillRect/>
-          </a:stretch>
-        </p:blipFill>
-        <p:spPr>
-          <a:xfrm>
-            <a:off x="990700" y="1687600"/>
-            <a:ext cx="1592750" cy="914100"/>
-          </a:xfrm>
-          <a:prstGeom prst="rect">
-            <a:avLst/>
-          </a:prstGeom>
-          <a:noFill/>
-          <a:ln>
-            <a:noFill/>
-          </a:ln>
-        </p:spPr>
-      </p:pic>
-      <p:pic>
-        <p:nvPicPr>
-          <p:cNvPr id="167" name="Shape 167"/>
-          <p:cNvPicPr preferRelativeResize="0"/>
-          <p:nvPr/>
-        </p:nvPicPr>
-        <p:blipFill>
-          <a:blip r:embed="rId4">
-            <a:alphaModFix/>
-          </a:blip>
-          <a:stretch>
-            <a:fillRect/>
-          </a:stretch>
-        </p:blipFill>
-        <p:spPr>
-          <a:xfrm>
-            <a:off x="4483525" y="351975"/>
-            <a:ext cx="3324100" cy="4194699"/>
-          </a:xfrm>
-          <a:prstGeom prst="rect">
-            <a:avLst/>
-          </a:prstGeom>
-          <a:noFill/>
-          <a:ln>
-            <a:noFill/>
-          </a:ln>
-        </p:spPr>
-      </p:pic>
-      <p:pic>
-        <p:nvPicPr>
-          <p:cNvPr id="168" name="Shape 168"/>
-          <p:cNvPicPr preferRelativeResize="0"/>
-          <p:nvPr/>
-        </p:nvPicPr>
-        <p:blipFill>
-          <a:blip r:embed="rId5">
-            <a:alphaModFix/>
-          </a:blip>
-          <a:stretch>
-            <a:fillRect/>
-          </a:stretch>
-        </p:blipFill>
-        <p:spPr>
-          <a:xfrm>
-            <a:off x="614175" y="3016949"/>
-            <a:ext cx="3042453" cy="1529725"/>
-          </a:xfrm>
-          <a:prstGeom prst="rect">
-            <a:avLst/>
-          </a:prstGeom>
-          <a:noFill/>
-          <a:ln>
-            <a:noFill/>
-          </a:ln>
-        </p:spPr>
-      </p:pic>
-    </p:spTree>
-  </p:cSld>
-  <p:clrMapOvr>
-    <a:masterClrMapping/>
-  </p:clrMapOvr>
-  <p:timing>
-    <p:tnLst>
-      <p:par>
-        <p:cTn id="1" dur="indefinite" restart="never" nodeType="tmRoot"/>
-      </p:par>
-    </p:tnLst>
-  </p:timing>
-</p:sld>
-</file>
-
-<file path=ppt/slides/slide7.xml><?xml version="1.0" encoding="utf-8"?>
+<file path=ppt/slides/slide12.xml><?xml version="1.0" encoding="utf-8"?>
 <p:sld xmlns:a="http://schemas.openxmlformats.org/drawingml/2006/main" xmlns:r="http://schemas.openxmlformats.org/officeDocument/2006/relationships" xmlns:p="http://schemas.openxmlformats.org/presentationml/2006/main">
   <p:cSld>
     <p:spTree>
@@ -10168,7 +9004,10 @@
               <a:buNone/>
             </a:pPr>
             <a:r>
-              <a:rPr lang="es"/>
+              <a:rPr lang="es" sz="2800" dirty="0">
+                <a:latin typeface="Calibri" panose="020F0502020204030204" pitchFamily="34" charset="0"/>
+                <a:cs typeface="Calibri" panose="020F0502020204030204" pitchFamily="34" charset="0"/>
+              </a:rPr>
               <a:t>Trabajos y habilidades</a:t>
             </a:r>
           </a:p>
@@ -10245,7 +9084,7 @@
 </p:sld>
 </file>
 
-<file path=ppt/slides/slide8.xml><?xml version="1.0" encoding="utf-8"?>
+<file path=ppt/slides/slide13.xml><?xml version="1.0" encoding="utf-8"?>
 <p:sld xmlns:a="http://schemas.openxmlformats.org/drawingml/2006/main" xmlns:r="http://schemas.openxmlformats.org/officeDocument/2006/relationships" xmlns:p="http://schemas.openxmlformats.org/presentationml/2006/main">
   <p:cSld>
     <p:spTree>
@@ -10294,7 +9133,10 @@
               <a:buNone/>
             </a:pPr>
             <a:r>
-              <a:rPr lang="es" dirty="0"/>
+              <a:rPr lang="es" sz="2800" dirty="0">
+                <a:latin typeface="Calibri" panose="020F0502020204030204" pitchFamily="34" charset="0"/>
+                <a:cs typeface="Calibri" panose="020F0502020204030204" pitchFamily="34" charset="0"/>
+              </a:rPr>
               <a:t>Objetivos</a:t>
             </a:r>
           </a:p>
@@ -10414,7 +9256,7 @@
 </p:sld>
 </file>
 
-<file path=ppt/slides/slide9.xml><?xml version="1.0" encoding="utf-8"?>
+<file path=ppt/slides/slide14.xml><?xml version="1.0" encoding="utf-8"?>
 <p:sld xmlns:a="http://schemas.openxmlformats.org/drawingml/2006/main" xmlns:r="http://schemas.openxmlformats.org/officeDocument/2006/relationships" xmlns:p="http://schemas.openxmlformats.org/presentationml/2006/main">
   <p:cSld>
     <p:spTree>
@@ -10463,7 +9305,10 @@
               <a:buNone/>
             </a:pPr>
             <a:r>
-              <a:rPr lang="es"/>
+              <a:rPr lang="es" sz="2800" dirty="0">
+                <a:latin typeface="Calibri" panose="020F0502020204030204" pitchFamily="34" charset="0"/>
+                <a:cs typeface="Calibri" panose="020F0502020204030204" pitchFamily="34" charset="0"/>
+              </a:rPr>
               <a:t>Objetos</a:t>
             </a:r>
           </a:p>
@@ -10618,6 +9463,2155 @@
             </p:seq>
           </p:childTnLst>
         </p:cTn>
+      </p:par>
+    </p:tnLst>
+  </p:timing>
+</p:sld>
+</file>
+
+<file path=ppt/slides/slide15.xml><?xml version="1.0" encoding="utf-8"?>
+<p:sld xmlns:a="http://schemas.openxmlformats.org/drawingml/2006/main" xmlns:r="http://schemas.openxmlformats.org/officeDocument/2006/relationships" xmlns:p="http://schemas.openxmlformats.org/presentationml/2006/main">
+  <p:cSld>
+    <p:spTree>
+      <p:nvGrpSpPr>
+        <p:cNvPr id="1" name="Shape 196"/>
+        <p:cNvGrpSpPr/>
+        <p:nvPr/>
+      </p:nvGrpSpPr>
+      <p:grpSpPr>
+        <a:xfrm>
+          <a:off x="0" y="0"/>
+          <a:ext cx="0" cy="0"/>
+          <a:chOff x="0" y="0"/>
+          <a:chExt cx="0" cy="0"/>
+        </a:xfrm>
+      </p:grpSpPr>
+      <p:sp>
+        <p:nvSpPr>
+          <p:cNvPr id="197" name="Shape 197"/>
+          <p:cNvSpPr txBox="1">
+            <a:spLocks noGrp="1"/>
+          </p:cNvSpPr>
+          <p:nvPr>
+            <p:ph type="title"/>
+          </p:nvPr>
+        </p:nvSpPr>
+        <p:spPr>
+          <a:xfrm>
+            <a:off x="1297500" y="393750"/>
+            <a:ext cx="7038900" cy="914100"/>
+          </a:xfrm>
+          <a:prstGeom prst="rect">
+            <a:avLst/>
+          </a:prstGeom>
+        </p:spPr>
+        <p:txBody>
+          <a:bodyPr wrap="square" lIns="91425" tIns="91425" rIns="91425" bIns="91425" anchor="t" anchorCtr="0">
+            <a:noAutofit/>
+          </a:bodyPr>
+          <a:lstStyle/>
+          <a:p>
+            <a:pPr lvl="0">
+              <a:spcBef>
+                <a:spcPts val="0"/>
+              </a:spcBef>
+              <a:buNone/>
+            </a:pPr>
+            <a:r>
+              <a:rPr lang="es" sz="2800" dirty="0">
+                <a:latin typeface="Calibri" panose="020F0502020204030204" pitchFamily="34" charset="0"/>
+                <a:cs typeface="Calibri" panose="020F0502020204030204" pitchFamily="34" charset="0"/>
+              </a:rPr>
+              <a:t>Conclusiones</a:t>
+            </a:r>
+          </a:p>
+        </p:txBody>
+      </p:sp>
+      <p:sp>
+        <p:nvSpPr>
+          <p:cNvPr id="198" name="Shape 198"/>
+          <p:cNvSpPr txBox="1">
+            <a:spLocks noGrp="1"/>
+          </p:cNvSpPr>
+          <p:nvPr>
+            <p:ph type="body" idx="1"/>
+          </p:nvPr>
+        </p:nvSpPr>
+        <p:spPr>
+          <a:xfrm>
+            <a:off x="1297500" y="1567550"/>
+            <a:ext cx="2983800" cy="2911200"/>
+          </a:xfrm>
+          <a:prstGeom prst="rect">
+            <a:avLst/>
+          </a:prstGeom>
+        </p:spPr>
+        <p:txBody>
+          <a:bodyPr wrap="square" lIns="91425" tIns="91425" rIns="91425" bIns="91425" anchor="t" anchorCtr="0">
+            <a:noAutofit/>
+          </a:bodyPr>
+          <a:lstStyle/>
+          <a:p>
+            <a:pPr lvl="0">
+              <a:spcBef>
+                <a:spcPts val="0"/>
+              </a:spcBef>
+              <a:buNone/>
+            </a:pPr>
+            <a:r>
+              <a:rPr lang="es"/>
+              <a:t>Objetivos conseguidos</a:t>
+            </a:r>
+          </a:p>
+          <a:p>
+            <a:pPr marL="457200" lvl="0" indent="-228600" rtl="0">
+              <a:spcBef>
+                <a:spcPts val="0"/>
+              </a:spcBef>
+              <a:buChar char="-"/>
+            </a:pPr>
+            <a:r>
+              <a:rPr lang="es"/>
+              <a:t>Sistema de batalla ATB</a:t>
+            </a:r>
+          </a:p>
+          <a:p>
+            <a:pPr marL="457200" lvl="0" indent="-228600" rtl="0">
+              <a:spcBef>
+                <a:spcPts val="0"/>
+              </a:spcBef>
+              <a:buChar char="-"/>
+            </a:pPr>
+            <a:r>
+              <a:rPr lang="es"/>
+              <a:t>Sistema de trabajos</a:t>
+            </a:r>
+          </a:p>
+          <a:p>
+            <a:pPr marL="457200" lvl="0" indent="-228600" rtl="0">
+              <a:spcBef>
+                <a:spcPts val="0"/>
+              </a:spcBef>
+              <a:buChar char="-"/>
+            </a:pPr>
+            <a:r>
+              <a:rPr lang="es"/>
+              <a:t>Crecimiento de personajes</a:t>
+            </a:r>
+          </a:p>
+          <a:p>
+            <a:pPr marL="457200" lvl="0" indent="-228600" rtl="0">
+              <a:spcBef>
+                <a:spcPts val="0"/>
+              </a:spcBef>
+              <a:buChar char="-"/>
+            </a:pPr>
+            <a:r>
+              <a:rPr lang="es"/>
+              <a:t>Conversaciones</a:t>
+            </a:r>
+          </a:p>
+          <a:p>
+            <a:pPr marL="457200" lvl="0" indent="-228600" rtl="0">
+              <a:spcBef>
+                <a:spcPts val="0"/>
+              </a:spcBef>
+              <a:buChar char="-"/>
+            </a:pPr>
+            <a:r>
+              <a:rPr lang="es"/>
+              <a:t>Uso de objetos y habilidades</a:t>
+            </a:r>
+          </a:p>
+          <a:p>
+            <a:pPr marL="457200" lvl="0" indent="-228600" rtl="0">
+              <a:spcBef>
+                <a:spcPts val="0"/>
+              </a:spcBef>
+              <a:buChar char="-"/>
+            </a:pPr>
+            <a:r>
+              <a:rPr lang="es"/>
+              <a:t>Sistema de Objetivos</a:t>
+            </a:r>
+          </a:p>
+          <a:p>
+            <a:pPr marL="457200" lvl="0" indent="-228600" rtl="0">
+              <a:spcBef>
+                <a:spcPts val="0"/>
+              </a:spcBef>
+              <a:buChar char="-"/>
+            </a:pPr>
+            <a:r>
+              <a:rPr lang="es"/>
+              <a:t>Movimiento del personaje</a:t>
+            </a:r>
+          </a:p>
+          <a:p>
+            <a:pPr marL="457200" lvl="0" indent="-228600">
+              <a:spcBef>
+                <a:spcPts val="0"/>
+              </a:spcBef>
+              <a:buChar char="-"/>
+            </a:pPr>
+            <a:r>
+              <a:rPr lang="es"/>
+              <a:t>Transición de niveles</a:t>
+            </a:r>
+          </a:p>
+        </p:txBody>
+      </p:sp>
+      <p:sp>
+        <p:nvSpPr>
+          <p:cNvPr id="199" name="Shape 199"/>
+          <p:cNvSpPr txBox="1">
+            <a:spLocks noGrp="1"/>
+          </p:cNvSpPr>
+          <p:nvPr>
+            <p:ph type="body" idx="1"/>
+          </p:nvPr>
+        </p:nvSpPr>
+        <p:spPr>
+          <a:xfrm>
+            <a:off x="4684925" y="1567550"/>
+            <a:ext cx="2983800" cy="2911200"/>
+          </a:xfrm>
+          <a:prstGeom prst="rect">
+            <a:avLst/>
+          </a:prstGeom>
+        </p:spPr>
+        <p:txBody>
+          <a:bodyPr wrap="square" lIns="91425" tIns="91425" rIns="91425" bIns="91425" anchor="t" anchorCtr="0">
+            <a:noAutofit/>
+          </a:bodyPr>
+          <a:lstStyle/>
+          <a:p>
+            <a:pPr lvl="0" rtl="0">
+              <a:spcBef>
+                <a:spcPts val="0"/>
+              </a:spcBef>
+              <a:buNone/>
+            </a:pPr>
+            <a:r>
+              <a:rPr lang="es" dirty="0" smtClean="0"/>
+              <a:t>Trabajo futuro</a:t>
+            </a:r>
+            <a:endParaRPr lang="es" dirty="0"/>
+          </a:p>
+          <a:p>
+            <a:pPr marL="457200" lvl="0" indent="-228600" rtl="0">
+              <a:spcBef>
+                <a:spcPts val="0"/>
+              </a:spcBef>
+              <a:buChar char="-"/>
+            </a:pPr>
+            <a:r>
+              <a:rPr lang="es" dirty="0" smtClean="0"/>
+              <a:t>Soporte para mando y control multiplataforma</a:t>
+            </a:r>
+            <a:endParaRPr lang="es" dirty="0"/>
+          </a:p>
+          <a:p>
+            <a:pPr marL="457200" lvl="0" indent="-228600" rtl="0">
+              <a:spcBef>
+                <a:spcPts val="0"/>
+              </a:spcBef>
+              <a:buChar char="-"/>
+            </a:pPr>
+            <a:r>
+              <a:rPr lang="es" dirty="0"/>
+              <a:t>Guardar/Cargar partida</a:t>
+            </a:r>
+          </a:p>
+          <a:p>
+            <a:pPr marL="457200" lvl="0" indent="-228600" rtl="0">
+              <a:spcBef>
+                <a:spcPts val="0"/>
+              </a:spcBef>
+              <a:buChar char="-"/>
+            </a:pPr>
+            <a:r>
+              <a:rPr lang="es" dirty="0"/>
+              <a:t>Animaciones dentro de la batalla</a:t>
+            </a:r>
+          </a:p>
+          <a:p>
+            <a:pPr lvl="0" rtl="0">
+              <a:spcBef>
+                <a:spcPts val="0"/>
+              </a:spcBef>
+              <a:buNone/>
+            </a:pPr>
+            <a:endParaRPr dirty="0"/>
+          </a:p>
+        </p:txBody>
+      </p:sp>
+    </p:spTree>
+  </p:cSld>
+  <p:clrMapOvr>
+    <a:masterClrMapping/>
+  </p:clrMapOvr>
+  <p:timing>
+    <p:tnLst>
+      <p:par>
+        <p:cTn id="1" dur="indefinite" restart="never" nodeType="tmRoot"/>
+      </p:par>
+    </p:tnLst>
+  </p:timing>
+</p:sld>
+</file>
+
+<file path=ppt/slides/slide2.xml><?xml version="1.0" encoding="utf-8"?>
+<p:sld xmlns:a="http://schemas.openxmlformats.org/drawingml/2006/main" xmlns:r="http://schemas.openxmlformats.org/officeDocument/2006/relationships" xmlns:p="http://schemas.openxmlformats.org/presentationml/2006/main">
+  <p:cSld>
+    <p:spTree>
+      <p:nvGrpSpPr>
+        <p:cNvPr id="1" name="Shape 139"/>
+        <p:cNvGrpSpPr/>
+        <p:nvPr/>
+      </p:nvGrpSpPr>
+      <p:grpSpPr>
+        <a:xfrm>
+          <a:off x="0" y="0"/>
+          <a:ext cx="0" cy="0"/>
+          <a:chOff x="0" y="0"/>
+          <a:chExt cx="0" cy="0"/>
+        </a:xfrm>
+      </p:grpSpPr>
+      <p:sp>
+        <p:nvSpPr>
+          <p:cNvPr id="140" name="Shape 140"/>
+          <p:cNvSpPr txBox="1">
+            <a:spLocks noGrp="1"/>
+          </p:cNvSpPr>
+          <p:nvPr>
+            <p:ph type="title"/>
+          </p:nvPr>
+        </p:nvSpPr>
+        <p:spPr>
+          <a:xfrm>
+            <a:off x="1297500" y="393750"/>
+            <a:ext cx="7038900" cy="914100"/>
+          </a:xfrm>
+          <a:prstGeom prst="rect">
+            <a:avLst/>
+          </a:prstGeom>
+        </p:spPr>
+        <p:txBody>
+          <a:bodyPr wrap="square" lIns="91425" tIns="91425" rIns="91425" bIns="91425" anchor="t" anchorCtr="0">
+            <a:noAutofit/>
+          </a:bodyPr>
+          <a:lstStyle/>
+          <a:p>
+            <a:pPr lvl="0">
+              <a:spcBef>
+                <a:spcPts val="0"/>
+              </a:spcBef>
+              <a:buNone/>
+            </a:pPr>
+            <a:r>
+              <a:rPr lang="es" sz="2800" dirty="0">
+                <a:latin typeface="Calibri" panose="020F0502020204030204" pitchFamily="34" charset="0"/>
+                <a:cs typeface="Calibri" panose="020F0502020204030204" pitchFamily="34" charset="0"/>
+              </a:rPr>
+              <a:t>El RPG en el mercado actual</a:t>
+            </a:r>
+          </a:p>
+        </p:txBody>
+      </p:sp>
+    </p:spTree>
+  </p:cSld>
+  <p:clrMapOvr>
+    <a:masterClrMapping/>
+  </p:clrMapOvr>
+  <mc:AlternateContent xmlns:mc="http://schemas.openxmlformats.org/markup-compatibility/2006" xmlns:p14="http://schemas.microsoft.com/office/powerpoint/2010/main">
+    <mc:Choice Requires="p14">
+      <p:transition spd="slow" p14:dur="2000"/>
+    </mc:Choice>
+    <mc:Fallback xmlns="">
+      <p:transition spd="slow"/>
+    </mc:Fallback>
+  </mc:AlternateContent>
+  <p:timing>
+    <p:tnLst>
+      <p:par>
+        <p:cTn id="1" dur="indefinite" restart="never" nodeType="tmRoot"/>
+      </p:par>
+    </p:tnLst>
+  </p:timing>
+</p:sld>
+</file>
+
+<file path=ppt/slides/slide3.xml><?xml version="1.0" encoding="utf-8"?>
+<p:sld xmlns:a="http://schemas.openxmlformats.org/drawingml/2006/main" xmlns:r="http://schemas.openxmlformats.org/officeDocument/2006/relationships" xmlns:p="http://schemas.openxmlformats.org/presentationml/2006/main">
+  <p:cSld>
+    <p:spTree>
+      <p:nvGrpSpPr>
+        <p:cNvPr id="1" name="Shape 144"/>
+        <p:cNvGrpSpPr/>
+        <p:nvPr/>
+      </p:nvGrpSpPr>
+      <p:grpSpPr>
+        <a:xfrm>
+          <a:off x="0" y="0"/>
+          <a:ext cx="0" cy="0"/>
+          <a:chOff x="0" y="0"/>
+          <a:chExt cx="0" cy="0"/>
+        </a:xfrm>
+      </p:grpSpPr>
+      <p:sp>
+        <p:nvSpPr>
+          <p:cNvPr id="145" name="Shape 145"/>
+          <p:cNvSpPr txBox="1">
+            <a:spLocks noGrp="1"/>
+          </p:cNvSpPr>
+          <p:nvPr>
+            <p:ph type="title"/>
+          </p:nvPr>
+        </p:nvSpPr>
+        <p:spPr>
+          <a:xfrm>
+            <a:off x="1297500" y="393750"/>
+            <a:ext cx="7038900" cy="914100"/>
+          </a:xfrm>
+          <a:prstGeom prst="rect">
+            <a:avLst/>
+          </a:prstGeom>
+        </p:spPr>
+        <p:txBody>
+          <a:bodyPr wrap="square" lIns="91425" tIns="91425" rIns="91425" bIns="91425" anchor="t" anchorCtr="0">
+            <a:noAutofit/>
+          </a:bodyPr>
+          <a:lstStyle/>
+          <a:p>
+            <a:pPr lvl="0">
+              <a:spcBef>
+                <a:spcPts val="0"/>
+              </a:spcBef>
+              <a:buNone/>
+            </a:pPr>
+            <a:r>
+              <a:rPr lang="es" sz="2800" dirty="0">
+                <a:latin typeface="Calibri" panose="020F0502020204030204" pitchFamily="34" charset="0"/>
+                <a:cs typeface="Calibri" panose="020F0502020204030204" pitchFamily="34" charset="0"/>
+              </a:rPr>
+              <a:t>Objetivos del proyecto</a:t>
+            </a:r>
+          </a:p>
+        </p:txBody>
+      </p:sp>
+      <p:sp>
+        <p:nvSpPr>
+          <p:cNvPr id="146" name="Shape 146"/>
+          <p:cNvSpPr txBox="1">
+            <a:spLocks noGrp="1"/>
+          </p:cNvSpPr>
+          <p:nvPr>
+            <p:ph type="body" idx="1"/>
+          </p:nvPr>
+        </p:nvSpPr>
+        <p:spPr>
+          <a:xfrm>
+            <a:off x="1297500" y="2022225"/>
+            <a:ext cx="7038900" cy="1487400"/>
+          </a:xfrm>
+          <a:prstGeom prst="rect">
+            <a:avLst/>
+          </a:prstGeom>
+        </p:spPr>
+        <p:txBody>
+          <a:bodyPr wrap="square" lIns="91425" tIns="91425" rIns="91425" bIns="91425" anchor="t" anchorCtr="0">
+            <a:noAutofit/>
+          </a:bodyPr>
+          <a:lstStyle/>
+          <a:p>
+            <a:pPr marL="457200" lvl="0" indent="-228600" rtl="0">
+              <a:spcBef>
+                <a:spcPts val="0"/>
+              </a:spcBef>
+              <a:buChar char="-"/>
+            </a:pPr>
+            <a:r>
+              <a:rPr lang="es" dirty="0" smtClean="0"/>
+              <a:t>Ganar experiencia en el desarrollo de un proyecto completo con Unity.</a:t>
+            </a:r>
+            <a:endParaRPr lang="es" dirty="0"/>
+          </a:p>
+          <a:p>
+            <a:pPr marL="457200" lvl="0" indent="-228600" rtl="0">
+              <a:spcBef>
+                <a:spcPts val="0"/>
+              </a:spcBef>
+              <a:buChar char="-"/>
+            </a:pPr>
+            <a:r>
+              <a:rPr lang="es" dirty="0"/>
+              <a:t>Hacer un videojuego J-RPG de toque clásico.</a:t>
+            </a:r>
+          </a:p>
+          <a:p>
+            <a:pPr marL="914400" lvl="1" indent="-228600" rtl="0">
+              <a:spcBef>
+                <a:spcPts val="0"/>
+              </a:spcBef>
+              <a:buChar char="-"/>
+            </a:pPr>
+            <a:r>
+              <a:rPr lang="es" dirty="0"/>
+              <a:t>Sistema de batalla ATB (Active Time Battle</a:t>
+            </a:r>
+            <a:r>
+              <a:rPr lang="es" dirty="0" smtClean="0"/>
+              <a:t>).</a:t>
+            </a:r>
+            <a:endParaRPr lang="es" dirty="0"/>
+          </a:p>
+          <a:p>
+            <a:pPr marL="914400" lvl="1" indent="-228600" rtl="0">
+              <a:spcBef>
+                <a:spcPts val="0"/>
+              </a:spcBef>
+              <a:buChar char="-"/>
+            </a:pPr>
+            <a:r>
+              <a:rPr lang="es" dirty="0"/>
+              <a:t>Sistema de </a:t>
+            </a:r>
+            <a:r>
+              <a:rPr lang="es" dirty="0" smtClean="0"/>
+              <a:t>trabajos.</a:t>
+            </a:r>
+            <a:endParaRPr lang="es" dirty="0"/>
+          </a:p>
+          <a:p>
+            <a:pPr marL="914400" lvl="1" indent="-228600" rtl="0">
+              <a:spcBef>
+                <a:spcPts val="0"/>
+              </a:spcBef>
+              <a:buChar char="-"/>
+            </a:pPr>
+            <a:r>
+              <a:rPr lang="es" dirty="0" smtClean="0"/>
+              <a:t>Dialogos.</a:t>
+            </a:r>
+          </a:p>
+          <a:p>
+            <a:pPr marL="914400" lvl="1" indent="-228600" rtl="0">
+              <a:spcBef>
+                <a:spcPts val="0"/>
+              </a:spcBef>
+              <a:buChar char="-"/>
+            </a:pPr>
+            <a:r>
+              <a:rPr lang="es" dirty="0" smtClean="0"/>
+              <a:t>Navegación en el mapa.</a:t>
+            </a:r>
+            <a:endParaRPr lang="es" dirty="0"/>
+          </a:p>
+          <a:p>
+            <a:pPr marL="457200" lvl="0" indent="0">
+              <a:spcBef>
+                <a:spcPts val="0"/>
+              </a:spcBef>
+              <a:buNone/>
+            </a:pPr>
+            <a:endParaRPr dirty="0"/>
+          </a:p>
+        </p:txBody>
+      </p:sp>
+    </p:spTree>
+  </p:cSld>
+  <p:clrMapOvr>
+    <a:masterClrMapping/>
+  </p:clrMapOvr>
+  <p:timing>
+    <p:tnLst>
+      <p:par>
+        <p:cTn id="1" dur="indefinite" restart="never" nodeType="tmRoot"/>
+      </p:par>
+    </p:tnLst>
+  </p:timing>
+</p:sld>
+</file>
+
+<file path=ppt/slides/slide4.xml><?xml version="1.0" encoding="utf-8"?>
+<p:sld xmlns:a="http://schemas.openxmlformats.org/drawingml/2006/main" xmlns:r="http://schemas.openxmlformats.org/officeDocument/2006/relationships" xmlns:p="http://schemas.openxmlformats.org/presentationml/2006/main">
+  <p:cSld>
+    <p:spTree>
+      <p:nvGrpSpPr>
+        <p:cNvPr id="1" name="Shape 221"/>
+        <p:cNvGrpSpPr/>
+        <p:nvPr/>
+      </p:nvGrpSpPr>
+      <p:grpSpPr>
+        <a:xfrm>
+          <a:off x="0" y="0"/>
+          <a:ext cx="0" cy="0"/>
+          <a:chOff x="0" y="0"/>
+          <a:chExt cx="0" cy="0"/>
+        </a:xfrm>
+      </p:grpSpPr>
+      <p:sp>
+        <p:nvSpPr>
+          <p:cNvPr id="222" name="Shape 222"/>
+          <p:cNvSpPr txBox="1">
+            <a:spLocks noGrp="1"/>
+          </p:cNvSpPr>
+          <p:nvPr>
+            <p:ph type="title"/>
+          </p:nvPr>
+        </p:nvSpPr>
+        <p:spPr>
+          <a:prstGeom prst="rect">
+            <a:avLst/>
+          </a:prstGeom>
+        </p:spPr>
+        <p:txBody>
+          <a:bodyPr wrap="square" lIns="91425" tIns="91425" rIns="91425" bIns="91425" anchor="t" anchorCtr="0">
+            <a:noAutofit/>
+          </a:bodyPr>
+          <a:lstStyle/>
+          <a:p>
+            <a:pPr lvl="0" algn="ctr">
+              <a:spcBef>
+                <a:spcPts val="0"/>
+              </a:spcBef>
+              <a:buNone/>
+            </a:pPr>
+            <a:r>
+              <a:rPr lang="es" sz="4800" dirty="0" smtClean="0">
+                <a:latin typeface="Calibri" panose="020F0502020204030204" pitchFamily="34" charset="0"/>
+                <a:cs typeface="Calibri" panose="020F0502020204030204" pitchFamily="34" charset="0"/>
+              </a:rPr>
+              <a:t>ÍNDICE</a:t>
+            </a:r>
+            <a:endParaRPr lang="es" sz="4800" dirty="0">
+              <a:latin typeface="Calibri" panose="020F0502020204030204" pitchFamily="34" charset="0"/>
+              <a:cs typeface="Calibri" panose="020F0502020204030204" pitchFamily="34" charset="0"/>
+            </a:endParaRPr>
+          </a:p>
+        </p:txBody>
+      </p:sp>
+      <p:sp>
+        <p:nvSpPr>
+          <p:cNvPr id="2" name="Marcador de texto 1"/>
+          <p:cNvSpPr>
+            <a:spLocks noGrp="1"/>
+          </p:cNvSpPr>
+          <p:nvPr>
+            <p:ph type="body" idx="1"/>
+          </p:nvPr>
+        </p:nvSpPr>
+        <p:spPr>
+          <a:xfrm>
+            <a:off x="3691558" y="1949098"/>
+            <a:ext cx="2250783" cy="2037423"/>
+          </a:xfrm>
+        </p:spPr>
+        <p:txBody>
+          <a:bodyPr/>
+          <a:lstStyle/>
+          <a:p>
+            <a:r>
+              <a:rPr lang="es-ES" sz="2400" dirty="0" smtClean="0"/>
+              <a:t>MAPAS</a:t>
+            </a:r>
+          </a:p>
+          <a:p>
+            <a:r>
+              <a:rPr lang="es-ES" sz="2400" dirty="0" smtClean="0"/>
+              <a:t>MENÚS</a:t>
+            </a:r>
+          </a:p>
+          <a:p>
+            <a:r>
+              <a:rPr lang="es-ES" sz="2400" dirty="0" smtClean="0"/>
+              <a:t>BATALLA</a:t>
+            </a:r>
+            <a:endParaRPr lang="es-ES" sz="2400" dirty="0"/>
+          </a:p>
+        </p:txBody>
+      </p:sp>
+    </p:spTree>
+  </p:cSld>
+  <p:clrMapOvr>
+    <a:masterClrMapping/>
+  </p:clrMapOvr>
+</p:sld>
+</file>
+
+<file path=ppt/slides/slide5.xml><?xml version="1.0" encoding="utf-8"?>
+<p:sld xmlns:a="http://schemas.openxmlformats.org/drawingml/2006/main" xmlns:r="http://schemas.openxmlformats.org/officeDocument/2006/relationships" xmlns:p="http://schemas.openxmlformats.org/presentationml/2006/main">
+  <p:cSld>
+    <p:spTree>
+      <p:nvGrpSpPr>
+        <p:cNvPr id="1" name="Shape 203"/>
+        <p:cNvGrpSpPr/>
+        <p:nvPr/>
+      </p:nvGrpSpPr>
+      <p:grpSpPr>
+        <a:xfrm>
+          <a:off x="0" y="0"/>
+          <a:ext cx="0" cy="0"/>
+          <a:chOff x="0" y="0"/>
+          <a:chExt cx="0" cy="0"/>
+        </a:xfrm>
+      </p:grpSpPr>
+      <p:sp>
+        <p:nvSpPr>
+          <p:cNvPr id="204" name="Shape 204"/>
+          <p:cNvSpPr txBox="1">
+            <a:spLocks noGrp="1"/>
+          </p:cNvSpPr>
+          <p:nvPr>
+            <p:ph type="title"/>
+          </p:nvPr>
+        </p:nvSpPr>
+        <p:spPr>
+          <a:xfrm>
+            <a:off x="1297500" y="393750"/>
+            <a:ext cx="7038900" cy="914100"/>
+          </a:xfrm>
+          <a:prstGeom prst="rect">
+            <a:avLst/>
+          </a:prstGeom>
+        </p:spPr>
+        <p:txBody>
+          <a:bodyPr wrap="square" lIns="91425" tIns="91425" rIns="91425" bIns="91425" anchor="t" anchorCtr="0">
+            <a:noAutofit/>
+          </a:bodyPr>
+          <a:lstStyle/>
+          <a:p>
+            <a:pPr lvl="0">
+              <a:spcBef>
+                <a:spcPts val="0"/>
+              </a:spcBef>
+              <a:buNone/>
+            </a:pPr>
+            <a:r>
+              <a:rPr lang="es-ES" sz="2800" dirty="0" smtClean="0">
+                <a:latin typeface="Calibri" panose="020F0502020204030204" pitchFamily="34" charset="0"/>
+                <a:cs typeface="Calibri" panose="020F0502020204030204" pitchFamily="34" charset="0"/>
+              </a:rPr>
+              <a:t>Mapas</a:t>
+            </a:r>
+            <a:endParaRPr sz="2800" dirty="0">
+              <a:latin typeface="Calibri" panose="020F0502020204030204" pitchFamily="34" charset="0"/>
+              <a:cs typeface="Calibri" panose="020F0502020204030204" pitchFamily="34" charset="0"/>
+            </a:endParaRPr>
+          </a:p>
+        </p:txBody>
+      </p:sp>
+      <p:sp>
+        <p:nvSpPr>
+          <p:cNvPr id="205" name="Shape 205"/>
+          <p:cNvSpPr txBox="1">
+            <a:spLocks noGrp="1"/>
+          </p:cNvSpPr>
+          <p:nvPr>
+            <p:ph type="body" idx="1"/>
+          </p:nvPr>
+        </p:nvSpPr>
+        <p:spPr>
+          <a:xfrm>
+            <a:off x="1297500" y="1567550"/>
+            <a:ext cx="1136513" cy="2911200"/>
+          </a:xfrm>
+          <a:prstGeom prst="rect">
+            <a:avLst/>
+          </a:prstGeom>
+        </p:spPr>
+        <p:txBody>
+          <a:bodyPr wrap="square" lIns="91425" tIns="91425" rIns="91425" bIns="91425" anchor="t" anchorCtr="0">
+            <a:noAutofit/>
+          </a:bodyPr>
+          <a:lstStyle/>
+          <a:p>
+            <a:pPr lvl="0">
+              <a:spcBef>
+                <a:spcPts val="0"/>
+              </a:spcBef>
+              <a:buNone/>
+            </a:pPr>
+            <a:r>
+              <a:rPr lang="es-ES" dirty="0" smtClean="0"/>
+              <a:t>Mapamundi</a:t>
+            </a:r>
+            <a:endParaRPr dirty="0"/>
+          </a:p>
+        </p:txBody>
+      </p:sp>
+      <p:pic>
+        <p:nvPicPr>
+          <p:cNvPr id="4" name="Imagen 3"/>
+          <p:cNvPicPr/>
+          <p:nvPr/>
+        </p:nvPicPr>
+        <p:blipFill>
+          <a:blip r:embed="rId3"/>
+          <a:stretch>
+            <a:fillRect/>
+          </a:stretch>
+        </p:blipFill>
+        <p:spPr>
+          <a:xfrm>
+            <a:off x="263104" y="1913350"/>
+            <a:ext cx="2836442" cy="1715346"/>
+          </a:xfrm>
+          <a:prstGeom prst="rect">
+            <a:avLst/>
+          </a:prstGeom>
+        </p:spPr>
+      </p:pic>
+      <p:pic>
+        <p:nvPicPr>
+          <p:cNvPr id="5" name="Imagen 4"/>
+          <p:cNvPicPr/>
+          <p:nvPr/>
+        </p:nvPicPr>
+        <p:blipFill>
+          <a:blip r:embed="rId4" cstate="print">
+            <a:extLst>
+              <a:ext uri="{28A0092B-C50C-407E-A947-70E740481C1C}">
+                <a14:useLocalDpi xmlns:a14="http://schemas.microsoft.com/office/drawing/2010/main" val="0"/>
+              </a:ext>
+            </a:extLst>
+          </a:blip>
+          <a:stretch>
+            <a:fillRect/>
+          </a:stretch>
+        </p:blipFill>
+        <p:spPr>
+          <a:xfrm>
+            <a:off x="3534250" y="1913350"/>
+            <a:ext cx="2565400" cy="2565400"/>
+          </a:xfrm>
+          <a:prstGeom prst="rect">
+            <a:avLst/>
+          </a:prstGeom>
+        </p:spPr>
+      </p:pic>
+      <p:sp>
+        <p:nvSpPr>
+          <p:cNvPr id="6" name="Shape 205"/>
+          <p:cNvSpPr txBox="1">
+            <a:spLocks/>
+          </p:cNvSpPr>
+          <p:nvPr/>
+        </p:nvSpPr>
+        <p:spPr>
+          <a:xfrm>
+            <a:off x="4403658" y="1567550"/>
+            <a:ext cx="1136513" cy="2911200"/>
+          </a:xfrm>
+          <a:prstGeom prst="rect">
+            <a:avLst/>
+          </a:prstGeom>
+          <a:noFill/>
+          <a:ln>
+            <a:noFill/>
+          </a:ln>
+        </p:spPr>
+        <p:txBody>
+          <a:bodyPr wrap="square" lIns="91425" tIns="91425" rIns="91425" bIns="91425" anchor="t" anchorCtr="0">
+            <a:noAutofit/>
+          </a:bodyPr>
+          <a:lstStyle>
+            <a:defPPr marR="0" lvl="0" algn="l" rtl="0">
+              <a:lnSpc>
+                <a:spcPct val="100000"/>
+              </a:lnSpc>
+              <a:spcBef>
+                <a:spcPts val="0"/>
+              </a:spcBef>
+              <a:spcAft>
+                <a:spcPts val="0"/>
+              </a:spcAft>
+            </a:defPPr>
+            <a:lvl1pPr marR="0" lvl="0" algn="l" rtl="0">
+              <a:lnSpc>
+                <a:spcPct val="115000"/>
+              </a:lnSpc>
+              <a:spcBef>
+                <a:spcPts val="0"/>
+              </a:spcBef>
+              <a:spcAft>
+                <a:spcPts val="1600"/>
+              </a:spcAft>
+              <a:buClr>
+                <a:schemeClr val="lt1"/>
+              </a:buClr>
+              <a:buSzPct val="100000"/>
+              <a:buFont typeface="Lato"/>
+              <a:buChar char="●"/>
+              <a:defRPr sz="1300" b="0" i="0" u="none" strike="noStrike" cap="none">
+                <a:solidFill>
+                  <a:schemeClr val="lt1"/>
+                </a:solidFill>
+                <a:latin typeface="Lato"/>
+                <a:ea typeface="Lato"/>
+                <a:cs typeface="Lato"/>
+                <a:sym typeface="Lato"/>
+              </a:defRPr>
+            </a:lvl1pPr>
+            <a:lvl2pPr marR="0" lvl="1" algn="l" rtl="0">
+              <a:lnSpc>
+                <a:spcPct val="115000"/>
+              </a:lnSpc>
+              <a:spcBef>
+                <a:spcPts val="0"/>
+              </a:spcBef>
+              <a:spcAft>
+                <a:spcPts val="1600"/>
+              </a:spcAft>
+              <a:buClr>
+                <a:schemeClr val="lt1"/>
+              </a:buClr>
+              <a:buSzPct val="100000"/>
+              <a:buFont typeface="Lato"/>
+              <a:buChar char="○"/>
+              <a:defRPr sz="1100" b="0" i="0" u="none" strike="noStrike" cap="none">
+                <a:solidFill>
+                  <a:schemeClr val="lt1"/>
+                </a:solidFill>
+                <a:latin typeface="Lato"/>
+                <a:ea typeface="Lato"/>
+                <a:cs typeface="Lato"/>
+                <a:sym typeface="Lato"/>
+              </a:defRPr>
+            </a:lvl2pPr>
+            <a:lvl3pPr marR="0" lvl="2" algn="l" rtl="0">
+              <a:lnSpc>
+                <a:spcPct val="115000"/>
+              </a:lnSpc>
+              <a:spcBef>
+                <a:spcPts val="0"/>
+              </a:spcBef>
+              <a:spcAft>
+                <a:spcPts val="1600"/>
+              </a:spcAft>
+              <a:buClr>
+                <a:schemeClr val="lt1"/>
+              </a:buClr>
+              <a:buSzPct val="100000"/>
+              <a:buFont typeface="Lato"/>
+              <a:buChar char="■"/>
+              <a:defRPr sz="1100" b="0" i="0" u="none" strike="noStrike" cap="none">
+                <a:solidFill>
+                  <a:schemeClr val="lt1"/>
+                </a:solidFill>
+                <a:latin typeface="Lato"/>
+                <a:ea typeface="Lato"/>
+                <a:cs typeface="Lato"/>
+                <a:sym typeface="Lato"/>
+              </a:defRPr>
+            </a:lvl3pPr>
+            <a:lvl4pPr marR="0" lvl="3" algn="l" rtl="0">
+              <a:lnSpc>
+                <a:spcPct val="115000"/>
+              </a:lnSpc>
+              <a:spcBef>
+                <a:spcPts val="0"/>
+              </a:spcBef>
+              <a:spcAft>
+                <a:spcPts val="1600"/>
+              </a:spcAft>
+              <a:buClr>
+                <a:schemeClr val="lt1"/>
+              </a:buClr>
+              <a:buSzPct val="100000"/>
+              <a:buFont typeface="Lato"/>
+              <a:buChar char="●"/>
+              <a:defRPr sz="1100" b="0" i="0" u="none" strike="noStrike" cap="none">
+                <a:solidFill>
+                  <a:schemeClr val="lt1"/>
+                </a:solidFill>
+                <a:latin typeface="Lato"/>
+                <a:ea typeface="Lato"/>
+                <a:cs typeface="Lato"/>
+                <a:sym typeface="Lato"/>
+              </a:defRPr>
+            </a:lvl4pPr>
+            <a:lvl5pPr marR="0" lvl="4" algn="l" rtl="0">
+              <a:lnSpc>
+                <a:spcPct val="115000"/>
+              </a:lnSpc>
+              <a:spcBef>
+                <a:spcPts val="0"/>
+              </a:spcBef>
+              <a:spcAft>
+                <a:spcPts val="1600"/>
+              </a:spcAft>
+              <a:buClr>
+                <a:schemeClr val="lt1"/>
+              </a:buClr>
+              <a:buSzPct val="100000"/>
+              <a:buFont typeface="Lato"/>
+              <a:buChar char="○"/>
+              <a:defRPr sz="1100" b="0" i="0" u="none" strike="noStrike" cap="none">
+                <a:solidFill>
+                  <a:schemeClr val="lt1"/>
+                </a:solidFill>
+                <a:latin typeface="Lato"/>
+                <a:ea typeface="Lato"/>
+                <a:cs typeface="Lato"/>
+                <a:sym typeface="Lato"/>
+              </a:defRPr>
+            </a:lvl5pPr>
+            <a:lvl6pPr marR="0" lvl="5" algn="l" rtl="0">
+              <a:lnSpc>
+                <a:spcPct val="115000"/>
+              </a:lnSpc>
+              <a:spcBef>
+                <a:spcPts val="0"/>
+              </a:spcBef>
+              <a:spcAft>
+                <a:spcPts val="1600"/>
+              </a:spcAft>
+              <a:buClr>
+                <a:schemeClr val="lt1"/>
+              </a:buClr>
+              <a:buSzPct val="100000"/>
+              <a:buFont typeface="Lato"/>
+              <a:buChar char="■"/>
+              <a:defRPr sz="1100" b="0" i="0" u="none" strike="noStrike" cap="none">
+                <a:solidFill>
+                  <a:schemeClr val="lt1"/>
+                </a:solidFill>
+                <a:latin typeface="Lato"/>
+                <a:ea typeface="Lato"/>
+                <a:cs typeface="Lato"/>
+                <a:sym typeface="Lato"/>
+              </a:defRPr>
+            </a:lvl6pPr>
+            <a:lvl7pPr marR="0" lvl="6" algn="l" rtl="0">
+              <a:lnSpc>
+                <a:spcPct val="115000"/>
+              </a:lnSpc>
+              <a:spcBef>
+                <a:spcPts val="0"/>
+              </a:spcBef>
+              <a:spcAft>
+                <a:spcPts val="1600"/>
+              </a:spcAft>
+              <a:buClr>
+                <a:schemeClr val="lt1"/>
+              </a:buClr>
+              <a:buSzPct val="100000"/>
+              <a:buFont typeface="Lato"/>
+              <a:buChar char="●"/>
+              <a:defRPr sz="1100" b="0" i="0" u="none" strike="noStrike" cap="none">
+                <a:solidFill>
+                  <a:schemeClr val="lt1"/>
+                </a:solidFill>
+                <a:latin typeface="Lato"/>
+                <a:ea typeface="Lato"/>
+                <a:cs typeface="Lato"/>
+                <a:sym typeface="Lato"/>
+              </a:defRPr>
+            </a:lvl7pPr>
+            <a:lvl8pPr marR="0" lvl="7" algn="l" rtl="0">
+              <a:lnSpc>
+                <a:spcPct val="115000"/>
+              </a:lnSpc>
+              <a:spcBef>
+                <a:spcPts val="0"/>
+              </a:spcBef>
+              <a:spcAft>
+                <a:spcPts val="1600"/>
+              </a:spcAft>
+              <a:buClr>
+                <a:schemeClr val="lt1"/>
+              </a:buClr>
+              <a:buSzPct val="100000"/>
+              <a:buFont typeface="Lato"/>
+              <a:buChar char="○"/>
+              <a:defRPr sz="1100" b="0" i="0" u="none" strike="noStrike" cap="none">
+                <a:solidFill>
+                  <a:schemeClr val="lt1"/>
+                </a:solidFill>
+                <a:latin typeface="Lato"/>
+                <a:ea typeface="Lato"/>
+                <a:cs typeface="Lato"/>
+                <a:sym typeface="Lato"/>
+              </a:defRPr>
+            </a:lvl8pPr>
+            <a:lvl9pPr marR="0" lvl="8" algn="l" rtl="0">
+              <a:lnSpc>
+                <a:spcPct val="115000"/>
+              </a:lnSpc>
+              <a:spcBef>
+                <a:spcPts val="0"/>
+              </a:spcBef>
+              <a:spcAft>
+                <a:spcPts val="1600"/>
+              </a:spcAft>
+              <a:buClr>
+                <a:schemeClr val="lt1"/>
+              </a:buClr>
+              <a:buSzPct val="100000"/>
+              <a:buFont typeface="Lato"/>
+              <a:buChar char="■"/>
+              <a:defRPr sz="1100" b="0" i="0" u="none" strike="noStrike" cap="none">
+                <a:solidFill>
+                  <a:schemeClr val="lt1"/>
+                </a:solidFill>
+                <a:latin typeface="Lato"/>
+                <a:ea typeface="Lato"/>
+                <a:cs typeface="Lato"/>
+                <a:sym typeface="Lato"/>
+              </a:defRPr>
+            </a:lvl9pPr>
+          </a:lstStyle>
+          <a:p>
+            <a:pPr>
+              <a:buFont typeface="Lato"/>
+              <a:buNone/>
+            </a:pPr>
+            <a:r>
+              <a:rPr lang="es-ES" dirty="0" smtClean="0"/>
+              <a:t>Ciudad</a:t>
+            </a:r>
+            <a:endParaRPr lang="es-ES" dirty="0"/>
+          </a:p>
+        </p:txBody>
+      </p:sp>
+      <p:sp>
+        <p:nvSpPr>
+          <p:cNvPr id="7" name="Shape 205"/>
+          <p:cNvSpPr txBox="1">
+            <a:spLocks/>
+          </p:cNvSpPr>
+          <p:nvPr/>
+        </p:nvSpPr>
+        <p:spPr>
+          <a:xfrm>
+            <a:off x="7266547" y="532704"/>
+            <a:ext cx="1136513" cy="2911200"/>
+          </a:xfrm>
+          <a:prstGeom prst="rect">
+            <a:avLst/>
+          </a:prstGeom>
+          <a:noFill/>
+          <a:ln>
+            <a:noFill/>
+          </a:ln>
+        </p:spPr>
+        <p:txBody>
+          <a:bodyPr wrap="square" lIns="91425" tIns="91425" rIns="91425" bIns="91425" anchor="t" anchorCtr="0">
+            <a:noAutofit/>
+          </a:bodyPr>
+          <a:lstStyle>
+            <a:defPPr marR="0" lvl="0" algn="l" rtl="0">
+              <a:lnSpc>
+                <a:spcPct val="100000"/>
+              </a:lnSpc>
+              <a:spcBef>
+                <a:spcPts val="0"/>
+              </a:spcBef>
+              <a:spcAft>
+                <a:spcPts val="0"/>
+              </a:spcAft>
+            </a:defPPr>
+            <a:lvl1pPr marR="0" lvl="0" algn="l" rtl="0">
+              <a:lnSpc>
+                <a:spcPct val="115000"/>
+              </a:lnSpc>
+              <a:spcBef>
+                <a:spcPts val="0"/>
+              </a:spcBef>
+              <a:spcAft>
+                <a:spcPts val="1600"/>
+              </a:spcAft>
+              <a:buClr>
+                <a:schemeClr val="lt1"/>
+              </a:buClr>
+              <a:buSzPct val="100000"/>
+              <a:buFont typeface="Lato"/>
+              <a:buChar char="●"/>
+              <a:defRPr sz="1300" b="0" i="0" u="none" strike="noStrike" cap="none">
+                <a:solidFill>
+                  <a:schemeClr val="lt1"/>
+                </a:solidFill>
+                <a:latin typeface="Lato"/>
+                <a:ea typeface="Lato"/>
+                <a:cs typeface="Lato"/>
+                <a:sym typeface="Lato"/>
+              </a:defRPr>
+            </a:lvl1pPr>
+            <a:lvl2pPr marR="0" lvl="1" algn="l" rtl="0">
+              <a:lnSpc>
+                <a:spcPct val="115000"/>
+              </a:lnSpc>
+              <a:spcBef>
+                <a:spcPts val="0"/>
+              </a:spcBef>
+              <a:spcAft>
+                <a:spcPts val="1600"/>
+              </a:spcAft>
+              <a:buClr>
+                <a:schemeClr val="lt1"/>
+              </a:buClr>
+              <a:buSzPct val="100000"/>
+              <a:buFont typeface="Lato"/>
+              <a:buChar char="○"/>
+              <a:defRPr sz="1100" b="0" i="0" u="none" strike="noStrike" cap="none">
+                <a:solidFill>
+                  <a:schemeClr val="lt1"/>
+                </a:solidFill>
+                <a:latin typeface="Lato"/>
+                <a:ea typeface="Lato"/>
+                <a:cs typeface="Lato"/>
+                <a:sym typeface="Lato"/>
+              </a:defRPr>
+            </a:lvl2pPr>
+            <a:lvl3pPr marR="0" lvl="2" algn="l" rtl="0">
+              <a:lnSpc>
+                <a:spcPct val="115000"/>
+              </a:lnSpc>
+              <a:spcBef>
+                <a:spcPts val="0"/>
+              </a:spcBef>
+              <a:spcAft>
+                <a:spcPts val="1600"/>
+              </a:spcAft>
+              <a:buClr>
+                <a:schemeClr val="lt1"/>
+              </a:buClr>
+              <a:buSzPct val="100000"/>
+              <a:buFont typeface="Lato"/>
+              <a:buChar char="■"/>
+              <a:defRPr sz="1100" b="0" i="0" u="none" strike="noStrike" cap="none">
+                <a:solidFill>
+                  <a:schemeClr val="lt1"/>
+                </a:solidFill>
+                <a:latin typeface="Lato"/>
+                <a:ea typeface="Lato"/>
+                <a:cs typeface="Lato"/>
+                <a:sym typeface="Lato"/>
+              </a:defRPr>
+            </a:lvl3pPr>
+            <a:lvl4pPr marR="0" lvl="3" algn="l" rtl="0">
+              <a:lnSpc>
+                <a:spcPct val="115000"/>
+              </a:lnSpc>
+              <a:spcBef>
+                <a:spcPts val="0"/>
+              </a:spcBef>
+              <a:spcAft>
+                <a:spcPts val="1600"/>
+              </a:spcAft>
+              <a:buClr>
+                <a:schemeClr val="lt1"/>
+              </a:buClr>
+              <a:buSzPct val="100000"/>
+              <a:buFont typeface="Lato"/>
+              <a:buChar char="●"/>
+              <a:defRPr sz="1100" b="0" i="0" u="none" strike="noStrike" cap="none">
+                <a:solidFill>
+                  <a:schemeClr val="lt1"/>
+                </a:solidFill>
+                <a:latin typeface="Lato"/>
+                <a:ea typeface="Lato"/>
+                <a:cs typeface="Lato"/>
+                <a:sym typeface="Lato"/>
+              </a:defRPr>
+            </a:lvl4pPr>
+            <a:lvl5pPr marR="0" lvl="4" algn="l" rtl="0">
+              <a:lnSpc>
+                <a:spcPct val="115000"/>
+              </a:lnSpc>
+              <a:spcBef>
+                <a:spcPts val="0"/>
+              </a:spcBef>
+              <a:spcAft>
+                <a:spcPts val="1600"/>
+              </a:spcAft>
+              <a:buClr>
+                <a:schemeClr val="lt1"/>
+              </a:buClr>
+              <a:buSzPct val="100000"/>
+              <a:buFont typeface="Lato"/>
+              <a:buChar char="○"/>
+              <a:defRPr sz="1100" b="0" i="0" u="none" strike="noStrike" cap="none">
+                <a:solidFill>
+                  <a:schemeClr val="lt1"/>
+                </a:solidFill>
+                <a:latin typeface="Lato"/>
+                <a:ea typeface="Lato"/>
+                <a:cs typeface="Lato"/>
+                <a:sym typeface="Lato"/>
+              </a:defRPr>
+            </a:lvl5pPr>
+            <a:lvl6pPr marR="0" lvl="5" algn="l" rtl="0">
+              <a:lnSpc>
+                <a:spcPct val="115000"/>
+              </a:lnSpc>
+              <a:spcBef>
+                <a:spcPts val="0"/>
+              </a:spcBef>
+              <a:spcAft>
+                <a:spcPts val="1600"/>
+              </a:spcAft>
+              <a:buClr>
+                <a:schemeClr val="lt1"/>
+              </a:buClr>
+              <a:buSzPct val="100000"/>
+              <a:buFont typeface="Lato"/>
+              <a:buChar char="■"/>
+              <a:defRPr sz="1100" b="0" i="0" u="none" strike="noStrike" cap="none">
+                <a:solidFill>
+                  <a:schemeClr val="lt1"/>
+                </a:solidFill>
+                <a:latin typeface="Lato"/>
+                <a:ea typeface="Lato"/>
+                <a:cs typeface="Lato"/>
+                <a:sym typeface="Lato"/>
+              </a:defRPr>
+            </a:lvl6pPr>
+            <a:lvl7pPr marR="0" lvl="6" algn="l" rtl="0">
+              <a:lnSpc>
+                <a:spcPct val="115000"/>
+              </a:lnSpc>
+              <a:spcBef>
+                <a:spcPts val="0"/>
+              </a:spcBef>
+              <a:spcAft>
+                <a:spcPts val="1600"/>
+              </a:spcAft>
+              <a:buClr>
+                <a:schemeClr val="lt1"/>
+              </a:buClr>
+              <a:buSzPct val="100000"/>
+              <a:buFont typeface="Lato"/>
+              <a:buChar char="●"/>
+              <a:defRPr sz="1100" b="0" i="0" u="none" strike="noStrike" cap="none">
+                <a:solidFill>
+                  <a:schemeClr val="lt1"/>
+                </a:solidFill>
+                <a:latin typeface="Lato"/>
+                <a:ea typeface="Lato"/>
+                <a:cs typeface="Lato"/>
+                <a:sym typeface="Lato"/>
+              </a:defRPr>
+            </a:lvl7pPr>
+            <a:lvl8pPr marR="0" lvl="7" algn="l" rtl="0">
+              <a:lnSpc>
+                <a:spcPct val="115000"/>
+              </a:lnSpc>
+              <a:spcBef>
+                <a:spcPts val="0"/>
+              </a:spcBef>
+              <a:spcAft>
+                <a:spcPts val="1600"/>
+              </a:spcAft>
+              <a:buClr>
+                <a:schemeClr val="lt1"/>
+              </a:buClr>
+              <a:buSzPct val="100000"/>
+              <a:buFont typeface="Lato"/>
+              <a:buChar char="○"/>
+              <a:defRPr sz="1100" b="0" i="0" u="none" strike="noStrike" cap="none">
+                <a:solidFill>
+                  <a:schemeClr val="lt1"/>
+                </a:solidFill>
+                <a:latin typeface="Lato"/>
+                <a:ea typeface="Lato"/>
+                <a:cs typeface="Lato"/>
+                <a:sym typeface="Lato"/>
+              </a:defRPr>
+            </a:lvl8pPr>
+            <a:lvl9pPr marR="0" lvl="8" algn="l" rtl="0">
+              <a:lnSpc>
+                <a:spcPct val="115000"/>
+              </a:lnSpc>
+              <a:spcBef>
+                <a:spcPts val="0"/>
+              </a:spcBef>
+              <a:spcAft>
+                <a:spcPts val="1600"/>
+              </a:spcAft>
+              <a:buClr>
+                <a:schemeClr val="lt1"/>
+              </a:buClr>
+              <a:buSzPct val="100000"/>
+              <a:buFont typeface="Lato"/>
+              <a:buChar char="■"/>
+              <a:defRPr sz="1100" b="0" i="0" u="none" strike="noStrike" cap="none">
+                <a:solidFill>
+                  <a:schemeClr val="lt1"/>
+                </a:solidFill>
+                <a:latin typeface="Lato"/>
+                <a:ea typeface="Lato"/>
+                <a:cs typeface="Lato"/>
+                <a:sym typeface="Lato"/>
+              </a:defRPr>
+            </a:lvl9pPr>
+          </a:lstStyle>
+          <a:p>
+            <a:pPr>
+              <a:buFont typeface="Lato"/>
+              <a:buNone/>
+            </a:pPr>
+            <a:r>
+              <a:rPr lang="es-ES" dirty="0" smtClean="0"/>
+              <a:t>Mazmorra</a:t>
+            </a:r>
+          </a:p>
+        </p:txBody>
+      </p:sp>
+      <p:pic>
+        <p:nvPicPr>
+          <p:cNvPr id="8" name="Imagen 7"/>
+          <p:cNvPicPr/>
+          <p:nvPr/>
+        </p:nvPicPr>
+        <p:blipFill>
+          <a:blip r:embed="rId5" cstate="print">
+            <a:extLst>
+              <a:ext uri="{28A0092B-C50C-407E-A947-70E740481C1C}">
+                <a14:useLocalDpi xmlns:a14="http://schemas.microsoft.com/office/drawing/2010/main" val="0"/>
+              </a:ext>
+            </a:extLst>
+          </a:blip>
+          <a:stretch>
+            <a:fillRect/>
+          </a:stretch>
+        </p:blipFill>
+        <p:spPr>
+          <a:xfrm>
+            <a:off x="6408690" y="850800"/>
+            <a:ext cx="2597019" cy="2935535"/>
+          </a:xfrm>
+          <a:prstGeom prst="rect">
+            <a:avLst/>
+          </a:prstGeom>
+        </p:spPr>
+      </p:pic>
+    </p:spTree>
+  </p:cSld>
+  <p:clrMapOvr>
+    <a:masterClrMapping/>
+  </p:clrMapOvr>
+  <p:timing>
+    <p:tnLst>
+      <p:par>
+        <p:cTn id="1" dur="indefinite" restart="never" nodeType="tmRoot"/>
+      </p:par>
+    </p:tnLst>
+  </p:timing>
+</p:sld>
+</file>
+
+<file path=ppt/slides/slide6.xml><?xml version="1.0" encoding="utf-8"?>
+<p:sld xmlns:a="http://schemas.openxmlformats.org/drawingml/2006/main" xmlns:r="http://schemas.openxmlformats.org/officeDocument/2006/relationships" xmlns:p="http://schemas.openxmlformats.org/presentationml/2006/main">
+  <p:cSld>
+    <p:spTree>
+      <p:nvGrpSpPr>
+        <p:cNvPr id="1" name="Shape 190"/>
+        <p:cNvGrpSpPr/>
+        <p:nvPr/>
+      </p:nvGrpSpPr>
+      <p:grpSpPr>
+        <a:xfrm>
+          <a:off x="0" y="0"/>
+          <a:ext cx="0" cy="0"/>
+          <a:chOff x="0" y="0"/>
+          <a:chExt cx="0" cy="0"/>
+        </a:xfrm>
+      </p:grpSpPr>
+      <p:sp>
+        <p:nvSpPr>
+          <p:cNvPr id="191" name="Shape 191"/>
+          <p:cNvSpPr txBox="1">
+            <a:spLocks noGrp="1"/>
+          </p:cNvSpPr>
+          <p:nvPr>
+            <p:ph type="title"/>
+          </p:nvPr>
+        </p:nvSpPr>
+        <p:spPr>
+          <a:xfrm>
+            <a:off x="1297500" y="393750"/>
+            <a:ext cx="7038900" cy="914100"/>
+          </a:xfrm>
+          <a:prstGeom prst="rect">
+            <a:avLst/>
+          </a:prstGeom>
+        </p:spPr>
+        <p:txBody>
+          <a:bodyPr wrap="square" lIns="91425" tIns="91425" rIns="91425" bIns="91425" anchor="t" anchorCtr="0">
+            <a:noAutofit/>
+          </a:bodyPr>
+          <a:lstStyle/>
+          <a:p>
+            <a:pPr lvl="0">
+              <a:spcBef>
+                <a:spcPts val="0"/>
+              </a:spcBef>
+              <a:buNone/>
+            </a:pPr>
+            <a:r>
+              <a:rPr lang="es" sz="2800" dirty="0">
+                <a:latin typeface="Calibri" panose="020F0502020204030204" pitchFamily="34" charset="0"/>
+                <a:cs typeface="Calibri" panose="020F0502020204030204" pitchFamily="34" charset="0"/>
+              </a:rPr>
+              <a:t>Conversaciones</a:t>
+            </a:r>
+          </a:p>
+        </p:txBody>
+      </p:sp>
+      <p:pic>
+        <p:nvPicPr>
+          <p:cNvPr id="3" name="Imagen 2"/>
+          <p:cNvPicPr>
+            <a:picLocks noChangeAspect="1"/>
+          </p:cNvPicPr>
+          <p:nvPr/>
+        </p:nvPicPr>
+        <p:blipFill>
+          <a:blip r:embed="rId3">
+            <a:extLst>
+              <a:ext uri="{28A0092B-C50C-407E-A947-70E740481C1C}">
+                <a14:useLocalDpi xmlns:a14="http://schemas.microsoft.com/office/drawing/2010/main" val="0"/>
+              </a:ext>
+            </a:extLst>
+          </a:blip>
+          <a:stretch>
+            <a:fillRect/>
+          </a:stretch>
+        </p:blipFill>
+        <p:spPr>
+          <a:xfrm>
+            <a:off x="2017108" y="1110497"/>
+            <a:ext cx="4996657" cy="3597593"/>
+          </a:xfrm>
+          <a:prstGeom prst="rect">
+            <a:avLst/>
+          </a:prstGeom>
+        </p:spPr>
+      </p:pic>
+    </p:spTree>
+  </p:cSld>
+  <p:clrMapOvr>
+    <a:masterClrMapping/>
+  </p:clrMapOvr>
+  <p:timing>
+    <p:tnLst>
+      <p:par>
+        <p:cTn id="1" dur="indefinite" restart="never" nodeType="tmRoot"/>
+      </p:par>
+    </p:tnLst>
+  </p:timing>
+</p:sld>
+</file>
+
+<file path=ppt/slides/slide7.xml><?xml version="1.0" encoding="utf-8"?>
+<p:sld xmlns:a="http://schemas.openxmlformats.org/drawingml/2006/main" xmlns:r="http://schemas.openxmlformats.org/officeDocument/2006/relationships" xmlns:p="http://schemas.openxmlformats.org/presentationml/2006/main">
+  <p:cSld>
+    <p:spTree>
+      <p:nvGrpSpPr>
+        <p:cNvPr id="1" name="Shape 209"/>
+        <p:cNvGrpSpPr/>
+        <p:nvPr/>
+      </p:nvGrpSpPr>
+      <p:grpSpPr>
+        <a:xfrm>
+          <a:off x="0" y="0"/>
+          <a:ext cx="0" cy="0"/>
+          <a:chOff x="0" y="0"/>
+          <a:chExt cx="0" cy="0"/>
+        </a:xfrm>
+      </p:grpSpPr>
+      <p:sp>
+        <p:nvSpPr>
+          <p:cNvPr id="210" name="Shape 210"/>
+          <p:cNvSpPr txBox="1">
+            <a:spLocks noGrp="1"/>
+          </p:cNvSpPr>
+          <p:nvPr>
+            <p:ph type="title"/>
+          </p:nvPr>
+        </p:nvSpPr>
+        <p:spPr>
+          <a:xfrm>
+            <a:off x="1297500" y="393750"/>
+            <a:ext cx="7038900" cy="914100"/>
+          </a:xfrm>
+          <a:prstGeom prst="rect">
+            <a:avLst/>
+          </a:prstGeom>
+        </p:spPr>
+        <p:txBody>
+          <a:bodyPr wrap="square" lIns="91425" tIns="91425" rIns="91425" bIns="91425" anchor="t" anchorCtr="0">
+            <a:noAutofit/>
+          </a:bodyPr>
+          <a:lstStyle/>
+          <a:p>
+            <a:pPr lvl="0">
+              <a:spcBef>
+                <a:spcPts val="0"/>
+              </a:spcBef>
+              <a:buNone/>
+            </a:pPr>
+            <a:r>
+              <a:rPr lang="es-ES" sz="2800" dirty="0" smtClean="0">
+                <a:latin typeface="Calibri" panose="020F0502020204030204" pitchFamily="34" charset="0"/>
+                <a:cs typeface="Calibri" panose="020F0502020204030204" pitchFamily="34" charset="0"/>
+              </a:rPr>
+              <a:t>Menús</a:t>
+            </a:r>
+            <a:endParaRPr sz="2800" dirty="0">
+              <a:latin typeface="Calibri" panose="020F0502020204030204" pitchFamily="34" charset="0"/>
+              <a:cs typeface="Calibri" panose="020F0502020204030204" pitchFamily="34" charset="0"/>
+            </a:endParaRPr>
+          </a:p>
+        </p:txBody>
+      </p:sp>
+      <p:pic>
+        <p:nvPicPr>
+          <p:cNvPr id="4" name="Imagen 3"/>
+          <p:cNvPicPr/>
+          <p:nvPr/>
+        </p:nvPicPr>
+        <p:blipFill>
+          <a:blip r:embed="rId3"/>
+          <a:stretch>
+            <a:fillRect/>
+          </a:stretch>
+        </p:blipFill>
+        <p:spPr>
+          <a:xfrm>
+            <a:off x="2966748" y="1307850"/>
+            <a:ext cx="3065780" cy="3117850"/>
+          </a:xfrm>
+          <a:prstGeom prst="rect">
+            <a:avLst/>
+          </a:prstGeom>
+        </p:spPr>
+      </p:pic>
+    </p:spTree>
+  </p:cSld>
+  <p:clrMapOvr>
+    <a:masterClrMapping/>
+  </p:clrMapOvr>
+  <p:timing>
+    <p:tnLst>
+      <p:par>
+        <p:cTn id="1" dur="indefinite" restart="never" nodeType="tmRoot"/>
+      </p:par>
+    </p:tnLst>
+  </p:timing>
+</p:sld>
+</file>
+
+<file path=ppt/slides/slide8.xml><?xml version="1.0" encoding="utf-8"?>
+<p:sld xmlns:a="http://schemas.openxmlformats.org/drawingml/2006/main" xmlns:r="http://schemas.openxmlformats.org/officeDocument/2006/relationships" xmlns:p="http://schemas.openxmlformats.org/presentationml/2006/main">
+  <p:cSld>
+    <p:spTree>
+      <p:nvGrpSpPr>
+        <p:cNvPr id="1" name="Shape 150"/>
+        <p:cNvGrpSpPr/>
+        <p:nvPr/>
+      </p:nvGrpSpPr>
+      <p:grpSpPr>
+        <a:xfrm>
+          <a:off x="0" y="0"/>
+          <a:ext cx="0" cy="0"/>
+          <a:chOff x="0" y="0"/>
+          <a:chExt cx="0" cy="0"/>
+        </a:xfrm>
+      </p:grpSpPr>
+      <p:sp>
+        <p:nvSpPr>
+          <p:cNvPr id="151" name="Shape 151"/>
+          <p:cNvSpPr txBox="1">
+            <a:spLocks noGrp="1"/>
+          </p:cNvSpPr>
+          <p:nvPr>
+            <p:ph type="title"/>
+          </p:nvPr>
+        </p:nvSpPr>
+        <p:spPr>
+          <a:xfrm>
+            <a:off x="1297500" y="393750"/>
+            <a:ext cx="7038900" cy="914100"/>
+          </a:xfrm>
+          <a:prstGeom prst="rect">
+            <a:avLst/>
+          </a:prstGeom>
+        </p:spPr>
+        <p:txBody>
+          <a:bodyPr wrap="square" lIns="91425" tIns="91425" rIns="91425" bIns="91425" anchor="t" anchorCtr="0">
+            <a:noAutofit/>
+          </a:bodyPr>
+          <a:lstStyle/>
+          <a:p>
+            <a:pPr lvl="0">
+              <a:spcBef>
+                <a:spcPts val="0"/>
+              </a:spcBef>
+              <a:buNone/>
+            </a:pPr>
+            <a:r>
+              <a:rPr lang="es" sz="2800" dirty="0">
+                <a:latin typeface="Calibri" panose="020F0502020204030204" pitchFamily="34" charset="0"/>
+                <a:cs typeface="Calibri" panose="020F0502020204030204" pitchFamily="34" charset="0"/>
+              </a:rPr>
+              <a:t>Batalla</a:t>
+            </a:r>
+          </a:p>
+        </p:txBody>
+      </p:sp>
+      <p:sp>
+        <p:nvSpPr>
+          <p:cNvPr id="152" name="Shape 152"/>
+          <p:cNvSpPr txBox="1">
+            <a:spLocks noGrp="1"/>
+          </p:cNvSpPr>
+          <p:nvPr>
+            <p:ph type="body" idx="1"/>
+          </p:nvPr>
+        </p:nvSpPr>
+        <p:spPr>
+          <a:xfrm>
+            <a:off x="1297500" y="1567550"/>
+            <a:ext cx="7038900" cy="2911200"/>
+          </a:xfrm>
+          <a:prstGeom prst="rect">
+            <a:avLst/>
+          </a:prstGeom>
+        </p:spPr>
+        <p:txBody>
+          <a:bodyPr wrap="square" lIns="91425" tIns="91425" rIns="91425" bIns="91425" anchor="t" anchorCtr="0">
+            <a:noAutofit/>
+          </a:bodyPr>
+          <a:lstStyle/>
+          <a:p>
+            <a:pPr lvl="0">
+              <a:spcBef>
+                <a:spcPts val="0"/>
+              </a:spcBef>
+              <a:buNone/>
+            </a:pPr>
+            <a:r>
+              <a:rPr lang="es" dirty="0" smtClean="0"/>
+              <a:t>[IMAGEN O GIF DE LA BATALLA]</a:t>
+            </a:r>
+            <a:endParaRPr lang="es" dirty="0"/>
+          </a:p>
+        </p:txBody>
+      </p:sp>
+    </p:spTree>
+  </p:cSld>
+  <p:clrMapOvr>
+    <a:masterClrMapping/>
+  </p:clrMapOvr>
+  <p:timing>
+    <p:tnLst>
+      <p:par>
+        <p:cTn id="1" dur="indefinite" restart="never" nodeType="tmRoot"/>
+      </p:par>
+    </p:tnLst>
+  </p:timing>
+</p:sld>
+</file>
+
+<file path=ppt/slides/slide9.xml><?xml version="1.0" encoding="utf-8"?>
+<p:sld xmlns:a="http://schemas.openxmlformats.org/drawingml/2006/main" xmlns:r="http://schemas.openxmlformats.org/officeDocument/2006/relationships" xmlns:p="http://schemas.openxmlformats.org/presentationml/2006/main">
+  <p:cSld>
+    <p:spTree>
+      <p:nvGrpSpPr>
+        <p:cNvPr id="1" name="Shape 215"/>
+        <p:cNvGrpSpPr/>
+        <p:nvPr/>
+      </p:nvGrpSpPr>
+      <p:grpSpPr>
+        <a:xfrm>
+          <a:off x="0" y="0"/>
+          <a:ext cx="0" cy="0"/>
+          <a:chOff x="0" y="0"/>
+          <a:chExt cx="0" cy="0"/>
+        </a:xfrm>
+      </p:grpSpPr>
+      <p:sp>
+        <p:nvSpPr>
+          <p:cNvPr id="216" name="Shape 216"/>
+          <p:cNvSpPr txBox="1">
+            <a:spLocks noGrp="1"/>
+          </p:cNvSpPr>
+          <p:nvPr>
+            <p:ph type="title"/>
+          </p:nvPr>
+        </p:nvSpPr>
+        <p:spPr>
+          <a:xfrm>
+            <a:off x="1297500" y="393750"/>
+            <a:ext cx="7038900" cy="914100"/>
+          </a:xfrm>
+          <a:prstGeom prst="rect">
+            <a:avLst/>
+          </a:prstGeom>
+        </p:spPr>
+        <p:txBody>
+          <a:bodyPr wrap="square" lIns="91425" tIns="91425" rIns="91425" bIns="91425" anchor="t" anchorCtr="0">
+            <a:noAutofit/>
+          </a:bodyPr>
+          <a:lstStyle/>
+          <a:p>
+            <a:pPr lvl="0">
+              <a:spcBef>
+                <a:spcPts val="0"/>
+              </a:spcBef>
+              <a:buNone/>
+            </a:pPr>
+            <a:r>
+              <a:rPr lang="es-ES" sz="2800" dirty="0" smtClean="0">
+                <a:latin typeface="Calibri" panose="020F0502020204030204" pitchFamily="34" charset="0"/>
+                <a:cs typeface="Calibri" panose="020F0502020204030204" pitchFamily="34" charset="0"/>
+              </a:rPr>
+              <a:t>Galería de componentes</a:t>
+            </a:r>
+            <a:endParaRPr sz="2800" dirty="0">
+              <a:latin typeface="Calibri" panose="020F0502020204030204" pitchFamily="34" charset="0"/>
+              <a:cs typeface="Calibri" panose="020F0502020204030204" pitchFamily="34" charset="0"/>
+            </a:endParaRPr>
+          </a:p>
+        </p:txBody>
+      </p:sp>
+      <p:sp>
+        <p:nvSpPr>
+          <p:cNvPr id="217" name="Shape 217"/>
+          <p:cNvSpPr txBox="1">
+            <a:spLocks noGrp="1"/>
+          </p:cNvSpPr>
+          <p:nvPr>
+            <p:ph type="body" idx="1"/>
+          </p:nvPr>
+        </p:nvSpPr>
+        <p:spPr>
+          <a:xfrm>
+            <a:off x="1297500" y="1567550"/>
+            <a:ext cx="1873297" cy="373083"/>
+          </a:xfrm>
+          <a:prstGeom prst="rect">
+            <a:avLst/>
+          </a:prstGeom>
+        </p:spPr>
+        <p:txBody>
+          <a:bodyPr wrap="square" lIns="91425" tIns="91425" rIns="91425" bIns="91425" anchor="t" anchorCtr="0">
+            <a:noAutofit/>
+          </a:bodyPr>
+          <a:lstStyle/>
+          <a:p>
+            <a:pPr lvl="0">
+              <a:spcBef>
+                <a:spcPts val="0"/>
+              </a:spcBef>
+              <a:buNone/>
+            </a:pPr>
+            <a:r>
+              <a:rPr lang="es-ES" dirty="0" smtClean="0"/>
+              <a:t>Reutilización</a:t>
+            </a:r>
+            <a:endParaRPr dirty="0"/>
+          </a:p>
+        </p:txBody>
+      </p:sp>
+      <p:sp>
+        <p:nvSpPr>
+          <p:cNvPr id="4" name="Shape 217"/>
+          <p:cNvSpPr txBox="1">
+            <a:spLocks/>
+          </p:cNvSpPr>
+          <p:nvPr/>
+        </p:nvSpPr>
+        <p:spPr>
+          <a:xfrm>
+            <a:off x="5482470" y="1567550"/>
+            <a:ext cx="1873297" cy="373083"/>
+          </a:xfrm>
+          <a:prstGeom prst="rect">
+            <a:avLst/>
+          </a:prstGeom>
+          <a:noFill/>
+          <a:ln>
+            <a:noFill/>
+          </a:ln>
+        </p:spPr>
+        <p:txBody>
+          <a:bodyPr wrap="square" lIns="91425" tIns="91425" rIns="91425" bIns="91425" anchor="t" anchorCtr="0">
+            <a:noAutofit/>
+          </a:bodyPr>
+          <a:lstStyle>
+            <a:defPPr marR="0" lvl="0" algn="l" rtl="0">
+              <a:lnSpc>
+                <a:spcPct val="100000"/>
+              </a:lnSpc>
+              <a:spcBef>
+                <a:spcPts val="0"/>
+              </a:spcBef>
+              <a:spcAft>
+                <a:spcPts val="0"/>
+              </a:spcAft>
+            </a:defPPr>
+            <a:lvl1pPr marR="0" lvl="0" algn="l" rtl="0">
+              <a:lnSpc>
+                <a:spcPct val="115000"/>
+              </a:lnSpc>
+              <a:spcBef>
+                <a:spcPts val="0"/>
+              </a:spcBef>
+              <a:spcAft>
+                <a:spcPts val="1600"/>
+              </a:spcAft>
+              <a:buClr>
+                <a:schemeClr val="lt1"/>
+              </a:buClr>
+              <a:buSzPct val="100000"/>
+              <a:buFont typeface="Lato"/>
+              <a:buChar char="●"/>
+              <a:defRPr sz="1300" b="0" i="0" u="none" strike="noStrike" cap="none">
+                <a:solidFill>
+                  <a:schemeClr val="lt1"/>
+                </a:solidFill>
+                <a:latin typeface="Lato"/>
+                <a:ea typeface="Lato"/>
+                <a:cs typeface="Lato"/>
+                <a:sym typeface="Lato"/>
+              </a:defRPr>
+            </a:lvl1pPr>
+            <a:lvl2pPr marR="0" lvl="1" algn="l" rtl="0">
+              <a:lnSpc>
+                <a:spcPct val="115000"/>
+              </a:lnSpc>
+              <a:spcBef>
+                <a:spcPts val="0"/>
+              </a:spcBef>
+              <a:spcAft>
+                <a:spcPts val="1600"/>
+              </a:spcAft>
+              <a:buClr>
+                <a:schemeClr val="lt1"/>
+              </a:buClr>
+              <a:buSzPct val="100000"/>
+              <a:buFont typeface="Lato"/>
+              <a:buChar char="○"/>
+              <a:defRPr sz="1100" b="0" i="0" u="none" strike="noStrike" cap="none">
+                <a:solidFill>
+                  <a:schemeClr val="lt1"/>
+                </a:solidFill>
+                <a:latin typeface="Lato"/>
+                <a:ea typeface="Lato"/>
+                <a:cs typeface="Lato"/>
+                <a:sym typeface="Lato"/>
+              </a:defRPr>
+            </a:lvl2pPr>
+            <a:lvl3pPr marR="0" lvl="2" algn="l" rtl="0">
+              <a:lnSpc>
+                <a:spcPct val="115000"/>
+              </a:lnSpc>
+              <a:spcBef>
+                <a:spcPts val="0"/>
+              </a:spcBef>
+              <a:spcAft>
+                <a:spcPts val="1600"/>
+              </a:spcAft>
+              <a:buClr>
+                <a:schemeClr val="lt1"/>
+              </a:buClr>
+              <a:buSzPct val="100000"/>
+              <a:buFont typeface="Lato"/>
+              <a:buChar char="■"/>
+              <a:defRPr sz="1100" b="0" i="0" u="none" strike="noStrike" cap="none">
+                <a:solidFill>
+                  <a:schemeClr val="lt1"/>
+                </a:solidFill>
+                <a:latin typeface="Lato"/>
+                <a:ea typeface="Lato"/>
+                <a:cs typeface="Lato"/>
+                <a:sym typeface="Lato"/>
+              </a:defRPr>
+            </a:lvl3pPr>
+            <a:lvl4pPr marR="0" lvl="3" algn="l" rtl="0">
+              <a:lnSpc>
+                <a:spcPct val="115000"/>
+              </a:lnSpc>
+              <a:spcBef>
+                <a:spcPts val="0"/>
+              </a:spcBef>
+              <a:spcAft>
+                <a:spcPts val="1600"/>
+              </a:spcAft>
+              <a:buClr>
+                <a:schemeClr val="lt1"/>
+              </a:buClr>
+              <a:buSzPct val="100000"/>
+              <a:buFont typeface="Lato"/>
+              <a:buChar char="●"/>
+              <a:defRPr sz="1100" b="0" i="0" u="none" strike="noStrike" cap="none">
+                <a:solidFill>
+                  <a:schemeClr val="lt1"/>
+                </a:solidFill>
+                <a:latin typeface="Lato"/>
+                <a:ea typeface="Lato"/>
+                <a:cs typeface="Lato"/>
+                <a:sym typeface="Lato"/>
+              </a:defRPr>
+            </a:lvl4pPr>
+            <a:lvl5pPr marR="0" lvl="4" algn="l" rtl="0">
+              <a:lnSpc>
+                <a:spcPct val="115000"/>
+              </a:lnSpc>
+              <a:spcBef>
+                <a:spcPts val="0"/>
+              </a:spcBef>
+              <a:spcAft>
+                <a:spcPts val="1600"/>
+              </a:spcAft>
+              <a:buClr>
+                <a:schemeClr val="lt1"/>
+              </a:buClr>
+              <a:buSzPct val="100000"/>
+              <a:buFont typeface="Lato"/>
+              <a:buChar char="○"/>
+              <a:defRPr sz="1100" b="0" i="0" u="none" strike="noStrike" cap="none">
+                <a:solidFill>
+                  <a:schemeClr val="lt1"/>
+                </a:solidFill>
+                <a:latin typeface="Lato"/>
+                <a:ea typeface="Lato"/>
+                <a:cs typeface="Lato"/>
+                <a:sym typeface="Lato"/>
+              </a:defRPr>
+            </a:lvl5pPr>
+            <a:lvl6pPr marR="0" lvl="5" algn="l" rtl="0">
+              <a:lnSpc>
+                <a:spcPct val="115000"/>
+              </a:lnSpc>
+              <a:spcBef>
+                <a:spcPts val="0"/>
+              </a:spcBef>
+              <a:spcAft>
+                <a:spcPts val="1600"/>
+              </a:spcAft>
+              <a:buClr>
+                <a:schemeClr val="lt1"/>
+              </a:buClr>
+              <a:buSzPct val="100000"/>
+              <a:buFont typeface="Lato"/>
+              <a:buChar char="■"/>
+              <a:defRPr sz="1100" b="0" i="0" u="none" strike="noStrike" cap="none">
+                <a:solidFill>
+                  <a:schemeClr val="lt1"/>
+                </a:solidFill>
+                <a:latin typeface="Lato"/>
+                <a:ea typeface="Lato"/>
+                <a:cs typeface="Lato"/>
+                <a:sym typeface="Lato"/>
+              </a:defRPr>
+            </a:lvl6pPr>
+            <a:lvl7pPr marR="0" lvl="6" algn="l" rtl="0">
+              <a:lnSpc>
+                <a:spcPct val="115000"/>
+              </a:lnSpc>
+              <a:spcBef>
+                <a:spcPts val="0"/>
+              </a:spcBef>
+              <a:spcAft>
+                <a:spcPts val="1600"/>
+              </a:spcAft>
+              <a:buClr>
+                <a:schemeClr val="lt1"/>
+              </a:buClr>
+              <a:buSzPct val="100000"/>
+              <a:buFont typeface="Lato"/>
+              <a:buChar char="●"/>
+              <a:defRPr sz="1100" b="0" i="0" u="none" strike="noStrike" cap="none">
+                <a:solidFill>
+                  <a:schemeClr val="lt1"/>
+                </a:solidFill>
+                <a:latin typeface="Lato"/>
+                <a:ea typeface="Lato"/>
+                <a:cs typeface="Lato"/>
+                <a:sym typeface="Lato"/>
+              </a:defRPr>
+            </a:lvl7pPr>
+            <a:lvl8pPr marR="0" lvl="7" algn="l" rtl="0">
+              <a:lnSpc>
+                <a:spcPct val="115000"/>
+              </a:lnSpc>
+              <a:spcBef>
+                <a:spcPts val="0"/>
+              </a:spcBef>
+              <a:spcAft>
+                <a:spcPts val="1600"/>
+              </a:spcAft>
+              <a:buClr>
+                <a:schemeClr val="lt1"/>
+              </a:buClr>
+              <a:buSzPct val="100000"/>
+              <a:buFont typeface="Lato"/>
+              <a:buChar char="○"/>
+              <a:defRPr sz="1100" b="0" i="0" u="none" strike="noStrike" cap="none">
+                <a:solidFill>
+                  <a:schemeClr val="lt1"/>
+                </a:solidFill>
+                <a:latin typeface="Lato"/>
+                <a:ea typeface="Lato"/>
+                <a:cs typeface="Lato"/>
+                <a:sym typeface="Lato"/>
+              </a:defRPr>
+            </a:lvl8pPr>
+            <a:lvl9pPr marR="0" lvl="8" algn="l" rtl="0">
+              <a:lnSpc>
+                <a:spcPct val="115000"/>
+              </a:lnSpc>
+              <a:spcBef>
+                <a:spcPts val="0"/>
+              </a:spcBef>
+              <a:spcAft>
+                <a:spcPts val="1600"/>
+              </a:spcAft>
+              <a:buClr>
+                <a:schemeClr val="lt1"/>
+              </a:buClr>
+              <a:buSzPct val="100000"/>
+              <a:buFont typeface="Lato"/>
+              <a:buChar char="■"/>
+              <a:defRPr sz="1100" b="0" i="0" u="none" strike="noStrike" cap="none">
+                <a:solidFill>
+                  <a:schemeClr val="lt1"/>
+                </a:solidFill>
+                <a:latin typeface="Lato"/>
+                <a:ea typeface="Lato"/>
+                <a:cs typeface="Lato"/>
+                <a:sym typeface="Lato"/>
+              </a:defRPr>
+            </a:lvl9pPr>
+          </a:lstStyle>
+          <a:p>
+            <a:pPr>
+              <a:buFont typeface="Lato"/>
+              <a:buNone/>
+            </a:pPr>
+            <a:r>
+              <a:rPr lang="es-ES" dirty="0" smtClean="0"/>
+              <a:t>Persistencia de datos</a:t>
+            </a:r>
+            <a:endParaRPr lang="es-ES" dirty="0"/>
+          </a:p>
+        </p:txBody>
+      </p:sp>
+    </p:spTree>
+  </p:cSld>
+  <p:clrMapOvr>
+    <a:masterClrMapping/>
+  </p:clrMapOvr>
+  <p:timing>
+    <p:tnLst>
+      <p:par>
+        <p:cTn id="1" dur="indefinite" restart="never" nodeType="tmRoot"/>
       </p:par>
     </p:tnLst>
   </p:timing>
